--- a/.layouts/PlantillaVideo.pptx
+++ b/.layouts/PlantillaVideo.pptx
@@ -5,19 +5,14 @@
     <p:sldMasterId id="2147483778" r:id="rId4"/>
   </p:sldMasterIdLst>
   <p:notesMasterIdLst>
-    <p:notesMasterId r:id="rId12"/>
+    <p:notesMasterId r:id="rId7"/>
   </p:notesMasterIdLst>
   <p:handoutMasterIdLst>
-    <p:handoutMasterId r:id="rId13"/>
+    <p:handoutMasterId r:id="rId8"/>
   </p:handoutMasterIdLst>
   <p:sldIdLst>
-    <p:sldId id="302" r:id="rId5"/>
-    <p:sldId id="307" r:id="rId6"/>
-    <p:sldId id="310" r:id="rId7"/>
-    <p:sldId id="306" r:id="rId8"/>
-    <p:sldId id="308" r:id="rId9"/>
-    <p:sldId id="304" r:id="rId10"/>
-    <p:sldId id="305" r:id="rId11"/>
+    <p:sldId id="314" r:id="rId5"/>
+    <p:sldId id="313" r:id="rId6"/>
   </p:sldIdLst>
   <p:sldSz cx="12192000" cy="6858000"/>
   <p:notesSz cx="6858000" cy="9144000"/>
@@ -121,13 +116,8 @@
       <p14:sectionLst xmlns:p14="http://schemas.microsoft.com/office/powerpoint/2010/main">
         <p14:section name="Default Section" id="{A6194743-3C7C-499C-B327-CF08643433A4}">
           <p14:sldIdLst>
-            <p14:sldId id="302"/>
-            <p14:sldId id="307"/>
-            <p14:sldId id="310"/>
-            <p14:sldId id="306"/>
-            <p14:sldId id="308"/>
-            <p14:sldId id="304"/>
-            <p14:sldId id="305"/>
+            <p14:sldId id="314"/>
+            <p14:sldId id="313"/>
           </p14:sldIdLst>
         </p14:section>
       </p14:sectionLst>
@@ -723,22 +713,37 @@
           <a:lstStyle/>
           <a:p>
             <a:r>
-              <a:rPr lang="en-US" dirty="0" err="1"/>
-              <a:t>Diapositiva</a:t>
-            </a:r>
-            <a:r>
-              <a:rPr lang="en-US" dirty="0"/>
-              <a:t> para </a:t>
-            </a:r>
-            <a:r>
-              <a:rPr lang="en-US" dirty="0" err="1"/>
-              <a:t>introducción</a:t>
-            </a:r>
-            <a:r>
-              <a:rPr lang="en-US" dirty="0"/>
-              <a:t>.</a:t>
-            </a:r>
-            <a:endParaRPr lang="es-CO" dirty="0"/>
+              <a:rPr lang="en-US" sz="1100" dirty="0" err="1">
+                <a:latin typeface="Segoe UI Light" panose="020B0502040204020203" pitchFamily="34" charset="0"/>
+                <a:cs typeface="Segoe UI Light" panose="020B0502040204020203" pitchFamily="34" charset="0"/>
+              </a:rPr>
+              <a:t>Ejemplo</a:t>
+            </a:r>
+            <a:r>
+              <a:rPr lang="en-US" sz="1100" dirty="0">
+                <a:latin typeface="Segoe UI Light" panose="020B0502040204020203" pitchFamily="34" charset="0"/>
+                <a:cs typeface="Segoe UI Light" panose="020B0502040204020203" pitchFamily="34" charset="0"/>
+              </a:rPr>
+              <a:t> </a:t>
+            </a:r>
+            <a:r>
+              <a:rPr lang="en-US" sz="1100" dirty="0" err="1">
+                <a:latin typeface="Segoe UI Light" panose="020B0502040204020203" pitchFamily="34" charset="0"/>
+                <a:cs typeface="Segoe UI Light" panose="020B0502040204020203" pitchFamily="34" charset="0"/>
+              </a:rPr>
+              <a:t>curso</a:t>
+            </a:r>
+            <a:r>
+              <a:rPr lang="en-US" sz="1100" dirty="0">
+                <a:latin typeface="Segoe UI Light" panose="020B0502040204020203" pitchFamily="34" charset="0"/>
+                <a:cs typeface="Segoe UI Light" panose="020B0502040204020203" pitchFamily="34" charset="0"/>
+              </a:rPr>
+              <a:t> https://github.com/juanrodace/J.HRAS</a:t>
+            </a:r>
+            <a:endParaRPr lang="es-CO" sz="1100" dirty="0">
+              <a:latin typeface="Segoe UI Light" panose="020B0502040204020203" pitchFamily="34" charset="0"/>
+              <a:cs typeface="Segoe UI Light" panose="020B0502040204020203" pitchFamily="34" charset="0"/>
+            </a:endParaRPr>
           </a:p>
         </p:txBody>
       </p:sp>
@@ -760,7 +765,7 @@
             <a:pPr rtl="0"/>
             <a:fld id="{810E1E9A-E921-4174-A0FC-51868D7AC568}" type="slidenum">
               <a:rPr lang="es-ES" noProof="0" smtClean="0"/>
-              <a:t>1</a:t>
+              <a:t>2</a:t>
             </a:fld>
             <a:endParaRPr lang="es-ES" noProof="0" dirty="0"/>
           </a:p>
@@ -769,7 +774,7 @@
     </p:spTree>
     <p:extLst>
       <p:ext uri="{BB962C8B-B14F-4D97-AF65-F5344CB8AC3E}">
-        <p14:creationId xmlns:p14="http://schemas.microsoft.com/office/powerpoint/2010/main" val="745368594"/>
+        <p14:creationId xmlns:p14="http://schemas.microsoft.com/office/powerpoint/2010/main" val="100399247"/>
       </p:ext>
     </p:extLst>
   </p:cSld>
@@ -779,9 +784,9 @@
 </p:notes>
 </file>
 
-<file path=ppt/notesSlides/notesSlide2.xml><?xml version="1.0" encoding="utf-8"?>
-<p:notes xmlns:a="http://schemas.openxmlformats.org/drawingml/2006/main" xmlns:r="http://schemas.openxmlformats.org/officeDocument/2006/relationships" xmlns:p="http://schemas.openxmlformats.org/presentationml/2006/main">
-  <p:cSld>
+<file path=ppt/slideLayouts/slideLayout1.xml><?xml version="1.0" encoding="utf-8"?>
+<p:sldLayout xmlns:a="http://schemas.openxmlformats.org/drawingml/2006/main" xmlns:r="http://schemas.openxmlformats.org/officeDocument/2006/relationships" xmlns:p="http://schemas.openxmlformats.org/presentationml/2006/main" preserve="1" userDrawn="1">
+  <p:cSld name="Diapositiva de bienvenida e introducción">
     <p:spTree>
       <p:nvGrpSpPr>
         <p:cNvPr id="1" name=""/>
@@ -798,157 +803,33 @@
       </p:grpSpPr>
       <p:sp>
         <p:nvSpPr>
-          <p:cNvPr id="2" name="Slide Image Placeholder 1"/>
-          <p:cNvSpPr>
-            <a:spLocks noGrp="1" noRot="1" noChangeAspect="1"/>
-          </p:cNvSpPr>
-          <p:nvPr>
-            <p:ph type="sldImg"/>
-          </p:nvPr>
-        </p:nvSpPr>
-        <p:spPr/>
-      </p:sp>
-      <p:sp>
-        <p:nvSpPr>
-          <p:cNvPr id="3" name="Notes Placeholder 2"/>
-          <p:cNvSpPr>
-            <a:spLocks noGrp="1"/>
-          </p:cNvSpPr>
-          <p:nvPr>
-            <p:ph type="body" idx="1"/>
-          </p:nvPr>
-        </p:nvSpPr>
-        <p:spPr/>
-        <p:txBody>
-          <a:bodyPr/>
-          <a:lstStyle/>
-          <a:p>
-            <a:pPr marL="0" marR="0" lvl="0" indent="0" algn="l" defTabSz="914377" rtl="0" eaLnBrk="1" fontAlgn="auto" latinLnBrk="0" hangingPunct="1">
-              <a:lnSpc>
-                <a:spcPct val="100000"/>
-              </a:lnSpc>
-              <a:spcBef>
-                <a:spcPts val="0"/>
-              </a:spcBef>
-              <a:spcAft>
-                <a:spcPts val="0"/>
-              </a:spcAft>
-              <a:buClrTx/>
-              <a:buSzTx/>
-              <a:buFontTx/>
-              <a:buNone/>
-              <a:tabLst/>
-              <a:defRPr/>
-            </a:pPr>
-            <a:r>
-              <a:rPr lang="en-US" dirty="0" err="1"/>
-              <a:t>Diapositiva</a:t>
-            </a:r>
-            <a:r>
-              <a:rPr lang="en-US" dirty="0"/>
-              <a:t> para </a:t>
-            </a:r>
-            <a:r>
-              <a:rPr lang="en-US" dirty="0" err="1"/>
-              <a:t>introducción</a:t>
-            </a:r>
-            <a:r>
-              <a:rPr lang="en-US" dirty="0"/>
-              <a:t> </a:t>
-            </a:r>
-            <a:r>
-              <a:rPr lang="en-US" dirty="0" err="1"/>
-              <a:t>ejemplo</a:t>
-            </a:r>
-            <a:r>
-              <a:rPr lang="en-US" dirty="0"/>
-              <a:t>.</a:t>
-            </a:r>
-            <a:endParaRPr lang="es-CO" dirty="0"/>
-          </a:p>
-        </p:txBody>
-      </p:sp>
-      <p:sp>
-        <p:nvSpPr>
-          <p:cNvPr id="4" name="Slide Number Placeholder 3"/>
-          <p:cNvSpPr>
-            <a:spLocks noGrp="1"/>
-          </p:cNvSpPr>
-          <p:nvPr>
-            <p:ph type="sldNum" sz="quarter" idx="5"/>
-          </p:nvPr>
-        </p:nvSpPr>
-        <p:spPr/>
-        <p:txBody>
-          <a:bodyPr/>
-          <a:lstStyle/>
-          <a:p>
-            <a:pPr rtl="0"/>
-            <a:fld id="{810E1E9A-E921-4174-A0FC-51868D7AC568}" type="slidenum">
-              <a:rPr lang="es-ES" noProof="0" smtClean="0"/>
-              <a:t>2</a:t>
-            </a:fld>
-            <a:endParaRPr lang="es-ES" noProof="0" dirty="0"/>
-          </a:p>
-        </p:txBody>
-      </p:sp>
-    </p:spTree>
-    <p:extLst>
-      <p:ext uri="{BB962C8B-B14F-4D97-AF65-F5344CB8AC3E}">
-        <p14:creationId xmlns:p14="http://schemas.microsoft.com/office/powerpoint/2010/main" val="1306954466"/>
-      </p:ext>
-    </p:extLst>
-  </p:cSld>
-  <p:clrMapOvr>
-    <a:masterClrMapping/>
-  </p:clrMapOvr>
-</p:notes>
-</file>
-
-<file path=ppt/slideLayouts/slideLayout1.xml><?xml version="1.0" encoding="utf-8"?>
-<p:sldLayout xmlns:a="http://schemas.openxmlformats.org/drawingml/2006/main" xmlns:r="http://schemas.openxmlformats.org/officeDocument/2006/relationships" xmlns:p="http://schemas.openxmlformats.org/presentationml/2006/main" type="title" preserve="1">
-  <p:cSld name="Diapositiva de título">
-    <p:spTree>
-      <p:nvGrpSpPr>
-        <p:cNvPr id="1" name=""/>
-        <p:cNvGrpSpPr/>
-        <p:nvPr/>
-      </p:nvGrpSpPr>
-      <p:grpSpPr>
-        <a:xfrm>
-          <a:off x="0" y="0"/>
-          <a:ext cx="0" cy="0"/>
-          <a:chOff x="0" y="0"/>
-          <a:chExt cx="0" cy="0"/>
-        </a:xfrm>
-      </p:grpSpPr>
-      <p:sp>
-        <p:nvSpPr>
           <p:cNvPr id="2" name="Title 1"/>
           <p:cNvSpPr>
             <a:spLocks noGrp="1"/>
           </p:cNvSpPr>
           <p:nvPr>
-            <p:ph type="ctrTitle"/>
+            <p:ph type="ctrTitle" hasCustomPrompt="1"/>
           </p:nvPr>
         </p:nvSpPr>
         <p:spPr>
           <a:xfrm>
-            <a:off x="1524000" y="1122363"/>
-            <a:ext cx="9144000" cy="2387600"/>
+            <a:off x="720000" y="720000"/>
+            <a:ext cx="6840000" cy="2880000"/>
           </a:xfrm>
         </p:spPr>
         <p:txBody>
-          <a:bodyPr anchor="b"/>
+          <a:bodyPr anchor="t" anchorCtr="0">
+            <a:normAutofit/>
+          </a:bodyPr>
           <a:lstStyle>
-            <a:lvl1pPr algn="ctr">
-              <a:defRPr sz="6000"/>
+            <a:lvl1pPr algn="l">
+              <a:defRPr sz="2600"/>
             </a:lvl1pPr>
           </a:lstStyle>
           <a:p>
             <a:r>
-              <a:rPr lang="es-ES"/>
-              <a:t>Haga clic para modificar el estilo de título del patrón</a:t>
+              <a:rPr lang="es-ES" dirty="0"/>
+              <a:t>Ingrese aquí el título de la sección, actividad o clase</a:t>
             </a:r>
             <a:endParaRPr lang="en-US" dirty="0"/>
           </a:p>
@@ -961,21 +842,30 @@
             <a:spLocks noGrp="1"/>
           </p:cNvSpPr>
           <p:nvPr>
-            <p:ph type="subTitle" idx="1"/>
+            <p:ph type="subTitle" idx="1" hasCustomPrompt="1"/>
           </p:nvPr>
         </p:nvSpPr>
         <p:spPr>
           <a:xfrm>
-            <a:off x="1524000" y="3602037"/>
-            <a:ext cx="9144000" cy="1655763"/>
+            <a:off x="720000" y="3701988"/>
+            <a:ext cx="6840000" cy="1553775"/>
           </a:xfrm>
         </p:spPr>
         <p:txBody>
-          <a:bodyPr/>
+          <a:bodyPr>
+            <a:normAutofit/>
+          </a:bodyPr>
           <a:lstStyle>
-            <a:lvl1pPr marL="0" indent="0" algn="ctr">
-              <a:buNone/>
-              <a:defRPr sz="2400"/>
+            <a:lvl1pPr marL="0" indent="0" algn="l">
+              <a:buNone/>
+              <a:defRPr sz="2000">
+                <a:solidFill>
+                  <a:schemeClr val="tx1">
+                    <a:lumMod val="75000"/>
+                    <a:lumOff val="25000"/>
+                  </a:schemeClr>
+                </a:solidFill>
+              </a:defRPr>
             </a:lvl1pPr>
             <a:lvl2pPr marL="457189" indent="0" algn="ctr">
               <a:buNone/>
@@ -1012,8 +902,8 @@
           </a:lstStyle>
           <a:p>
             <a:r>
-              <a:rPr lang="es-ES"/>
-              <a:t>Haga clic para modificar el estilo de subtítulo del patrón</a:t>
+              <a:rPr lang="es-ES" dirty="0"/>
+              <a:t>Ingrese aquí un texto descriptivo de esta actividad (opcional)</a:t>
             </a:r>
             <a:endParaRPr lang="en-US" dirty="0"/>
           </a:p>
@@ -1035,7 +925,7 @@
           <a:lstStyle/>
           <a:p>
             <a:pPr rtl="0"/>
-            <a:fld id="{95732FF5-B762-47CF-A667-C95E437C256E}" type="datetime1">
+            <a:fld id="{55224D71-97F5-4B9D-B11B-235152E09E96}" type="datetime1">
               <a:rPr lang="es-ES" noProof="0" smtClean="0"/>
               <a:t>09/08/2022</a:t>
             </a:fld>
@@ -1060,8 +950,8 @@
           <a:p>
             <a:pPr rtl="0"/>
             <a:r>
-              <a:rPr lang="es-ES" noProof="0"/>
-              <a:t>Agregar un pie de página</a:t>
+              <a:rPr lang="es-CO" noProof="0"/>
+              <a:t>Escuela Colombiana de Ingeniería Julio Garavito</a:t>
             </a:r>
             <a:endParaRPr lang="es-ES" noProof="0" dirty="0"/>
           </a:p>
@@ -1088,6 +978,218 @@
               <a:t>‹#›</a:t>
             </a:fld>
             <a:endParaRPr lang="es-ES" noProof="0" dirty="0"/>
+          </a:p>
+        </p:txBody>
+      </p:sp>
+      <p:sp>
+        <p:nvSpPr>
+          <p:cNvPr id="8" name="Rectangle: Rounded Corners 7">
+            <a:extLst>
+              <a:ext uri="{FF2B5EF4-FFF2-40B4-BE49-F238E27FC236}">
+                <a16:creationId xmlns:a16="http://schemas.microsoft.com/office/drawing/2014/main" id="{564332D5-1933-C57D-42B6-183DC2A4C567}"/>
+              </a:ext>
+            </a:extLst>
+          </p:cNvPr>
+          <p:cNvSpPr/>
+          <p:nvPr/>
+        </p:nvSpPr>
+        <p:spPr>
+          <a:xfrm>
+            <a:off x="720000" y="5598000"/>
+            <a:ext cx="613813" cy="540000"/>
+          </a:xfrm>
+          <a:prstGeom prst="roundRect">
+            <a:avLst/>
+          </a:prstGeom>
+          <a:solidFill>
+            <a:srgbClr val="990000"/>
+          </a:solidFill>
+          <a:ln>
+            <a:noFill/>
+          </a:ln>
+        </p:spPr>
+        <p:style>
+          <a:lnRef idx="2">
+            <a:schemeClr val="accent1">
+              <a:shade val="50000"/>
+            </a:schemeClr>
+          </a:lnRef>
+          <a:fillRef idx="1">
+            <a:schemeClr val="accent1"/>
+          </a:fillRef>
+          <a:effectRef idx="0">
+            <a:schemeClr val="accent1"/>
+          </a:effectRef>
+          <a:fontRef idx="minor">
+            <a:schemeClr val="lt1"/>
+          </a:fontRef>
+        </p:style>
+        <p:txBody>
+          <a:bodyPr rtlCol="0" anchor="ctr"/>
+          <a:lstStyle/>
+          <a:p>
+            <a:pPr algn="ctr"/>
+            <a:endParaRPr lang="es-CO"/>
+          </a:p>
+        </p:txBody>
+      </p:sp>
+      <p:sp>
+        <p:nvSpPr>
+          <p:cNvPr id="21" name="Content Placeholder 20">
+            <a:extLst>
+              <a:ext uri="{FF2B5EF4-FFF2-40B4-BE49-F238E27FC236}">
+                <a16:creationId xmlns:a16="http://schemas.microsoft.com/office/drawing/2014/main" id="{37EDCC3F-5122-AA78-5970-BD245E579433}"/>
+              </a:ext>
+            </a:extLst>
+          </p:cNvPr>
+          <p:cNvSpPr>
+            <a:spLocks noGrp="1"/>
+          </p:cNvSpPr>
+          <p:nvPr>
+            <p:ph sz="quarter" idx="14" hasCustomPrompt="1"/>
+          </p:nvPr>
+        </p:nvSpPr>
+        <p:spPr>
+          <a:xfrm>
+            <a:off x="927652" y="5598000"/>
+            <a:ext cx="4320000" cy="540000"/>
+          </a:xfrm>
+          <a:solidFill>
+            <a:schemeClr val="bg1">
+              <a:lumMod val="75000"/>
+            </a:schemeClr>
+          </a:solidFill>
+        </p:spPr>
+        <p:txBody>
+          <a:bodyPr anchor="ctr" anchorCtr="0">
+            <a:noAutofit/>
+          </a:bodyPr>
+          <a:lstStyle>
+            <a:lvl1pPr marL="0" indent="0">
+              <a:buNone/>
+              <a:defRPr sz="1800">
+                <a:solidFill>
+                  <a:schemeClr val="bg1">
+                    <a:lumMod val="10000"/>
+                  </a:schemeClr>
+                </a:solidFill>
+                <a:latin typeface="+mn-lt"/>
+              </a:defRPr>
+            </a:lvl1pPr>
+            <a:lvl2pPr>
+              <a:defRPr sz="1600"/>
+            </a:lvl2pPr>
+            <a:lvl3pPr>
+              <a:defRPr sz="1400"/>
+            </a:lvl3pPr>
+            <a:lvl4pPr>
+              <a:defRPr sz="1200"/>
+            </a:lvl4pPr>
+            <a:lvl5pPr>
+              <a:defRPr sz="1200"/>
+            </a:lvl5pPr>
+          </a:lstStyle>
+          <a:p>
+            <a:r>
+              <a:rPr lang="en-US" sz="1800" dirty="0" err="1">
+                <a:solidFill>
+                  <a:schemeClr val="bg1"/>
+                </a:solidFill>
+                <a:latin typeface="Segoe UI" panose="020B0502040204020203" pitchFamily="34" charset="0"/>
+                <a:cs typeface="Segoe UI" panose="020B0502040204020203" pitchFamily="34" charset="0"/>
+              </a:rPr>
+              <a:t>Ingrese</a:t>
+            </a:r>
+            <a:r>
+              <a:rPr lang="en-US" sz="1800" dirty="0">
+                <a:solidFill>
+                  <a:schemeClr val="bg1"/>
+                </a:solidFill>
+                <a:latin typeface="Segoe UI" panose="020B0502040204020203" pitchFamily="34" charset="0"/>
+                <a:cs typeface="Segoe UI" panose="020B0502040204020203" pitchFamily="34" charset="0"/>
+              </a:rPr>
+              <a:t> </a:t>
+            </a:r>
+            <a:r>
+              <a:rPr lang="en-US" sz="1800" dirty="0" err="1">
+                <a:solidFill>
+                  <a:schemeClr val="bg1"/>
+                </a:solidFill>
+                <a:latin typeface="Segoe UI" panose="020B0502040204020203" pitchFamily="34" charset="0"/>
+                <a:cs typeface="Segoe UI" panose="020B0502040204020203" pitchFamily="34" charset="0"/>
+              </a:rPr>
+              <a:t>aquí</a:t>
+            </a:r>
+            <a:r>
+              <a:rPr lang="en-US" sz="1800" dirty="0">
+                <a:solidFill>
+                  <a:schemeClr val="bg1"/>
+                </a:solidFill>
+                <a:latin typeface="Segoe UI" panose="020B0502040204020203" pitchFamily="34" charset="0"/>
+                <a:cs typeface="Segoe UI" panose="020B0502040204020203" pitchFamily="34" charset="0"/>
+              </a:rPr>
+              <a:t> </a:t>
+            </a:r>
+            <a:r>
+              <a:rPr lang="en-US" sz="1800" dirty="0" err="1">
+                <a:solidFill>
+                  <a:schemeClr val="bg1"/>
+                </a:solidFill>
+                <a:latin typeface="Segoe UI" panose="020B0502040204020203" pitchFamily="34" charset="0"/>
+                <a:cs typeface="Segoe UI" panose="020B0502040204020203" pitchFamily="34" charset="0"/>
+              </a:rPr>
+              <a:t>su</a:t>
+            </a:r>
+            <a:r>
+              <a:rPr lang="en-US" sz="1800" dirty="0">
+                <a:solidFill>
+                  <a:schemeClr val="bg1"/>
+                </a:solidFill>
+                <a:latin typeface="Segoe UI" panose="020B0502040204020203" pitchFamily="34" charset="0"/>
+                <a:cs typeface="Segoe UI" panose="020B0502040204020203" pitchFamily="34" charset="0"/>
+              </a:rPr>
+              <a:t> </a:t>
+            </a:r>
+            <a:r>
+              <a:rPr lang="en-US" sz="1800" dirty="0" err="1">
+                <a:solidFill>
+                  <a:schemeClr val="bg1"/>
+                </a:solidFill>
+                <a:latin typeface="Segoe UI" panose="020B0502040204020203" pitchFamily="34" charset="0"/>
+                <a:cs typeface="Segoe UI" panose="020B0502040204020203" pitchFamily="34" charset="0"/>
+              </a:rPr>
+              <a:t>nombre</a:t>
+            </a:r>
+            <a:r>
+              <a:rPr lang="en-US" sz="1800" dirty="0">
+                <a:solidFill>
+                  <a:schemeClr val="bg1"/>
+                </a:solidFill>
+                <a:latin typeface="Segoe UI" panose="020B0502040204020203" pitchFamily="34" charset="0"/>
+                <a:cs typeface="Segoe UI" panose="020B0502040204020203" pitchFamily="34" charset="0"/>
+              </a:rPr>
+              <a:t> (</a:t>
+            </a:r>
+            <a:r>
+              <a:rPr lang="en-US" sz="1800" dirty="0" err="1">
+                <a:solidFill>
+                  <a:schemeClr val="bg1"/>
+                </a:solidFill>
+                <a:latin typeface="Segoe UI" panose="020B0502040204020203" pitchFamily="34" charset="0"/>
+                <a:cs typeface="Segoe UI" panose="020B0502040204020203" pitchFamily="34" charset="0"/>
+              </a:rPr>
+              <a:t>requerido</a:t>
+            </a:r>
+            <a:r>
+              <a:rPr lang="en-US" sz="1800" dirty="0">
+                <a:solidFill>
+                  <a:schemeClr val="bg1"/>
+                </a:solidFill>
+                <a:latin typeface="Segoe UI" panose="020B0502040204020203" pitchFamily="34" charset="0"/>
+                <a:cs typeface="Segoe UI" panose="020B0502040204020203" pitchFamily="34" charset="0"/>
+              </a:rPr>
+              <a:t>)</a:t>
+            </a:r>
           </a:p>
         </p:txBody>
       </p:sp>
@@ -1117,8 +1219,8 @@
 </file>
 
 <file path=ppt/slideLayouts/slideLayout10.xml><?xml version="1.0" encoding="utf-8"?>
-<p:sldLayout xmlns:a="http://schemas.openxmlformats.org/drawingml/2006/main" xmlns:r="http://schemas.openxmlformats.org/officeDocument/2006/relationships" xmlns:p="http://schemas.openxmlformats.org/presentationml/2006/main" type="vertTx" preserve="1">
-  <p:cSld name="Título y texto vertical">
+<p:sldLayout xmlns:a="http://schemas.openxmlformats.org/drawingml/2006/main" xmlns:r="http://schemas.openxmlformats.org/officeDocument/2006/relationships" xmlns:p="http://schemas.openxmlformats.org/presentationml/2006/main" type="titleOnly" preserve="1">
+  <p:cSld name="Solo el título con expositor">
     <p:spTree>
       <p:nvGrpSpPr>
         <p:cNvPr id="1" name=""/>
@@ -1140,7 +1242,7 @@
             <a:spLocks noGrp="1"/>
           </p:cNvSpPr>
           <p:nvPr>
-            <p:ph type="title"/>
+            <p:ph type="title" hasCustomPrompt="1"/>
           </p:nvPr>
         </p:nvSpPr>
         <p:spPr/>
@@ -1149,8 +1251,8 @@
           <a:lstStyle/>
           <a:p>
             <a:r>
-              <a:rPr lang="es-ES"/>
-              <a:t>Haga clic para modificar el estilo de título del patrón</a:t>
+              <a:rPr lang="es-ES" dirty="0"/>
+              <a:t>Ingrese aquí el subtítulo</a:t>
             </a:r>
             <a:endParaRPr lang="en-US" dirty="0"/>
           </a:p>
@@ -1158,59 +1260,7 @@
       </p:sp>
       <p:sp>
         <p:nvSpPr>
-          <p:cNvPr id="3" name="Vertical Text Placeholder 2"/>
-          <p:cNvSpPr>
-            <a:spLocks noGrp="1"/>
-          </p:cNvSpPr>
-          <p:nvPr>
-            <p:ph type="body" orient="vert" idx="1"/>
-          </p:nvPr>
-        </p:nvSpPr>
-        <p:spPr/>
-        <p:txBody>
-          <a:bodyPr vert="eaVert"/>
-          <a:lstStyle/>
-          <a:p>
-            <a:pPr lvl="0"/>
-            <a:r>
-              <a:rPr lang="es-ES"/>
-              <a:t>Haga clic para modificar los estilos de texto del patrón</a:t>
-            </a:r>
-          </a:p>
-          <a:p>
-            <a:pPr lvl="1"/>
-            <a:r>
-              <a:rPr lang="es-ES"/>
-              <a:t>Segundo nivel</a:t>
-            </a:r>
-          </a:p>
-          <a:p>
-            <a:pPr lvl="2"/>
-            <a:r>
-              <a:rPr lang="es-ES"/>
-              <a:t>Tercer nivel</a:t>
-            </a:r>
-          </a:p>
-          <a:p>
-            <a:pPr lvl="3"/>
-            <a:r>
-              <a:rPr lang="es-ES"/>
-              <a:t>Cuarto nivel</a:t>
-            </a:r>
-          </a:p>
-          <a:p>
-            <a:pPr lvl="4"/>
-            <a:r>
-              <a:rPr lang="es-ES"/>
-              <a:t>Quinto nivel</a:t>
-            </a:r>
-            <a:endParaRPr lang="en-US" dirty="0"/>
-          </a:p>
-        </p:txBody>
-      </p:sp>
-      <p:sp>
-        <p:nvSpPr>
-          <p:cNvPr id="4" name="Date Placeholder 3"/>
+          <p:cNvPr id="3" name="Date Placeholder 2"/>
           <p:cNvSpPr>
             <a:spLocks noGrp="1"/>
           </p:cNvSpPr>
@@ -1224,7 +1274,7 @@
           <a:lstStyle/>
           <a:p>
             <a:pPr rtl="0"/>
-            <a:fld id="{3DDDD12C-A2E5-4D32-A8D5-4FBA4A9916EE}" type="datetime1">
+            <a:fld id="{2AB3A384-AAB1-4A76-A43B-EFE930A802BF}" type="datetime1">
               <a:rPr lang="es-ES" noProof="0" smtClean="0"/>
               <a:t>09/08/2022</a:t>
             </a:fld>
@@ -1234,7 +1284,7 @@
       </p:sp>
       <p:sp>
         <p:nvSpPr>
-          <p:cNvPr id="5" name="Footer Placeholder 4"/>
+          <p:cNvPr id="4" name="Footer Placeholder 3"/>
           <p:cNvSpPr>
             <a:spLocks noGrp="1"/>
           </p:cNvSpPr>
@@ -1249,8 +1299,8 @@
           <a:p>
             <a:pPr rtl="0"/>
             <a:r>
-              <a:rPr lang="es-ES" noProof="0"/>
-              <a:t>Agregar un pie de página</a:t>
+              <a:rPr lang="es-CO" noProof="0"/>
+              <a:t>Escuela Colombiana de Ingeniería Julio Garavito</a:t>
             </a:r>
             <a:endParaRPr lang="es-ES" noProof="0" dirty="0"/>
           </a:p>
@@ -1258,7 +1308,7 @@
       </p:sp>
       <p:sp>
         <p:nvSpPr>
-          <p:cNvPr id="6" name="Slide Number Placeholder 5"/>
+          <p:cNvPr id="5" name="Slide Number Placeholder 4"/>
           <p:cNvSpPr>
             <a:spLocks noGrp="1"/>
           </p:cNvSpPr>
@@ -1269,462 +1319,6 @@
         <p:spPr/>
         <p:txBody>
           <a:bodyPr/>
-          <a:lstStyle/>
-          <a:p>
-            <a:pPr rtl="0"/>
-            <a:fld id="{71B7BAC7-FE87-40F6-AA24-4F4685D1B022}" type="slidenum">
-              <a:rPr lang="es-ES" noProof="0" smtClean="0"/>
-              <a:pPr rtl="0"/>
-              <a:t>‹#›</a:t>
-            </a:fld>
-            <a:endParaRPr lang="es-ES" noProof="0" dirty="0"/>
-          </a:p>
-        </p:txBody>
-      </p:sp>
-    </p:spTree>
-    <p:extLst>
-      <p:ext uri="{BB962C8B-B14F-4D97-AF65-F5344CB8AC3E}">
-        <p14:creationId xmlns:p14="http://schemas.microsoft.com/office/powerpoint/2010/main" val="1875724714"/>
-      </p:ext>
-    </p:extLst>
-  </p:cSld>
-  <p:clrMapOvr>
-    <a:masterClrMapping/>
-  </p:clrMapOvr>
-  <p:hf sldNum="0" hdr="0" ftr="0" dt="0"/>
-</p:sldLayout>
-</file>
-
-<file path=ppt/slideLayouts/slideLayout11.xml><?xml version="1.0" encoding="utf-8"?>
-<p:sldLayout xmlns:a="http://schemas.openxmlformats.org/drawingml/2006/main" xmlns:r="http://schemas.openxmlformats.org/officeDocument/2006/relationships" xmlns:p="http://schemas.openxmlformats.org/presentationml/2006/main" type="vertTitleAndTx" preserve="1">
-  <p:cSld name="Título vertical y texto">
-    <p:spTree>
-      <p:nvGrpSpPr>
-        <p:cNvPr id="1" name=""/>
-        <p:cNvGrpSpPr/>
-        <p:nvPr/>
-      </p:nvGrpSpPr>
-      <p:grpSpPr>
-        <a:xfrm>
-          <a:off x="0" y="0"/>
-          <a:ext cx="0" cy="0"/>
-          <a:chOff x="0" y="0"/>
-          <a:chExt cx="0" cy="0"/>
-        </a:xfrm>
-      </p:grpSpPr>
-      <p:sp>
-        <p:nvSpPr>
-          <p:cNvPr id="2" name="Vertical Title 1"/>
-          <p:cNvSpPr>
-            <a:spLocks noGrp="1"/>
-          </p:cNvSpPr>
-          <p:nvPr>
-            <p:ph type="title" orient="vert"/>
-          </p:nvPr>
-        </p:nvSpPr>
-        <p:spPr>
-          <a:xfrm>
-            <a:off x="8724901" y="365126"/>
-            <a:ext cx="2628900" cy="5811839"/>
-          </a:xfrm>
-        </p:spPr>
-        <p:txBody>
-          <a:bodyPr vert="eaVert"/>
-          <a:lstStyle/>
-          <a:p>
-            <a:r>
-              <a:rPr lang="es-ES"/>
-              <a:t>Haga clic para modificar el estilo de título del patrón</a:t>
-            </a:r>
-            <a:endParaRPr lang="en-US" dirty="0"/>
-          </a:p>
-        </p:txBody>
-      </p:sp>
-      <p:sp>
-        <p:nvSpPr>
-          <p:cNvPr id="3" name="Vertical Text Placeholder 2"/>
-          <p:cNvSpPr>
-            <a:spLocks noGrp="1"/>
-          </p:cNvSpPr>
-          <p:nvPr>
-            <p:ph type="body" orient="vert" idx="1"/>
-          </p:nvPr>
-        </p:nvSpPr>
-        <p:spPr>
-          <a:xfrm>
-            <a:off x="838201" y="365126"/>
-            <a:ext cx="7734300" cy="5811839"/>
-          </a:xfrm>
-        </p:spPr>
-        <p:txBody>
-          <a:bodyPr vert="eaVert"/>
-          <a:lstStyle/>
-          <a:p>
-            <a:pPr lvl="0"/>
-            <a:r>
-              <a:rPr lang="es-ES"/>
-              <a:t>Haga clic para modificar los estilos de texto del patrón</a:t>
-            </a:r>
-          </a:p>
-          <a:p>
-            <a:pPr lvl="1"/>
-            <a:r>
-              <a:rPr lang="es-ES"/>
-              <a:t>Segundo nivel</a:t>
-            </a:r>
-          </a:p>
-          <a:p>
-            <a:pPr lvl="2"/>
-            <a:r>
-              <a:rPr lang="es-ES"/>
-              <a:t>Tercer nivel</a:t>
-            </a:r>
-          </a:p>
-          <a:p>
-            <a:pPr lvl="3"/>
-            <a:r>
-              <a:rPr lang="es-ES"/>
-              <a:t>Cuarto nivel</a:t>
-            </a:r>
-          </a:p>
-          <a:p>
-            <a:pPr lvl="4"/>
-            <a:r>
-              <a:rPr lang="es-ES"/>
-              <a:t>Quinto nivel</a:t>
-            </a:r>
-            <a:endParaRPr lang="en-US" dirty="0"/>
-          </a:p>
-        </p:txBody>
-      </p:sp>
-      <p:sp>
-        <p:nvSpPr>
-          <p:cNvPr id="4" name="Date Placeholder 3"/>
-          <p:cNvSpPr>
-            <a:spLocks noGrp="1"/>
-          </p:cNvSpPr>
-          <p:nvPr>
-            <p:ph type="dt" sz="half" idx="10"/>
-          </p:nvPr>
-        </p:nvSpPr>
-        <p:spPr/>
-        <p:txBody>
-          <a:bodyPr/>
-          <a:lstStyle/>
-          <a:p>
-            <a:pPr rtl="0"/>
-            <a:fld id="{3DDDD12C-A2E5-4D32-A8D5-4FBA4A9916EE}" type="datetime1">
-              <a:rPr lang="es-ES" noProof="0" smtClean="0"/>
-              <a:t>09/08/2022</a:t>
-            </a:fld>
-            <a:endParaRPr lang="es-ES" noProof="0" dirty="0"/>
-          </a:p>
-        </p:txBody>
-      </p:sp>
-      <p:sp>
-        <p:nvSpPr>
-          <p:cNvPr id="5" name="Footer Placeholder 4"/>
-          <p:cNvSpPr>
-            <a:spLocks noGrp="1"/>
-          </p:cNvSpPr>
-          <p:nvPr>
-            <p:ph type="ftr" sz="quarter" idx="11"/>
-          </p:nvPr>
-        </p:nvSpPr>
-        <p:spPr/>
-        <p:txBody>
-          <a:bodyPr/>
-          <a:lstStyle/>
-          <a:p>
-            <a:pPr rtl="0"/>
-            <a:r>
-              <a:rPr lang="es-ES" noProof="0"/>
-              <a:t>Agregar un pie de página</a:t>
-            </a:r>
-            <a:endParaRPr lang="es-ES" noProof="0" dirty="0"/>
-          </a:p>
-        </p:txBody>
-      </p:sp>
-      <p:sp>
-        <p:nvSpPr>
-          <p:cNvPr id="6" name="Slide Number Placeholder 5"/>
-          <p:cNvSpPr>
-            <a:spLocks noGrp="1"/>
-          </p:cNvSpPr>
-          <p:nvPr>
-            <p:ph type="sldNum" sz="quarter" idx="12"/>
-          </p:nvPr>
-        </p:nvSpPr>
-        <p:spPr/>
-        <p:txBody>
-          <a:bodyPr/>
-          <a:lstStyle/>
-          <a:p>
-            <a:pPr rtl="0"/>
-            <a:fld id="{71B7BAC7-FE87-40F6-AA24-4F4685D1B022}" type="slidenum">
-              <a:rPr lang="es-ES" noProof="0" smtClean="0"/>
-              <a:pPr rtl="0"/>
-              <a:t>‹#›</a:t>
-            </a:fld>
-            <a:endParaRPr lang="es-ES" noProof="0" dirty="0"/>
-          </a:p>
-        </p:txBody>
-      </p:sp>
-    </p:spTree>
-    <p:extLst>
-      <p:ext uri="{BB962C8B-B14F-4D97-AF65-F5344CB8AC3E}">
-        <p14:creationId xmlns:p14="http://schemas.microsoft.com/office/powerpoint/2010/main" val="1858931708"/>
-      </p:ext>
-    </p:extLst>
-  </p:cSld>
-  <p:clrMapOvr>
-    <a:masterClrMapping/>
-  </p:clrMapOvr>
-  <p:hf sldNum="0" hdr="0" ftr="0" dt="0"/>
-</p:sldLayout>
-</file>
-
-<file path=ppt/slideLayouts/slideLayout12.xml><?xml version="1.0" encoding="utf-8"?>
-<p:sldLayout xmlns:a="http://schemas.openxmlformats.org/drawingml/2006/main" xmlns:r="http://schemas.openxmlformats.org/officeDocument/2006/relationships" xmlns:p="http://schemas.openxmlformats.org/presentationml/2006/main" preserve="1" userDrawn="1">
-  <p:cSld name="1_Imagen con leyenda">
-    <p:spTree>
-      <p:nvGrpSpPr>
-        <p:cNvPr id="1" name=""/>
-        <p:cNvGrpSpPr/>
-        <p:nvPr/>
-      </p:nvGrpSpPr>
-      <p:grpSpPr>
-        <a:xfrm>
-          <a:off x="0" y="0"/>
-          <a:ext cx="0" cy="0"/>
-          <a:chOff x="0" y="0"/>
-          <a:chExt cx="0" cy="0"/>
-        </a:xfrm>
-      </p:grpSpPr>
-      <p:sp>
-        <p:nvSpPr>
-          <p:cNvPr id="9" name="Título 1"/>
-          <p:cNvSpPr>
-            <a:spLocks noGrp="1"/>
-          </p:cNvSpPr>
-          <p:nvPr>
-            <p:ph type="title"/>
-          </p:nvPr>
-        </p:nvSpPr>
-        <p:spPr>
-          <a:xfrm>
-            <a:off x="1562100" y="457200"/>
-            <a:ext cx="3932237" cy="1600200"/>
-          </a:xfrm>
-        </p:spPr>
-        <p:txBody>
-          <a:bodyPr rtlCol="0" anchor="b"/>
-          <a:lstStyle>
-            <a:lvl1pPr rtl="0">
-              <a:defRPr sz="3200"/>
-            </a:lvl1pPr>
-          </a:lstStyle>
-          <a:p>
-            <a:pPr rtl="0"/>
-            <a:r>
-              <a:rPr lang="es-ES" noProof="0"/>
-              <a:t>Haga clic para modificar el estilo de título del patrón</a:t>
-            </a:r>
-            <a:endParaRPr lang="es-ES" noProof="0" dirty="0"/>
-          </a:p>
-        </p:txBody>
-      </p:sp>
-      <p:sp>
-        <p:nvSpPr>
-          <p:cNvPr id="3" name="Marcador de posición de imagen 2" descr="Marcador de posición vacío para agregar una imagen. Haga clic en el marcador de posición y seleccione la imagen que desee agregar"/>
-          <p:cNvSpPr>
-            <a:spLocks noGrp="1"/>
-          </p:cNvSpPr>
-          <p:nvPr>
-            <p:ph type="pic" idx="1"/>
-          </p:nvPr>
-        </p:nvSpPr>
-        <p:spPr>
-          <a:xfrm>
-            <a:off x="5678904" y="987426"/>
-            <a:ext cx="5678424" cy="4873625"/>
-          </a:xfrm>
-        </p:spPr>
-        <p:txBody>
-          <a:bodyPr rtlCol="0"/>
-          <a:lstStyle>
-            <a:lvl1pPr marL="0" indent="0">
-              <a:buNone/>
-              <a:defRPr sz="3200"/>
-            </a:lvl1pPr>
-            <a:lvl2pPr marL="457189" indent="0">
-              <a:buNone/>
-              <a:defRPr sz="2800"/>
-            </a:lvl2pPr>
-            <a:lvl3pPr marL="914377" indent="0">
-              <a:buNone/>
-              <a:defRPr sz="2400"/>
-            </a:lvl3pPr>
-            <a:lvl4pPr marL="1371566" indent="0">
-              <a:buNone/>
-              <a:defRPr sz="2000"/>
-            </a:lvl4pPr>
-            <a:lvl5pPr marL="1828754" indent="0">
-              <a:buNone/>
-              <a:defRPr sz="2000"/>
-            </a:lvl5pPr>
-            <a:lvl6pPr marL="2285943" indent="0">
-              <a:buNone/>
-              <a:defRPr sz="2000"/>
-            </a:lvl6pPr>
-            <a:lvl7pPr marL="2743131" indent="0">
-              <a:buNone/>
-              <a:defRPr sz="2000"/>
-            </a:lvl7pPr>
-            <a:lvl8pPr marL="3200320" indent="0">
-              <a:buNone/>
-              <a:defRPr sz="2000"/>
-            </a:lvl8pPr>
-            <a:lvl9pPr marL="3657509" indent="0">
-              <a:buNone/>
-              <a:defRPr sz="2000"/>
-            </a:lvl9pPr>
-          </a:lstStyle>
-          <a:p>
-            <a:pPr rtl="0"/>
-            <a:r>
-              <a:rPr lang="es-ES" noProof="0"/>
-              <a:t>Haga clic en el icono para agregar una imagen</a:t>
-            </a:r>
-            <a:endParaRPr lang="es-ES" noProof="0" dirty="0"/>
-          </a:p>
-        </p:txBody>
-      </p:sp>
-      <p:sp>
-        <p:nvSpPr>
-          <p:cNvPr id="8" name="Marcador de posición de texto 3"/>
-          <p:cNvSpPr>
-            <a:spLocks noGrp="1"/>
-          </p:cNvSpPr>
-          <p:nvPr>
-            <p:ph type="body" sz="half" idx="2"/>
-          </p:nvPr>
-        </p:nvSpPr>
-        <p:spPr>
-          <a:xfrm>
-            <a:off x="1562100" y="2101851"/>
-            <a:ext cx="3932237" cy="3759200"/>
-          </a:xfrm>
-        </p:spPr>
-        <p:txBody>
-          <a:bodyPr rtlCol="0"/>
-          <a:lstStyle>
-            <a:lvl1pPr marL="0" indent="0" rtl="0">
-              <a:buNone/>
-              <a:defRPr sz="1600"/>
-            </a:lvl1pPr>
-            <a:lvl2pPr marL="457189" indent="0">
-              <a:buNone/>
-              <a:defRPr sz="1400"/>
-            </a:lvl2pPr>
-            <a:lvl3pPr marL="914377" indent="0">
-              <a:buNone/>
-              <a:defRPr sz="1200"/>
-            </a:lvl3pPr>
-            <a:lvl4pPr marL="1371566" indent="0">
-              <a:buNone/>
-              <a:defRPr sz="1000"/>
-            </a:lvl4pPr>
-            <a:lvl5pPr marL="1828754" indent="0">
-              <a:buNone/>
-              <a:defRPr sz="1000"/>
-            </a:lvl5pPr>
-            <a:lvl6pPr marL="2285943" indent="0">
-              <a:buNone/>
-              <a:defRPr sz="1000"/>
-            </a:lvl6pPr>
-            <a:lvl7pPr marL="2743131" indent="0">
-              <a:buNone/>
-              <a:defRPr sz="1000"/>
-            </a:lvl7pPr>
-            <a:lvl8pPr marL="3200320" indent="0">
-              <a:buNone/>
-              <a:defRPr sz="1000"/>
-            </a:lvl8pPr>
-            <a:lvl9pPr marL="3657509" indent="0">
-              <a:buNone/>
-              <a:defRPr sz="1000"/>
-            </a:lvl9pPr>
-          </a:lstStyle>
-          <a:p>
-            <a:pPr lvl="0" rtl="0"/>
-            <a:r>
-              <a:rPr lang="es-ES" noProof="0"/>
-              <a:t>Haga clic para modificar los estilos de texto del patrón</a:t>
-            </a:r>
-          </a:p>
-        </p:txBody>
-      </p:sp>
-      <p:sp>
-        <p:nvSpPr>
-          <p:cNvPr id="5" name="Marcador de posición de fecha 4"/>
-          <p:cNvSpPr>
-            <a:spLocks noGrp="1"/>
-          </p:cNvSpPr>
-          <p:nvPr>
-            <p:ph type="dt" sz="half" idx="10"/>
-          </p:nvPr>
-        </p:nvSpPr>
-        <p:spPr/>
-        <p:txBody>
-          <a:bodyPr rtlCol="0"/>
-          <a:lstStyle/>
-          <a:p>
-            <a:pPr rtl="0"/>
-            <a:fld id="{50407472-54D5-485E-8ACB-6D04E47D95CF}" type="datetime1">
-              <a:rPr lang="es-ES" noProof="0" smtClean="0"/>
-              <a:t>09/08/2022</a:t>
-            </a:fld>
-            <a:endParaRPr lang="es-ES" noProof="0" dirty="0"/>
-          </a:p>
-        </p:txBody>
-      </p:sp>
-      <p:sp>
-        <p:nvSpPr>
-          <p:cNvPr id="6" name="Marcador de posición de pie de página 5"/>
-          <p:cNvSpPr>
-            <a:spLocks noGrp="1"/>
-          </p:cNvSpPr>
-          <p:nvPr>
-            <p:ph type="ftr" sz="quarter" idx="11"/>
-          </p:nvPr>
-        </p:nvSpPr>
-        <p:spPr/>
-        <p:txBody>
-          <a:bodyPr rtlCol="0"/>
-          <a:lstStyle/>
-          <a:p>
-            <a:pPr rtl="0"/>
-            <a:r>
-              <a:rPr lang="es-ES" noProof="0" dirty="0"/>
-              <a:t>Agregar un pie de página</a:t>
-            </a:r>
-          </a:p>
-        </p:txBody>
-      </p:sp>
-      <p:sp>
-        <p:nvSpPr>
-          <p:cNvPr id="7" name="Marcador de número de diapositiva 6"/>
-          <p:cNvSpPr>
-            <a:spLocks noGrp="1"/>
-          </p:cNvSpPr>
-          <p:nvPr>
-            <p:ph type="sldNum" sz="quarter" idx="12"/>
-          </p:nvPr>
-        </p:nvSpPr>
-        <p:spPr/>
-        <p:txBody>
-          <a:bodyPr rtlCol="0"/>
           <a:lstStyle/>
           <a:p>
             <a:pPr rtl="0"/>
@@ -1739,7 +1333,7 @@
     </p:spTree>
     <p:extLst>
       <p:ext uri="{BB962C8B-B14F-4D97-AF65-F5344CB8AC3E}">
-        <p14:creationId xmlns:p14="http://schemas.microsoft.com/office/powerpoint/2010/main" val="3413888850"/>
+        <p14:creationId xmlns:p14="http://schemas.microsoft.com/office/powerpoint/2010/main" val="1536668684"/>
       </p:ext>
     </p:extLst>
   </p:cSld>
@@ -1761,9 +1355,9 @@
 </p:sldLayout>
 </file>
 
-<file path=ppt/slideLayouts/slideLayout2.xml><?xml version="1.0" encoding="utf-8"?>
-<p:sldLayout xmlns:a="http://schemas.openxmlformats.org/drawingml/2006/main" xmlns:r="http://schemas.openxmlformats.org/officeDocument/2006/relationships" xmlns:p="http://schemas.openxmlformats.org/presentationml/2006/main" type="obj" preserve="1">
-  <p:cSld name="Título y objetos">
+<file path=ppt/slideLayouts/slideLayout11.xml><?xml version="1.0" encoding="utf-8"?>
+<p:sldLayout xmlns:a="http://schemas.openxmlformats.org/drawingml/2006/main" xmlns:r="http://schemas.openxmlformats.org/officeDocument/2006/relationships" xmlns:p="http://schemas.openxmlformats.org/presentationml/2006/main" type="titleOnly" preserve="1">
+  <p:cSld name="Solo el título sin expositor">
     <p:spTree>
       <p:nvGrpSpPr>
         <p:cNvPr id="1" name=""/>
@@ -1785,17 +1379,22 @@
             <a:spLocks noGrp="1"/>
           </p:cNvSpPr>
           <p:nvPr>
-            <p:ph type="title"/>
-          </p:nvPr>
-        </p:nvSpPr>
-        <p:spPr/>
+            <p:ph type="title" hasCustomPrompt="1"/>
+          </p:nvPr>
+        </p:nvSpPr>
+        <p:spPr>
+          <a:xfrm>
+            <a:off x="720000" y="720000"/>
+            <a:ext cx="10753200" cy="2160000"/>
+          </a:xfrm>
+        </p:spPr>
         <p:txBody>
           <a:bodyPr/>
           <a:lstStyle/>
           <a:p>
             <a:r>
-              <a:rPr lang="es-ES"/>
-              <a:t>Haga clic para modificar el estilo de título del patrón</a:t>
+              <a:rPr lang="es-ES" dirty="0"/>
+              <a:t>Ingrese aquí el subtítulo</a:t>
             </a:r>
             <a:endParaRPr lang="en-US" dirty="0"/>
           </a:p>
@@ -1803,12 +1402,12 @@
       </p:sp>
       <p:sp>
         <p:nvSpPr>
-          <p:cNvPr id="3" name="Content Placeholder 2"/>
-          <p:cNvSpPr>
-            <a:spLocks noGrp="1"/>
-          </p:cNvSpPr>
-          <p:nvPr>
-            <p:ph idx="1"/>
+          <p:cNvPr id="3" name="Date Placeholder 2"/>
+          <p:cNvSpPr>
+            <a:spLocks noGrp="1"/>
+          </p:cNvSpPr>
+          <p:nvPr>
+            <p:ph type="dt" sz="half" idx="10"/>
           </p:nvPr>
         </p:nvSpPr>
         <p:spPr/>
@@ -1816,60 +1415,8 @@
           <a:bodyPr/>
           <a:lstStyle/>
           <a:p>
-            <a:pPr lvl="0"/>
-            <a:r>
-              <a:rPr lang="es-ES"/>
-              <a:t>Haga clic para modificar los estilos de texto del patrón</a:t>
-            </a:r>
-          </a:p>
-          <a:p>
-            <a:pPr lvl="1"/>
-            <a:r>
-              <a:rPr lang="es-ES"/>
-              <a:t>Segundo nivel</a:t>
-            </a:r>
-          </a:p>
-          <a:p>
-            <a:pPr lvl="2"/>
-            <a:r>
-              <a:rPr lang="es-ES"/>
-              <a:t>Tercer nivel</a:t>
-            </a:r>
-          </a:p>
-          <a:p>
-            <a:pPr lvl="3"/>
-            <a:r>
-              <a:rPr lang="es-ES"/>
-              <a:t>Cuarto nivel</a:t>
-            </a:r>
-          </a:p>
-          <a:p>
-            <a:pPr lvl="4"/>
-            <a:r>
-              <a:rPr lang="es-ES"/>
-              <a:t>Quinto nivel</a:t>
-            </a:r>
-            <a:endParaRPr lang="en-US" dirty="0"/>
-          </a:p>
-        </p:txBody>
-      </p:sp>
-      <p:sp>
-        <p:nvSpPr>
-          <p:cNvPr id="4" name="Date Placeholder 3"/>
-          <p:cNvSpPr>
-            <a:spLocks noGrp="1"/>
-          </p:cNvSpPr>
-          <p:nvPr>
-            <p:ph type="dt" sz="half" idx="10"/>
-          </p:nvPr>
-        </p:nvSpPr>
-        <p:spPr/>
-        <p:txBody>
-          <a:bodyPr/>
-          <a:lstStyle/>
-          <a:p>
             <a:pPr rtl="0"/>
-            <a:fld id="{3DDDD12C-A2E5-4D32-A8D5-4FBA4A9916EE}" type="datetime1">
+            <a:fld id="{95F109E8-29A7-4A4D-BBAF-954B5246DC6B}" type="datetime1">
               <a:rPr lang="es-ES" noProof="0" smtClean="0"/>
               <a:t>09/08/2022</a:t>
             </a:fld>
@@ -1879,7 +1426,7 @@
       </p:sp>
       <p:sp>
         <p:nvSpPr>
-          <p:cNvPr id="5" name="Footer Placeholder 4"/>
+          <p:cNvPr id="4" name="Footer Placeholder 3"/>
           <p:cNvSpPr>
             <a:spLocks noGrp="1"/>
           </p:cNvSpPr>
@@ -1894,8 +1441,8 @@
           <a:p>
             <a:pPr rtl="0"/>
             <a:r>
-              <a:rPr lang="es-ES" noProof="0"/>
-              <a:t>Agregar un pie de página</a:t>
+              <a:rPr lang="es-CO" noProof="0"/>
+              <a:t>Escuela Colombiana de Ingeniería Julio Garavito</a:t>
             </a:r>
             <a:endParaRPr lang="es-ES" noProof="0" dirty="0"/>
           </a:p>
@@ -1903,7 +1450,7 @@
       </p:sp>
       <p:sp>
         <p:nvSpPr>
-          <p:cNvPr id="6" name="Slide Number Placeholder 5"/>
+          <p:cNvPr id="5" name="Slide Number Placeholder 4"/>
           <p:cNvSpPr>
             <a:spLocks noGrp="1"/>
           </p:cNvSpPr>
@@ -1919,7 +1466,6 @@
             <a:pPr rtl="0"/>
             <a:fld id="{71B7BAC7-FE87-40F6-AA24-4F4685D1B022}" type="slidenum">
               <a:rPr lang="es-ES" noProof="0" smtClean="0"/>
-              <a:pPr rtl="0"/>
               <a:t>‹#›</a:t>
             </a:fld>
             <a:endParaRPr lang="es-ES" noProof="0" dirty="0"/>
@@ -1929,20 +1475,31 @@
     </p:spTree>
     <p:extLst>
       <p:ext uri="{BB962C8B-B14F-4D97-AF65-F5344CB8AC3E}">
-        <p14:creationId xmlns:p14="http://schemas.microsoft.com/office/powerpoint/2010/main" val="815808747"/>
+        <p14:creationId xmlns:p14="http://schemas.microsoft.com/office/powerpoint/2010/main" val="3318467236"/>
       </p:ext>
     </p:extLst>
   </p:cSld>
   <p:clrMapOvr>
     <a:masterClrMapping/>
   </p:clrMapOvr>
-  <p:hf sldNum="0" hdr="0" ftr="0" dt="0"/>
+  <mc:AlternateContent xmlns:mc="http://schemas.openxmlformats.org/markup-compatibility/2006" xmlns:p14="http://schemas.microsoft.com/office/powerpoint/2010/main">
+    <mc:Choice Requires="p14">
+      <p:transition spd="med" p14:dur="700">
+        <p:fade/>
+      </p:transition>
+    </mc:Choice>
+    <mc:Fallback xmlns="">
+      <p:transition spd="med">
+        <p:fade/>
+      </p:transition>
+    </mc:Fallback>
+  </mc:AlternateContent>
 </p:sldLayout>
 </file>
 
-<file path=ppt/slideLayouts/slideLayout3.xml><?xml version="1.0" encoding="utf-8"?>
-<p:sldLayout xmlns:a="http://schemas.openxmlformats.org/drawingml/2006/main" xmlns:r="http://schemas.openxmlformats.org/officeDocument/2006/relationships" xmlns:p="http://schemas.openxmlformats.org/presentationml/2006/main" type="secHead" preserve="1">
-  <p:cSld name="Encabezado de sección">
+<file path=ppt/slideLayouts/slideLayout12.xml><?xml version="1.0" encoding="utf-8"?>
+<p:sldLayout xmlns:a="http://schemas.openxmlformats.org/drawingml/2006/main" xmlns:r="http://schemas.openxmlformats.org/officeDocument/2006/relationships" xmlns:p="http://schemas.openxmlformats.org/presentationml/2006/main" type="blank" preserve="1">
+  <p:cSld name="En blanco">
     <p:spTree>
       <p:nvGrpSpPr>
         <p:cNvPr id="1" name=""/>
@@ -1959,158 +1516,7 @@
       </p:grpSpPr>
       <p:sp>
         <p:nvSpPr>
-          <p:cNvPr id="2" name="Title 1"/>
-          <p:cNvSpPr>
-            <a:spLocks noGrp="1"/>
-          </p:cNvSpPr>
-          <p:nvPr>
-            <p:ph type="title"/>
-          </p:nvPr>
-        </p:nvSpPr>
-        <p:spPr>
-          <a:xfrm>
-            <a:off x="831851" y="1709740"/>
-            <a:ext cx="10515600" cy="2852737"/>
-          </a:xfrm>
-        </p:spPr>
-        <p:txBody>
-          <a:bodyPr anchor="b"/>
-          <a:lstStyle>
-            <a:lvl1pPr>
-              <a:defRPr sz="6000"/>
-            </a:lvl1pPr>
-          </a:lstStyle>
-          <a:p>
-            <a:r>
-              <a:rPr lang="es-ES"/>
-              <a:t>Haga clic para modificar el estilo de título del patrón</a:t>
-            </a:r>
-            <a:endParaRPr lang="en-US" dirty="0"/>
-          </a:p>
-        </p:txBody>
-      </p:sp>
-      <p:sp>
-        <p:nvSpPr>
-          <p:cNvPr id="3" name="Text Placeholder 2"/>
-          <p:cNvSpPr>
-            <a:spLocks noGrp="1"/>
-          </p:cNvSpPr>
-          <p:nvPr>
-            <p:ph type="body" idx="1"/>
-          </p:nvPr>
-        </p:nvSpPr>
-        <p:spPr>
-          <a:xfrm>
-            <a:off x="831851" y="4589464"/>
-            <a:ext cx="10515600" cy="1500187"/>
-          </a:xfrm>
-        </p:spPr>
-        <p:txBody>
-          <a:bodyPr/>
-          <a:lstStyle>
-            <a:lvl1pPr marL="0" indent="0">
-              <a:buNone/>
-              <a:defRPr sz="2400">
-                <a:solidFill>
-                  <a:schemeClr val="tx1">
-                    <a:tint val="75000"/>
-                  </a:schemeClr>
-                </a:solidFill>
-              </a:defRPr>
-            </a:lvl1pPr>
-            <a:lvl2pPr marL="457189" indent="0">
-              <a:buNone/>
-              <a:defRPr sz="2000">
-                <a:solidFill>
-                  <a:schemeClr val="tx1">
-                    <a:tint val="75000"/>
-                  </a:schemeClr>
-                </a:solidFill>
-              </a:defRPr>
-            </a:lvl2pPr>
-            <a:lvl3pPr marL="914377" indent="0">
-              <a:buNone/>
-              <a:defRPr sz="1800">
-                <a:solidFill>
-                  <a:schemeClr val="tx1">
-                    <a:tint val="75000"/>
-                  </a:schemeClr>
-                </a:solidFill>
-              </a:defRPr>
-            </a:lvl3pPr>
-            <a:lvl4pPr marL="1371566" indent="0">
-              <a:buNone/>
-              <a:defRPr sz="1600">
-                <a:solidFill>
-                  <a:schemeClr val="tx1">
-                    <a:tint val="75000"/>
-                  </a:schemeClr>
-                </a:solidFill>
-              </a:defRPr>
-            </a:lvl4pPr>
-            <a:lvl5pPr marL="1828754" indent="0">
-              <a:buNone/>
-              <a:defRPr sz="1600">
-                <a:solidFill>
-                  <a:schemeClr val="tx1">
-                    <a:tint val="75000"/>
-                  </a:schemeClr>
-                </a:solidFill>
-              </a:defRPr>
-            </a:lvl5pPr>
-            <a:lvl6pPr marL="2285943" indent="0">
-              <a:buNone/>
-              <a:defRPr sz="1600">
-                <a:solidFill>
-                  <a:schemeClr val="tx1">
-                    <a:tint val="75000"/>
-                  </a:schemeClr>
-                </a:solidFill>
-              </a:defRPr>
-            </a:lvl6pPr>
-            <a:lvl7pPr marL="2743131" indent="0">
-              <a:buNone/>
-              <a:defRPr sz="1600">
-                <a:solidFill>
-                  <a:schemeClr val="tx1">
-                    <a:tint val="75000"/>
-                  </a:schemeClr>
-                </a:solidFill>
-              </a:defRPr>
-            </a:lvl7pPr>
-            <a:lvl8pPr marL="3200320" indent="0">
-              <a:buNone/>
-              <a:defRPr sz="1600">
-                <a:solidFill>
-                  <a:schemeClr val="tx1">
-                    <a:tint val="75000"/>
-                  </a:schemeClr>
-                </a:solidFill>
-              </a:defRPr>
-            </a:lvl8pPr>
-            <a:lvl9pPr marL="3657509" indent="0">
-              <a:buNone/>
-              <a:defRPr sz="1600">
-                <a:solidFill>
-                  <a:schemeClr val="tx1">
-                    <a:tint val="75000"/>
-                  </a:schemeClr>
-                </a:solidFill>
-              </a:defRPr>
-            </a:lvl9pPr>
-          </a:lstStyle>
-          <a:p>
-            <a:pPr lvl="0"/>
-            <a:r>
-              <a:rPr lang="es-ES"/>
-              <a:t>Haga clic para modificar los estilos de texto del patrón</a:t>
-            </a:r>
-          </a:p>
-        </p:txBody>
-      </p:sp>
-      <p:sp>
-        <p:nvSpPr>
-          <p:cNvPr id="4" name="Date Placeholder 3"/>
+          <p:cNvPr id="2" name="Date Placeholder 1"/>
           <p:cNvSpPr>
             <a:spLocks noGrp="1"/>
           </p:cNvSpPr>
@@ -2124,7 +1530,7 @@
           <a:lstStyle/>
           <a:p>
             <a:pPr rtl="0"/>
-            <a:fld id="{F128A7A1-E52A-4367-BE3E-105C0C9F4921}" type="datetime1">
+            <a:fld id="{3EDF4B7F-437B-43B6-8193-868254AADFEB}" type="datetime1">
               <a:rPr lang="es-ES" noProof="0" smtClean="0"/>
               <a:t>09/08/2022</a:t>
             </a:fld>
@@ -2134,7 +1540,7 @@
       </p:sp>
       <p:sp>
         <p:nvSpPr>
-          <p:cNvPr id="5" name="Footer Placeholder 4"/>
+          <p:cNvPr id="3" name="Footer Placeholder 2"/>
           <p:cNvSpPr>
             <a:spLocks noGrp="1"/>
           </p:cNvSpPr>
@@ -2149,8 +1555,1979 @@
           <a:p>
             <a:pPr rtl="0"/>
             <a:r>
-              <a:rPr lang="es-ES" noProof="0"/>
-              <a:t>Agregar un pie de página</a:t>
+              <a:rPr lang="es-CO" noProof="0"/>
+              <a:t>Escuela Colombiana de Ingeniería Julio Garavito</a:t>
+            </a:r>
+            <a:endParaRPr lang="es-ES" noProof="0" dirty="0"/>
+          </a:p>
+        </p:txBody>
+      </p:sp>
+      <p:sp>
+        <p:nvSpPr>
+          <p:cNvPr id="4" name="Slide Number Placeholder 3"/>
+          <p:cNvSpPr>
+            <a:spLocks noGrp="1"/>
+          </p:cNvSpPr>
+          <p:nvPr>
+            <p:ph type="sldNum" sz="quarter" idx="12"/>
+          </p:nvPr>
+        </p:nvSpPr>
+        <p:spPr/>
+        <p:txBody>
+          <a:bodyPr/>
+          <a:lstStyle/>
+          <a:p>
+            <a:pPr rtl="0"/>
+            <a:fld id="{71B7BAC7-FE87-40F6-AA24-4F4685D1B022}" type="slidenum">
+              <a:rPr lang="es-ES" noProof="0" smtClean="0"/>
+              <a:t>‹#›</a:t>
+            </a:fld>
+            <a:endParaRPr lang="es-ES" noProof="0" dirty="0"/>
+          </a:p>
+        </p:txBody>
+      </p:sp>
+    </p:spTree>
+    <p:extLst>
+      <p:ext uri="{BB962C8B-B14F-4D97-AF65-F5344CB8AC3E}">
+        <p14:creationId xmlns:p14="http://schemas.microsoft.com/office/powerpoint/2010/main" val="1491661037"/>
+      </p:ext>
+    </p:extLst>
+  </p:cSld>
+  <p:clrMapOvr>
+    <a:masterClrMapping/>
+  </p:clrMapOvr>
+  <mc:AlternateContent xmlns:mc="http://schemas.openxmlformats.org/markup-compatibility/2006" xmlns:p14="http://schemas.microsoft.com/office/powerpoint/2010/main">
+    <mc:Choice Requires="p14">
+      <p:transition spd="med" p14:dur="700">
+        <p:fade/>
+      </p:transition>
+    </mc:Choice>
+    <mc:Fallback xmlns="">
+      <p:transition spd="med">
+        <p:fade/>
+      </p:transition>
+    </mc:Fallback>
+  </mc:AlternateContent>
+</p:sldLayout>
+</file>
+
+<file path=ppt/slideLayouts/slideLayout13.xml><?xml version="1.0" encoding="utf-8"?>
+<p:sldLayout xmlns:a="http://schemas.openxmlformats.org/drawingml/2006/main" xmlns:r="http://schemas.openxmlformats.org/officeDocument/2006/relationships" xmlns:p="http://schemas.openxmlformats.org/presentationml/2006/main" type="objTx" preserve="1">
+  <p:cSld name="Contenido con título sin expositor">
+    <p:spTree>
+      <p:nvGrpSpPr>
+        <p:cNvPr id="1" name=""/>
+        <p:cNvGrpSpPr/>
+        <p:nvPr/>
+      </p:nvGrpSpPr>
+      <p:grpSpPr>
+        <a:xfrm>
+          <a:off x="0" y="0"/>
+          <a:ext cx="0" cy="0"/>
+          <a:chOff x="0" y="0"/>
+          <a:chExt cx="0" cy="0"/>
+        </a:xfrm>
+      </p:grpSpPr>
+      <p:sp>
+        <p:nvSpPr>
+          <p:cNvPr id="2" name="Title 1"/>
+          <p:cNvSpPr>
+            <a:spLocks noGrp="1"/>
+          </p:cNvSpPr>
+          <p:nvPr>
+            <p:ph type="title" hasCustomPrompt="1"/>
+          </p:nvPr>
+        </p:nvSpPr>
+        <p:spPr>
+          <a:xfrm>
+            <a:off x="719999" y="720000"/>
+            <a:ext cx="4140000" cy="810000"/>
+          </a:xfrm>
+        </p:spPr>
+        <p:txBody>
+          <a:bodyPr anchor="t" anchorCtr="0">
+            <a:normAutofit/>
+          </a:bodyPr>
+          <a:lstStyle>
+            <a:lvl1pPr>
+              <a:defRPr sz="2600"/>
+            </a:lvl1pPr>
+          </a:lstStyle>
+          <a:p>
+            <a:r>
+              <a:rPr lang="es-ES" dirty="0"/>
+              <a:t>Ingrese aquí el subtítulo</a:t>
+            </a:r>
+            <a:endParaRPr lang="en-US" dirty="0"/>
+          </a:p>
+        </p:txBody>
+      </p:sp>
+      <p:sp>
+        <p:nvSpPr>
+          <p:cNvPr id="3" name="Content Placeholder 2"/>
+          <p:cNvSpPr>
+            <a:spLocks noGrp="1"/>
+          </p:cNvSpPr>
+          <p:nvPr>
+            <p:ph idx="1"/>
+          </p:nvPr>
+        </p:nvSpPr>
+        <p:spPr>
+          <a:xfrm>
+            <a:off x="5183188" y="720001"/>
+            <a:ext cx="6288812" cy="5409468"/>
+          </a:xfrm>
+        </p:spPr>
+        <p:txBody>
+          <a:bodyPr/>
+          <a:lstStyle>
+            <a:lvl1pPr>
+              <a:defRPr sz="2400"/>
+            </a:lvl1pPr>
+            <a:lvl2pPr>
+              <a:defRPr sz="2200"/>
+            </a:lvl2pPr>
+            <a:lvl3pPr>
+              <a:defRPr sz="2000"/>
+            </a:lvl3pPr>
+            <a:lvl4pPr>
+              <a:defRPr sz="1800"/>
+            </a:lvl4pPr>
+            <a:lvl5pPr>
+              <a:defRPr sz="1600"/>
+            </a:lvl5pPr>
+            <a:lvl6pPr>
+              <a:defRPr sz="2000"/>
+            </a:lvl6pPr>
+            <a:lvl7pPr>
+              <a:defRPr sz="2000"/>
+            </a:lvl7pPr>
+            <a:lvl8pPr>
+              <a:defRPr sz="2000"/>
+            </a:lvl8pPr>
+            <a:lvl9pPr>
+              <a:defRPr sz="2000"/>
+            </a:lvl9pPr>
+          </a:lstStyle>
+          <a:p>
+            <a:pPr lvl="0"/>
+            <a:r>
+              <a:rPr lang="es-ES" dirty="0"/>
+              <a:t>Haga clic para modificar los estilos de texto del patrón</a:t>
+            </a:r>
+          </a:p>
+          <a:p>
+            <a:pPr lvl="1"/>
+            <a:r>
+              <a:rPr lang="es-ES" dirty="0"/>
+              <a:t>Segundo nivel</a:t>
+            </a:r>
+          </a:p>
+          <a:p>
+            <a:pPr lvl="2"/>
+            <a:r>
+              <a:rPr lang="es-ES" dirty="0"/>
+              <a:t>Tercer nivel</a:t>
+            </a:r>
+          </a:p>
+          <a:p>
+            <a:pPr lvl="3"/>
+            <a:r>
+              <a:rPr lang="es-ES" dirty="0"/>
+              <a:t>Cuarto nivel</a:t>
+            </a:r>
+          </a:p>
+          <a:p>
+            <a:pPr lvl="4"/>
+            <a:r>
+              <a:rPr lang="es-ES" dirty="0"/>
+              <a:t>Quinto nivel</a:t>
+            </a:r>
+            <a:endParaRPr lang="en-US" dirty="0"/>
+          </a:p>
+        </p:txBody>
+      </p:sp>
+      <p:sp>
+        <p:nvSpPr>
+          <p:cNvPr id="4" name="Text Placeholder 3"/>
+          <p:cNvSpPr>
+            <a:spLocks noGrp="1"/>
+          </p:cNvSpPr>
+          <p:nvPr>
+            <p:ph type="body" sz="half" idx="2" hasCustomPrompt="1"/>
+          </p:nvPr>
+        </p:nvSpPr>
+        <p:spPr>
+          <a:xfrm>
+            <a:off x="720000" y="1719468"/>
+            <a:ext cx="4139999" cy="4410000"/>
+          </a:xfrm>
+        </p:spPr>
+        <p:txBody>
+          <a:bodyPr>
+            <a:normAutofit/>
+          </a:bodyPr>
+          <a:lstStyle>
+            <a:lvl1pPr marL="0" indent="0">
+              <a:buNone/>
+              <a:defRPr sz="2000"/>
+            </a:lvl1pPr>
+            <a:lvl2pPr marL="457189" indent="0">
+              <a:buNone/>
+              <a:defRPr sz="1400"/>
+            </a:lvl2pPr>
+            <a:lvl3pPr marL="914377" indent="0">
+              <a:buNone/>
+              <a:defRPr sz="1200"/>
+            </a:lvl3pPr>
+            <a:lvl4pPr marL="1371566" indent="0">
+              <a:buNone/>
+              <a:defRPr sz="1000"/>
+            </a:lvl4pPr>
+            <a:lvl5pPr marL="1828754" indent="0">
+              <a:buNone/>
+              <a:defRPr sz="1000"/>
+            </a:lvl5pPr>
+            <a:lvl6pPr marL="2285943" indent="0">
+              <a:buNone/>
+              <a:defRPr sz="1000"/>
+            </a:lvl6pPr>
+            <a:lvl7pPr marL="2743131" indent="0">
+              <a:buNone/>
+              <a:defRPr sz="1000"/>
+            </a:lvl7pPr>
+            <a:lvl8pPr marL="3200320" indent="0">
+              <a:buNone/>
+              <a:defRPr sz="1000"/>
+            </a:lvl8pPr>
+            <a:lvl9pPr marL="3657509" indent="0">
+              <a:buNone/>
+              <a:defRPr sz="1000"/>
+            </a:lvl9pPr>
+          </a:lstStyle>
+          <a:p>
+            <a:pPr lvl="0"/>
+            <a:r>
+              <a:rPr lang="es-ES" dirty="0"/>
+              <a:t>Ingrese aquí el texto descriptivo de la imagen</a:t>
+            </a:r>
+          </a:p>
+        </p:txBody>
+      </p:sp>
+      <p:sp>
+        <p:nvSpPr>
+          <p:cNvPr id="5" name="Date Placeholder 4"/>
+          <p:cNvSpPr>
+            <a:spLocks noGrp="1"/>
+          </p:cNvSpPr>
+          <p:nvPr>
+            <p:ph type="dt" sz="half" idx="10"/>
+          </p:nvPr>
+        </p:nvSpPr>
+        <p:spPr/>
+        <p:txBody>
+          <a:bodyPr/>
+          <a:lstStyle/>
+          <a:p>
+            <a:pPr rtl="0"/>
+            <a:fld id="{5FD9D2A0-9803-4B3F-A6B6-606959F35242}" type="datetime1">
+              <a:rPr lang="es-ES" noProof="0" smtClean="0"/>
+              <a:t>09/08/2022</a:t>
+            </a:fld>
+            <a:endParaRPr lang="es-ES" noProof="0" dirty="0"/>
+          </a:p>
+        </p:txBody>
+      </p:sp>
+      <p:sp>
+        <p:nvSpPr>
+          <p:cNvPr id="6" name="Footer Placeholder 5"/>
+          <p:cNvSpPr>
+            <a:spLocks noGrp="1"/>
+          </p:cNvSpPr>
+          <p:nvPr>
+            <p:ph type="ftr" sz="quarter" idx="11"/>
+          </p:nvPr>
+        </p:nvSpPr>
+        <p:spPr/>
+        <p:txBody>
+          <a:bodyPr/>
+          <a:lstStyle/>
+          <a:p>
+            <a:pPr rtl="0"/>
+            <a:r>
+              <a:rPr lang="es-CO" noProof="0"/>
+              <a:t>Escuela Colombiana de Ingeniería Julio Garavito</a:t>
+            </a:r>
+            <a:endParaRPr lang="es-ES" noProof="0" dirty="0"/>
+          </a:p>
+        </p:txBody>
+      </p:sp>
+      <p:sp>
+        <p:nvSpPr>
+          <p:cNvPr id="7" name="Slide Number Placeholder 6"/>
+          <p:cNvSpPr>
+            <a:spLocks noGrp="1"/>
+          </p:cNvSpPr>
+          <p:nvPr>
+            <p:ph type="sldNum" sz="quarter" idx="12"/>
+          </p:nvPr>
+        </p:nvSpPr>
+        <p:spPr/>
+        <p:txBody>
+          <a:bodyPr/>
+          <a:lstStyle/>
+          <a:p>
+            <a:pPr rtl="0"/>
+            <a:fld id="{71B7BAC7-FE87-40F6-AA24-4F4685D1B022}" type="slidenum">
+              <a:rPr lang="es-ES" noProof="0" smtClean="0"/>
+              <a:pPr rtl="0"/>
+              <a:t>‹#›</a:t>
+            </a:fld>
+            <a:endParaRPr lang="es-ES" noProof="0" dirty="0"/>
+          </a:p>
+        </p:txBody>
+      </p:sp>
+    </p:spTree>
+    <p:extLst>
+      <p:ext uri="{BB962C8B-B14F-4D97-AF65-F5344CB8AC3E}">
+        <p14:creationId xmlns:p14="http://schemas.microsoft.com/office/powerpoint/2010/main" val="217819888"/>
+      </p:ext>
+    </p:extLst>
+  </p:cSld>
+  <p:clrMapOvr>
+    <a:masterClrMapping/>
+  </p:clrMapOvr>
+</p:sldLayout>
+</file>
+
+<file path=ppt/slideLayouts/slideLayout14.xml><?xml version="1.0" encoding="utf-8"?>
+<p:sldLayout xmlns:a="http://schemas.openxmlformats.org/drawingml/2006/main" xmlns:r="http://schemas.openxmlformats.org/officeDocument/2006/relationships" xmlns:p="http://schemas.openxmlformats.org/presentationml/2006/main" type="picTx" preserve="1">
+  <p:cSld name="Imagen con título con expositor">
+    <p:spTree>
+      <p:nvGrpSpPr>
+        <p:cNvPr id="1" name=""/>
+        <p:cNvGrpSpPr/>
+        <p:nvPr/>
+      </p:nvGrpSpPr>
+      <p:grpSpPr>
+        <a:xfrm>
+          <a:off x="0" y="0"/>
+          <a:ext cx="0" cy="0"/>
+          <a:chOff x="0" y="0"/>
+          <a:chExt cx="0" cy="0"/>
+        </a:xfrm>
+      </p:grpSpPr>
+      <p:sp>
+        <p:nvSpPr>
+          <p:cNvPr id="2" name="Title 1"/>
+          <p:cNvSpPr>
+            <a:spLocks noGrp="1"/>
+          </p:cNvSpPr>
+          <p:nvPr>
+            <p:ph type="title" hasCustomPrompt="1"/>
+          </p:nvPr>
+        </p:nvSpPr>
+        <p:spPr>
+          <a:xfrm>
+            <a:off x="720000" y="720000"/>
+            <a:ext cx="6840000" cy="810000"/>
+          </a:xfrm>
+        </p:spPr>
+        <p:txBody>
+          <a:bodyPr anchor="t" anchorCtr="0">
+            <a:noAutofit/>
+          </a:bodyPr>
+          <a:lstStyle>
+            <a:lvl1pPr>
+              <a:defRPr sz="2600"/>
+            </a:lvl1pPr>
+          </a:lstStyle>
+          <a:p>
+            <a:r>
+              <a:rPr lang="es-ES" dirty="0"/>
+              <a:t>Ingrese aquí el subtítulo</a:t>
+            </a:r>
+            <a:endParaRPr lang="en-US" dirty="0"/>
+          </a:p>
+        </p:txBody>
+      </p:sp>
+      <p:sp>
+        <p:nvSpPr>
+          <p:cNvPr id="3" name="Picture Placeholder 2"/>
+          <p:cNvSpPr>
+            <a:spLocks noGrp="1" noChangeAspect="1"/>
+          </p:cNvSpPr>
+          <p:nvPr>
+            <p:ph type="pic" idx="1"/>
+          </p:nvPr>
+        </p:nvSpPr>
+        <p:spPr>
+          <a:xfrm>
+            <a:off x="719999" y="2340002"/>
+            <a:ext cx="6840000" cy="3797998"/>
+          </a:xfrm>
+        </p:spPr>
+        <p:txBody>
+          <a:bodyPr anchor="t">
+            <a:normAutofit/>
+          </a:bodyPr>
+          <a:lstStyle>
+            <a:lvl1pPr marL="0" indent="0">
+              <a:buNone/>
+              <a:defRPr sz="2400"/>
+            </a:lvl1pPr>
+            <a:lvl2pPr marL="457189" indent="0">
+              <a:buNone/>
+              <a:defRPr sz="2800"/>
+            </a:lvl2pPr>
+            <a:lvl3pPr marL="914377" indent="0">
+              <a:buNone/>
+              <a:defRPr sz="2400"/>
+            </a:lvl3pPr>
+            <a:lvl4pPr marL="1371566" indent="0">
+              <a:buNone/>
+              <a:defRPr sz="2000"/>
+            </a:lvl4pPr>
+            <a:lvl5pPr marL="1828754" indent="0">
+              <a:buNone/>
+              <a:defRPr sz="2000"/>
+            </a:lvl5pPr>
+            <a:lvl6pPr marL="2285943" indent="0">
+              <a:buNone/>
+              <a:defRPr sz="2000"/>
+            </a:lvl6pPr>
+            <a:lvl7pPr marL="2743131" indent="0">
+              <a:buNone/>
+              <a:defRPr sz="2000"/>
+            </a:lvl7pPr>
+            <a:lvl8pPr marL="3200320" indent="0">
+              <a:buNone/>
+              <a:defRPr sz="2000"/>
+            </a:lvl8pPr>
+            <a:lvl9pPr marL="3657509" indent="0">
+              <a:buNone/>
+              <a:defRPr sz="2000"/>
+            </a:lvl9pPr>
+          </a:lstStyle>
+          <a:p>
+            <a:r>
+              <a:rPr lang="es-ES" dirty="0"/>
+              <a:t>Haga clic en el icono para agregar una imagen</a:t>
+            </a:r>
+            <a:endParaRPr lang="en-US" dirty="0"/>
+          </a:p>
+        </p:txBody>
+      </p:sp>
+      <p:sp>
+        <p:nvSpPr>
+          <p:cNvPr id="4" name="Text Placeholder 3"/>
+          <p:cNvSpPr>
+            <a:spLocks noGrp="1"/>
+          </p:cNvSpPr>
+          <p:nvPr>
+            <p:ph type="body" sz="half" idx="2" hasCustomPrompt="1"/>
+          </p:nvPr>
+        </p:nvSpPr>
+        <p:spPr>
+          <a:xfrm>
+            <a:off x="720000" y="1530001"/>
+            <a:ext cx="6840000" cy="810000"/>
+          </a:xfrm>
+        </p:spPr>
+        <p:txBody>
+          <a:bodyPr>
+            <a:normAutofit/>
+          </a:bodyPr>
+          <a:lstStyle>
+            <a:lvl1pPr marL="0" indent="0">
+              <a:buNone/>
+              <a:defRPr sz="2000"/>
+            </a:lvl1pPr>
+            <a:lvl2pPr marL="457189" indent="0">
+              <a:buNone/>
+              <a:defRPr sz="1400"/>
+            </a:lvl2pPr>
+            <a:lvl3pPr marL="914377" indent="0">
+              <a:buNone/>
+              <a:defRPr sz="1200"/>
+            </a:lvl3pPr>
+            <a:lvl4pPr marL="1371566" indent="0">
+              <a:buNone/>
+              <a:defRPr sz="1000"/>
+            </a:lvl4pPr>
+            <a:lvl5pPr marL="1828754" indent="0">
+              <a:buNone/>
+              <a:defRPr sz="1000"/>
+            </a:lvl5pPr>
+            <a:lvl6pPr marL="2285943" indent="0">
+              <a:buNone/>
+              <a:defRPr sz="1000"/>
+            </a:lvl6pPr>
+            <a:lvl7pPr marL="2743131" indent="0">
+              <a:buNone/>
+              <a:defRPr sz="1000"/>
+            </a:lvl7pPr>
+            <a:lvl8pPr marL="3200320" indent="0">
+              <a:buNone/>
+              <a:defRPr sz="1000"/>
+            </a:lvl8pPr>
+            <a:lvl9pPr marL="3657509" indent="0">
+              <a:buNone/>
+              <a:defRPr sz="1000"/>
+            </a:lvl9pPr>
+          </a:lstStyle>
+          <a:p>
+            <a:pPr lvl="0"/>
+            <a:r>
+              <a:rPr lang="es-ES" dirty="0"/>
+              <a:t>Ingrese aquí el texto descriptivo de la imagen</a:t>
+            </a:r>
+          </a:p>
+        </p:txBody>
+      </p:sp>
+      <p:sp>
+        <p:nvSpPr>
+          <p:cNvPr id="5" name="Date Placeholder 4"/>
+          <p:cNvSpPr>
+            <a:spLocks noGrp="1"/>
+          </p:cNvSpPr>
+          <p:nvPr>
+            <p:ph type="dt" sz="half" idx="10"/>
+          </p:nvPr>
+        </p:nvSpPr>
+        <p:spPr/>
+        <p:txBody>
+          <a:bodyPr/>
+          <a:lstStyle/>
+          <a:p>
+            <a:pPr rtl="0"/>
+            <a:fld id="{B48CB6FA-6884-4007-A174-A67BE7A1CA93}" type="datetime1">
+              <a:rPr lang="es-ES" noProof="0" smtClean="0"/>
+              <a:t>09/08/2022</a:t>
+            </a:fld>
+            <a:endParaRPr lang="es-ES" noProof="0" dirty="0"/>
+          </a:p>
+        </p:txBody>
+      </p:sp>
+      <p:sp>
+        <p:nvSpPr>
+          <p:cNvPr id="6" name="Footer Placeholder 5"/>
+          <p:cNvSpPr>
+            <a:spLocks noGrp="1"/>
+          </p:cNvSpPr>
+          <p:nvPr>
+            <p:ph type="ftr" sz="quarter" idx="11"/>
+          </p:nvPr>
+        </p:nvSpPr>
+        <p:spPr/>
+        <p:txBody>
+          <a:bodyPr/>
+          <a:lstStyle/>
+          <a:p>
+            <a:pPr rtl="0"/>
+            <a:r>
+              <a:rPr lang="es-CO" noProof="0"/>
+              <a:t>Escuela Colombiana de Ingeniería Julio Garavito</a:t>
+            </a:r>
+            <a:endParaRPr lang="es-ES" noProof="0" dirty="0"/>
+          </a:p>
+        </p:txBody>
+      </p:sp>
+      <p:sp>
+        <p:nvSpPr>
+          <p:cNvPr id="7" name="Slide Number Placeholder 6"/>
+          <p:cNvSpPr>
+            <a:spLocks noGrp="1"/>
+          </p:cNvSpPr>
+          <p:nvPr>
+            <p:ph type="sldNum" sz="quarter" idx="12"/>
+          </p:nvPr>
+        </p:nvSpPr>
+        <p:spPr/>
+        <p:txBody>
+          <a:bodyPr/>
+          <a:lstStyle/>
+          <a:p>
+            <a:pPr rtl="0"/>
+            <a:fld id="{71B7BAC7-FE87-40F6-AA24-4F4685D1B022}" type="slidenum">
+              <a:rPr lang="es-ES" noProof="0" smtClean="0"/>
+              <a:pPr rtl="0"/>
+              <a:t>‹#›</a:t>
+            </a:fld>
+            <a:endParaRPr lang="es-ES" noProof="0" dirty="0"/>
+          </a:p>
+        </p:txBody>
+      </p:sp>
+    </p:spTree>
+    <p:extLst>
+      <p:ext uri="{BB962C8B-B14F-4D97-AF65-F5344CB8AC3E}">
+        <p14:creationId xmlns:p14="http://schemas.microsoft.com/office/powerpoint/2010/main" val="862299340"/>
+      </p:ext>
+    </p:extLst>
+  </p:cSld>
+  <p:clrMapOvr>
+    <a:masterClrMapping/>
+  </p:clrMapOvr>
+</p:sldLayout>
+</file>
+
+<file path=ppt/slideLayouts/slideLayout15.xml><?xml version="1.0" encoding="utf-8"?>
+<p:sldLayout xmlns:a="http://schemas.openxmlformats.org/drawingml/2006/main" xmlns:r="http://schemas.openxmlformats.org/officeDocument/2006/relationships" xmlns:p="http://schemas.openxmlformats.org/presentationml/2006/main" type="picTx" preserve="1">
+  <p:cSld name="1_Imagen con título sin expositor">
+    <p:spTree>
+      <p:nvGrpSpPr>
+        <p:cNvPr id="1" name=""/>
+        <p:cNvGrpSpPr/>
+        <p:nvPr/>
+      </p:nvGrpSpPr>
+      <p:grpSpPr>
+        <a:xfrm>
+          <a:off x="0" y="0"/>
+          <a:ext cx="0" cy="0"/>
+          <a:chOff x="0" y="0"/>
+          <a:chExt cx="0" cy="0"/>
+        </a:xfrm>
+      </p:grpSpPr>
+      <p:sp>
+        <p:nvSpPr>
+          <p:cNvPr id="2" name="Title 1"/>
+          <p:cNvSpPr>
+            <a:spLocks noGrp="1"/>
+          </p:cNvSpPr>
+          <p:nvPr>
+            <p:ph type="title" hasCustomPrompt="1"/>
+          </p:nvPr>
+        </p:nvSpPr>
+        <p:spPr>
+          <a:xfrm>
+            <a:off x="720000" y="720000"/>
+            <a:ext cx="4140000" cy="810000"/>
+          </a:xfrm>
+        </p:spPr>
+        <p:txBody>
+          <a:bodyPr anchor="t" anchorCtr="0">
+            <a:noAutofit/>
+          </a:bodyPr>
+          <a:lstStyle>
+            <a:lvl1pPr>
+              <a:defRPr sz="2600"/>
+            </a:lvl1pPr>
+          </a:lstStyle>
+          <a:p>
+            <a:r>
+              <a:rPr lang="es-ES"/>
+              <a:t>Haga clic para modificar el estilo de título del patrón</a:t>
+            </a:r>
+            <a:endParaRPr lang="en-US" dirty="0"/>
+          </a:p>
+        </p:txBody>
+      </p:sp>
+      <p:sp>
+        <p:nvSpPr>
+          <p:cNvPr id="3" name="Picture Placeholder 2"/>
+          <p:cNvSpPr>
+            <a:spLocks noGrp="1" noChangeAspect="1"/>
+          </p:cNvSpPr>
+          <p:nvPr>
+            <p:ph type="pic" idx="1"/>
+          </p:nvPr>
+        </p:nvSpPr>
+        <p:spPr>
+          <a:xfrm>
+            <a:off x="5183188" y="720000"/>
+            <a:ext cx="6288812" cy="5417999"/>
+          </a:xfrm>
+        </p:spPr>
+        <p:txBody>
+          <a:bodyPr anchor="t">
+            <a:normAutofit/>
+          </a:bodyPr>
+          <a:lstStyle>
+            <a:lvl1pPr marL="0" indent="0">
+              <a:buNone/>
+              <a:defRPr sz="2400"/>
+            </a:lvl1pPr>
+            <a:lvl2pPr marL="457189" indent="0">
+              <a:buNone/>
+              <a:defRPr sz="2800"/>
+            </a:lvl2pPr>
+            <a:lvl3pPr marL="914377" indent="0">
+              <a:buNone/>
+              <a:defRPr sz="2400"/>
+            </a:lvl3pPr>
+            <a:lvl4pPr marL="1371566" indent="0">
+              <a:buNone/>
+              <a:defRPr sz="2000"/>
+            </a:lvl4pPr>
+            <a:lvl5pPr marL="1828754" indent="0">
+              <a:buNone/>
+              <a:defRPr sz="2000"/>
+            </a:lvl5pPr>
+            <a:lvl6pPr marL="2285943" indent="0">
+              <a:buNone/>
+              <a:defRPr sz="2000"/>
+            </a:lvl6pPr>
+            <a:lvl7pPr marL="2743131" indent="0">
+              <a:buNone/>
+              <a:defRPr sz="2000"/>
+            </a:lvl7pPr>
+            <a:lvl8pPr marL="3200320" indent="0">
+              <a:buNone/>
+              <a:defRPr sz="2000"/>
+            </a:lvl8pPr>
+            <a:lvl9pPr marL="3657509" indent="0">
+              <a:buNone/>
+              <a:defRPr sz="2000"/>
+            </a:lvl9pPr>
+          </a:lstStyle>
+          <a:p>
+            <a:r>
+              <a:rPr lang="es-ES" dirty="0"/>
+              <a:t>Haga clic en el icono para agregar una imagen</a:t>
+            </a:r>
+            <a:endParaRPr lang="en-US" dirty="0"/>
+          </a:p>
+        </p:txBody>
+      </p:sp>
+      <p:sp>
+        <p:nvSpPr>
+          <p:cNvPr id="4" name="Text Placeholder 3"/>
+          <p:cNvSpPr>
+            <a:spLocks noGrp="1"/>
+          </p:cNvSpPr>
+          <p:nvPr>
+            <p:ph type="body" sz="half" idx="2"/>
+          </p:nvPr>
+        </p:nvSpPr>
+        <p:spPr>
+          <a:xfrm>
+            <a:off x="720000" y="1729408"/>
+            <a:ext cx="4140000" cy="4408591"/>
+          </a:xfrm>
+        </p:spPr>
+        <p:txBody>
+          <a:bodyPr>
+            <a:normAutofit/>
+          </a:bodyPr>
+          <a:lstStyle>
+            <a:lvl1pPr marL="0" indent="0">
+              <a:buNone/>
+              <a:defRPr sz="2000"/>
+            </a:lvl1pPr>
+            <a:lvl2pPr marL="457189" indent="0">
+              <a:buNone/>
+              <a:defRPr sz="1400"/>
+            </a:lvl2pPr>
+            <a:lvl3pPr marL="914377" indent="0">
+              <a:buNone/>
+              <a:defRPr sz="1200"/>
+            </a:lvl3pPr>
+            <a:lvl4pPr marL="1371566" indent="0">
+              <a:buNone/>
+              <a:defRPr sz="1000"/>
+            </a:lvl4pPr>
+            <a:lvl5pPr marL="1828754" indent="0">
+              <a:buNone/>
+              <a:defRPr sz="1000"/>
+            </a:lvl5pPr>
+            <a:lvl6pPr marL="2285943" indent="0">
+              <a:buNone/>
+              <a:defRPr sz="1000"/>
+            </a:lvl6pPr>
+            <a:lvl7pPr marL="2743131" indent="0">
+              <a:buNone/>
+              <a:defRPr sz="1000"/>
+            </a:lvl7pPr>
+            <a:lvl8pPr marL="3200320" indent="0">
+              <a:buNone/>
+              <a:defRPr sz="1000"/>
+            </a:lvl8pPr>
+            <a:lvl9pPr marL="3657509" indent="0">
+              <a:buNone/>
+              <a:defRPr sz="1000"/>
+            </a:lvl9pPr>
+          </a:lstStyle>
+          <a:p>
+            <a:pPr lvl="0"/>
+            <a:r>
+              <a:rPr lang="es-ES" dirty="0"/>
+              <a:t>Haga clic para modificar los estilos de texto del patrón</a:t>
+            </a:r>
+          </a:p>
+        </p:txBody>
+      </p:sp>
+      <p:sp>
+        <p:nvSpPr>
+          <p:cNvPr id="5" name="Date Placeholder 4"/>
+          <p:cNvSpPr>
+            <a:spLocks noGrp="1"/>
+          </p:cNvSpPr>
+          <p:nvPr>
+            <p:ph type="dt" sz="half" idx="10"/>
+          </p:nvPr>
+        </p:nvSpPr>
+        <p:spPr/>
+        <p:txBody>
+          <a:bodyPr/>
+          <a:lstStyle/>
+          <a:p>
+            <a:pPr rtl="0"/>
+            <a:fld id="{DCA87387-1199-4F13-92EC-EA845724990E}" type="datetime1">
+              <a:rPr lang="es-ES" noProof="0" smtClean="0"/>
+              <a:t>09/08/2022</a:t>
+            </a:fld>
+            <a:endParaRPr lang="es-ES" noProof="0" dirty="0"/>
+          </a:p>
+        </p:txBody>
+      </p:sp>
+      <p:sp>
+        <p:nvSpPr>
+          <p:cNvPr id="6" name="Footer Placeholder 5"/>
+          <p:cNvSpPr>
+            <a:spLocks noGrp="1"/>
+          </p:cNvSpPr>
+          <p:nvPr>
+            <p:ph type="ftr" sz="quarter" idx="11"/>
+          </p:nvPr>
+        </p:nvSpPr>
+        <p:spPr/>
+        <p:txBody>
+          <a:bodyPr/>
+          <a:lstStyle/>
+          <a:p>
+            <a:pPr rtl="0"/>
+            <a:r>
+              <a:rPr lang="es-CO" noProof="0"/>
+              <a:t>Escuela Colombiana de Ingeniería Julio Garavito</a:t>
+            </a:r>
+            <a:endParaRPr lang="es-ES" noProof="0" dirty="0"/>
+          </a:p>
+        </p:txBody>
+      </p:sp>
+      <p:sp>
+        <p:nvSpPr>
+          <p:cNvPr id="7" name="Slide Number Placeholder 6"/>
+          <p:cNvSpPr>
+            <a:spLocks noGrp="1"/>
+          </p:cNvSpPr>
+          <p:nvPr>
+            <p:ph type="sldNum" sz="quarter" idx="12"/>
+          </p:nvPr>
+        </p:nvSpPr>
+        <p:spPr/>
+        <p:txBody>
+          <a:bodyPr/>
+          <a:lstStyle/>
+          <a:p>
+            <a:pPr rtl="0"/>
+            <a:fld id="{71B7BAC7-FE87-40F6-AA24-4F4685D1B022}" type="slidenum">
+              <a:rPr lang="es-ES" noProof="0" smtClean="0"/>
+              <a:pPr rtl="0"/>
+              <a:t>‹#›</a:t>
+            </a:fld>
+            <a:endParaRPr lang="es-ES" noProof="0" dirty="0"/>
+          </a:p>
+        </p:txBody>
+      </p:sp>
+    </p:spTree>
+    <p:extLst>
+      <p:ext uri="{BB962C8B-B14F-4D97-AF65-F5344CB8AC3E}">
+        <p14:creationId xmlns:p14="http://schemas.microsoft.com/office/powerpoint/2010/main" val="3922185429"/>
+      </p:ext>
+    </p:extLst>
+  </p:cSld>
+  <p:clrMapOvr>
+    <a:masterClrMapping/>
+  </p:clrMapOvr>
+</p:sldLayout>
+</file>
+
+<file path=ppt/slideLayouts/slideLayout16.xml><?xml version="1.0" encoding="utf-8"?>
+<p:sldLayout xmlns:a="http://schemas.openxmlformats.org/drawingml/2006/main" xmlns:r="http://schemas.openxmlformats.org/officeDocument/2006/relationships" xmlns:p="http://schemas.openxmlformats.org/presentationml/2006/main" type="vertTx" preserve="1">
+  <p:cSld name="Título y texto vertical">
+    <p:spTree>
+      <p:nvGrpSpPr>
+        <p:cNvPr id="1" name=""/>
+        <p:cNvGrpSpPr/>
+        <p:nvPr/>
+      </p:nvGrpSpPr>
+      <p:grpSpPr>
+        <a:xfrm>
+          <a:off x="0" y="0"/>
+          <a:ext cx="0" cy="0"/>
+          <a:chOff x="0" y="0"/>
+          <a:chExt cx="0" cy="0"/>
+        </a:xfrm>
+      </p:grpSpPr>
+      <p:sp>
+        <p:nvSpPr>
+          <p:cNvPr id="2" name="Title 1"/>
+          <p:cNvSpPr>
+            <a:spLocks noGrp="1"/>
+          </p:cNvSpPr>
+          <p:nvPr>
+            <p:ph type="title"/>
+          </p:nvPr>
+        </p:nvSpPr>
+        <p:spPr/>
+        <p:txBody>
+          <a:bodyPr/>
+          <a:lstStyle/>
+          <a:p>
+            <a:r>
+              <a:rPr lang="es-ES"/>
+              <a:t>Haga clic para modificar el estilo de título del patrón</a:t>
+            </a:r>
+            <a:endParaRPr lang="en-US" dirty="0"/>
+          </a:p>
+        </p:txBody>
+      </p:sp>
+      <p:sp>
+        <p:nvSpPr>
+          <p:cNvPr id="3" name="Vertical Text Placeholder 2"/>
+          <p:cNvSpPr>
+            <a:spLocks noGrp="1"/>
+          </p:cNvSpPr>
+          <p:nvPr>
+            <p:ph type="body" orient="vert" idx="1"/>
+          </p:nvPr>
+        </p:nvSpPr>
+        <p:spPr/>
+        <p:txBody>
+          <a:bodyPr vert="eaVert"/>
+          <a:lstStyle/>
+          <a:p>
+            <a:pPr lvl="0"/>
+            <a:r>
+              <a:rPr lang="es-ES"/>
+              <a:t>Haga clic para modificar los estilos de texto del patrón</a:t>
+            </a:r>
+          </a:p>
+          <a:p>
+            <a:pPr lvl="1"/>
+            <a:r>
+              <a:rPr lang="es-ES"/>
+              <a:t>Segundo nivel</a:t>
+            </a:r>
+          </a:p>
+          <a:p>
+            <a:pPr lvl="2"/>
+            <a:r>
+              <a:rPr lang="es-ES"/>
+              <a:t>Tercer nivel</a:t>
+            </a:r>
+          </a:p>
+          <a:p>
+            <a:pPr lvl="3"/>
+            <a:r>
+              <a:rPr lang="es-ES"/>
+              <a:t>Cuarto nivel</a:t>
+            </a:r>
+          </a:p>
+          <a:p>
+            <a:pPr lvl="4"/>
+            <a:r>
+              <a:rPr lang="es-ES"/>
+              <a:t>Quinto nivel</a:t>
+            </a:r>
+            <a:endParaRPr lang="en-US" dirty="0"/>
+          </a:p>
+        </p:txBody>
+      </p:sp>
+      <p:sp>
+        <p:nvSpPr>
+          <p:cNvPr id="4" name="Date Placeholder 3"/>
+          <p:cNvSpPr>
+            <a:spLocks noGrp="1"/>
+          </p:cNvSpPr>
+          <p:nvPr>
+            <p:ph type="dt" sz="half" idx="10"/>
+          </p:nvPr>
+        </p:nvSpPr>
+        <p:spPr/>
+        <p:txBody>
+          <a:bodyPr/>
+          <a:lstStyle/>
+          <a:p>
+            <a:pPr rtl="0"/>
+            <a:fld id="{0277B9E3-6C0A-45A5-BAE5-CD19B242173D}" type="datetime1">
+              <a:rPr lang="es-ES" noProof="0" smtClean="0"/>
+              <a:t>09/08/2022</a:t>
+            </a:fld>
+            <a:endParaRPr lang="es-ES" noProof="0" dirty="0"/>
+          </a:p>
+        </p:txBody>
+      </p:sp>
+      <p:sp>
+        <p:nvSpPr>
+          <p:cNvPr id="5" name="Footer Placeholder 4"/>
+          <p:cNvSpPr>
+            <a:spLocks noGrp="1"/>
+          </p:cNvSpPr>
+          <p:nvPr>
+            <p:ph type="ftr" sz="quarter" idx="11"/>
+          </p:nvPr>
+        </p:nvSpPr>
+        <p:spPr/>
+        <p:txBody>
+          <a:bodyPr/>
+          <a:lstStyle/>
+          <a:p>
+            <a:pPr rtl="0"/>
+            <a:r>
+              <a:rPr lang="es-CO" noProof="0"/>
+              <a:t>Escuela Colombiana de Ingeniería Julio Garavito</a:t>
+            </a:r>
+            <a:endParaRPr lang="es-ES" noProof="0" dirty="0"/>
+          </a:p>
+        </p:txBody>
+      </p:sp>
+      <p:sp>
+        <p:nvSpPr>
+          <p:cNvPr id="6" name="Slide Number Placeholder 5"/>
+          <p:cNvSpPr>
+            <a:spLocks noGrp="1"/>
+          </p:cNvSpPr>
+          <p:nvPr>
+            <p:ph type="sldNum" sz="quarter" idx="12"/>
+          </p:nvPr>
+        </p:nvSpPr>
+        <p:spPr/>
+        <p:txBody>
+          <a:bodyPr/>
+          <a:lstStyle/>
+          <a:p>
+            <a:pPr rtl="0"/>
+            <a:fld id="{71B7BAC7-FE87-40F6-AA24-4F4685D1B022}" type="slidenum">
+              <a:rPr lang="es-ES" noProof="0" smtClean="0"/>
+              <a:pPr rtl="0"/>
+              <a:t>‹#›</a:t>
+            </a:fld>
+            <a:endParaRPr lang="es-ES" noProof="0" dirty="0"/>
+          </a:p>
+        </p:txBody>
+      </p:sp>
+    </p:spTree>
+    <p:extLst>
+      <p:ext uri="{BB962C8B-B14F-4D97-AF65-F5344CB8AC3E}">
+        <p14:creationId xmlns:p14="http://schemas.microsoft.com/office/powerpoint/2010/main" val="1875724714"/>
+      </p:ext>
+    </p:extLst>
+  </p:cSld>
+  <p:clrMapOvr>
+    <a:masterClrMapping/>
+  </p:clrMapOvr>
+</p:sldLayout>
+</file>
+
+<file path=ppt/slideLayouts/slideLayout17.xml><?xml version="1.0" encoding="utf-8"?>
+<p:sldLayout xmlns:a="http://schemas.openxmlformats.org/drawingml/2006/main" xmlns:r="http://schemas.openxmlformats.org/officeDocument/2006/relationships" xmlns:p="http://schemas.openxmlformats.org/presentationml/2006/main" type="vertTitleAndTx" preserve="1">
+  <p:cSld name="Título vertical y texto">
+    <p:spTree>
+      <p:nvGrpSpPr>
+        <p:cNvPr id="1" name=""/>
+        <p:cNvGrpSpPr/>
+        <p:nvPr/>
+      </p:nvGrpSpPr>
+      <p:grpSpPr>
+        <a:xfrm>
+          <a:off x="0" y="0"/>
+          <a:ext cx="0" cy="0"/>
+          <a:chOff x="0" y="0"/>
+          <a:chExt cx="0" cy="0"/>
+        </a:xfrm>
+      </p:grpSpPr>
+      <p:sp>
+        <p:nvSpPr>
+          <p:cNvPr id="2" name="Vertical Title 1"/>
+          <p:cNvSpPr>
+            <a:spLocks noGrp="1"/>
+          </p:cNvSpPr>
+          <p:nvPr>
+            <p:ph type="title" orient="vert"/>
+          </p:nvPr>
+        </p:nvSpPr>
+        <p:spPr>
+          <a:xfrm>
+            <a:off x="8724901" y="365126"/>
+            <a:ext cx="2628900" cy="5811839"/>
+          </a:xfrm>
+        </p:spPr>
+        <p:txBody>
+          <a:bodyPr vert="eaVert"/>
+          <a:lstStyle/>
+          <a:p>
+            <a:r>
+              <a:rPr lang="es-ES"/>
+              <a:t>Haga clic para modificar el estilo de título del patrón</a:t>
+            </a:r>
+            <a:endParaRPr lang="en-US" dirty="0"/>
+          </a:p>
+        </p:txBody>
+      </p:sp>
+      <p:sp>
+        <p:nvSpPr>
+          <p:cNvPr id="3" name="Vertical Text Placeholder 2"/>
+          <p:cNvSpPr>
+            <a:spLocks noGrp="1"/>
+          </p:cNvSpPr>
+          <p:nvPr>
+            <p:ph type="body" orient="vert" idx="1"/>
+          </p:nvPr>
+        </p:nvSpPr>
+        <p:spPr>
+          <a:xfrm>
+            <a:off x="838201" y="365126"/>
+            <a:ext cx="7734300" cy="5811839"/>
+          </a:xfrm>
+        </p:spPr>
+        <p:txBody>
+          <a:bodyPr vert="eaVert"/>
+          <a:lstStyle/>
+          <a:p>
+            <a:pPr lvl="0"/>
+            <a:r>
+              <a:rPr lang="es-ES"/>
+              <a:t>Haga clic para modificar los estilos de texto del patrón</a:t>
+            </a:r>
+          </a:p>
+          <a:p>
+            <a:pPr lvl="1"/>
+            <a:r>
+              <a:rPr lang="es-ES"/>
+              <a:t>Segundo nivel</a:t>
+            </a:r>
+          </a:p>
+          <a:p>
+            <a:pPr lvl="2"/>
+            <a:r>
+              <a:rPr lang="es-ES"/>
+              <a:t>Tercer nivel</a:t>
+            </a:r>
+          </a:p>
+          <a:p>
+            <a:pPr lvl="3"/>
+            <a:r>
+              <a:rPr lang="es-ES"/>
+              <a:t>Cuarto nivel</a:t>
+            </a:r>
+          </a:p>
+          <a:p>
+            <a:pPr lvl="4"/>
+            <a:r>
+              <a:rPr lang="es-ES"/>
+              <a:t>Quinto nivel</a:t>
+            </a:r>
+            <a:endParaRPr lang="en-US" dirty="0"/>
+          </a:p>
+        </p:txBody>
+      </p:sp>
+      <p:sp>
+        <p:nvSpPr>
+          <p:cNvPr id="4" name="Date Placeholder 3"/>
+          <p:cNvSpPr>
+            <a:spLocks noGrp="1"/>
+          </p:cNvSpPr>
+          <p:nvPr>
+            <p:ph type="dt" sz="half" idx="10"/>
+          </p:nvPr>
+        </p:nvSpPr>
+        <p:spPr/>
+        <p:txBody>
+          <a:bodyPr/>
+          <a:lstStyle/>
+          <a:p>
+            <a:pPr rtl="0"/>
+            <a:fld id="{AB41DD2C-FA4F-413E-A1B5-23565A0780B7}" type="datetime1">
+              <a:rPr lang="es-ES" noProof="0" smtClean="0"/>
+              <a:t>09/08/2022</a:t>
+            </a:fld>
+            <a:endParaRPr lang="es-ES" noProof="0" dirty="0"/>
+          </a:p>
+        </p:txBody>
+      </p:sp>
+      <p:sp>
+        <p:nvSpPr>
+          <p:cNvPr id="5" name="Footer Placeholder 4"/>
+          <p:cNvSpPr>
+            <a:spLocks noGrp="1"/>
+          </p:cNvSpPr>
+          <p:nvPr>
+            <p:ph type="ftr" sz="quarter" idx="11"/>
+          </p:nvPr>
+        </p:nvSpPr>
+        <p:spPr/>
+        <p:txBody>
+          <a:bodyPr/>
+          <a:lstStyle/>
+          <a:p>
+            <a:pPr rtl="0"/>
+            <a:r>
+              <a:rPr lang="es-CO" noProof="0"/>
+              <a:t>Escuela Colombiana de Ingeniería Julio Garavito</a:t>
+            </a:r>
+            <a:endParaRPr lang="es-ES" noProof="0" dirty="0"/>
+          </a:p>
+        </p:txBody>
+      </p:sp>
+      <p:sp>
+        <p:nvSpPr>
+          <p:cNvPr id="6" name="Slide Number Placeholder 5"/>
+          <p:cNvSpPr>
+            <a:spLocks noGrp="1"/>
+          </p:cNvSpPr>
+          <p:nvPr>
+            <p:ph type="sldNum" sz="quarter" idx="12"/>
+          </p:nvPr>
+        </p:nvSpPr>
+        <p:spPr/>
+        <p:txBody>
+          <a:bodyPr/>
+          <a:lstStyle/>
+          <a:p>
+            <a:pPr rtl="0"/>
+            <a:fld id="{71B7BAC7-FE87-40F6-AA24-4F4685D1B022}" type="slidenum">
+              <a:rPr lang="es-ES" noProof="0" smtClean="0"/>
+              <a:pPr rtl="0"/>
+              <a:t>‹#›</a:t>
+            </a:fld>
+            <a:endParaRPr lang="es-ES" noProof="0" dirty="0"/>
+          </a:p>
+        </p:txBody>
+      </p:sp>
+    </p:spTree>
+    <p:extLst>
+      <p:ext uri="{BB962C8B-B14F-4D97-AF65-F5344CB8AC3E}">
+        <p14:creationId xmlns:p14="http://schemas.microsoft.com/office/powerpoint/2010/main" val="1858931708"/>
+      </p:ext>
+    </p:extLst>
+  </p:cSld>
+  <p:clrMapOvr>
+    <a:masterClrMapping/>
+  </p:clrMapOvr>
+</p:sldLayout>
+</file>
+
+<file path=ppt/slideLayouts/slideLayout2.xml><?xml version="1.0" encoding="utf-8"?>
+<p:sldLayout xmlns:a="http://schemas.openxmlformats.org/drawingml/2006/main" xmlns:r="http://schemas.openxmlformats.org/officeDocument/2006/relationships" xmlns:p="http://schemas.openxmlformats.org/presentationml/2006/main" type="obj" preserve="1">
+  <p:cSld name="Título y objetos con expositor">
+    <p:spTree>
+      <p:nvGrpSpPr>
+        <p:cNvPr id="1" name=""/>
+        <p:cNvGrpSpPr/>
+        <p:nvPr/>
+      </p:nvGrpSpPr>
+      <p:grpSpPr>
+        <a:xfrm>
+          <a:off x="0" y="0"/>
+          <a:ext cx="0" cy="0"/>
+          <a:chOff x="0" y="0"/>
+          <a:chExt cx="0" cy="0"/>
+        </a:xfrm>
+      </p:grpSpPr>
+      <p:sp>
+        <p:nvSpPr>
+          <p:cNvPr id="2" name="Title 1"/>
+          <p:cNvSpPr>
+            <a:spLocks noGrp="1"/>
+          </p:cNvSpPr>
+          <p:nvPr>
+            <p:ph type="title" hasCustomPrompt="1"/>
+          </p:nvPr>
+        </p:nvSpPr>
+        <p:spPr>
+          <a:xfrm>
+            <a:off x="720000" y="719999"/>
+            <a:ext cx="6840000" cy="810000"/>
+          </a:xfrm>
+        </p:spPr>
+        <p:txBody>
+          <a:bodyPr anchor="b" anchorCtr="0">
+            <a:normAutofit/>
+          </a:bodyPr>
+          <a:lstStyle>
+            <a:lvl1pPr>
+              <a:defRPr sz="2600"/>
+            </a:lvl1pPr>
+          </a:lstStyle>
+          <a:p>
+            <a:r>
+              <a:rPr lang="es-ES" dirty="0"/>
+              <a:t>Ingrese aquí un subtítulo</a:t>
+            </a:r>
+            <a:endParaRPr lang="en-US" dirty="0"/>
+          </a:p>
+        </p:txBody>
+      </p:sp>
+      <p:sp>
+        <p:nvSpPr>
+          <p:cNvPr id="3" name="Content Placeholder 2"/>
+          <p:cNvSpPr>
+            <a:spLocks noGrp="1"/>
+          </p:cNvSpPr>
+          <p:nvPr>
+            <p:ph idx="1"/>
+          </p:nvPr>
+        </p:nvSpPr>
+        <p:spPr>
+          <a:xfrm>
+            <a:off x="720000" y="1620000"/>
+            <a:ext cx="6840000" cy="4590000"/>
+          </a:xfrm>
+        </p:spPr>
+        <p:txBody>
+          <a:bodyPr/>
+          <a:lstStyle>
+            <a:lvl1pPr>
+              <a:defRPr sz="2400">
+                <a:solidFill>
+                  <a:schemeClr val="tx1">
+                    <a:lumMod val="75000"/>
+                    <a:lumOff val="25000"/>
+                  </a:schemeClr>
+                </a:solidFill>
+              </a:defRPr>
+            </a:lvl1pPr>
+            <a:lvl2pPr>
+              <a:defRPr>
+                <a:solidFill>
+                  <a:schemeClr val="tx1">
+                    <a:lumMod val="75000"/>
+                    <a:lumOff val="25000"/>
+                  </a:schemeClr>
+                </a:solidFill>
+              </a:defRPr>
+            </a:lvl2pPr>
+            <a:lvl3pPr>
+              <a:defRPr>
+                <a:solidFill>
+                  <a:schemeClr val="tx1">
+                    <a:lumMod val="75000"/>
+                    <a:lumOff val="25000"/>
+                  </a:schemeClr>
+                </a:solidFill>
+              </a:defRPr>
+            </a:lvl3pPr>
+            <a:lvl4pPr>
+              <a:defRPr>
+                <a:solidFill>
+                  <a:schemeClr val="tx1">
+                    <a:lumMod val="75000"/>
+                    <a:lumOff val="25000"/>
+                  </a:schemeClr>
+                </a:solidFill>
+              </a:defRPr>
+            </a:lvl4pPr>
+            <a:lvl5pPr>
+              <a:defRPr>
+                <a:solidFill>
+                  <a:schemeClr val="tx1">
+                    <a:lumMod val="75000"/>
+                    <a:lumOff val="25000"/>
+                  </a:schemeClr>
+                </a:solidFill>
+              </a:defRPr>
+            </a:lvl5pPr>
+          </a:lstStyle>
+          <a:p>
+            <a:pPr lvl="0"/>
+            <a:r>
+              <a:rPr lang="es-ES" dirty="0"/>
+              <a:t>Haga clic para modificar los estilos de texto del patrón</a:t>
+            </a:r>
+          </a:p>
+          <a:p>
+            <a:pPr lvl="1"/>
+            <a:r>
+              <a:rPr lang="es-ES" dirty="0"/>
+              <a:t>Segundo nivel</a:t>
+            </a:r>
+          </a:p>
+          <a:p>
+            <a:pPr lvl="2"/>
+            <a:r>
+              <a:rPr lang="es-ES" dirty="0"/>
+              <a:t>Tercer nivel</a:t>
+            </a:r>
+          </a:p>
+          <a:p>
+            <a:pPr lvl="3"/>
+            <a:r>
+              <a:rPr lang="es-ES" dirty="0"/>
+              <a:t>Cuarto nivel</a:t>
+            </a:r>
+          </a:p>
+          <a:p>
+            <a:pPr lvl="4"/>
+            <a:r>
+              <a:rPr lang="es-ES" dirty="0"/>
+              <a:t>Quinto nivel</a:t>
+            </a:r>
+            <a:endParaRPr lang="en-US" dirty="0"/>
+          </a:p>
+        </p:txBody>
+      </p:sp>
+      <p:sp>
+        <p:nvSpPr>
+          <p:cNvPr id="4" name="Date Placeholder 3"/>
+          <p:cNvSpPr>
+            <a:spLocks noGrp="1"/>
+          </p:cNvSpPr>
+          <p:nvPr>
+            <p:ph type="dt" sz="half" idx="10"/>
+          </p:nvPr>
+        </p:nvSpPr>
+        <p:spPr>
+          <a:xfrm>
+            <a:off x="720000" y="6356351"/>
+            <a:ext cx="2743200" cy="365125"/>
+          </a:xfrm>
+        </p:spPr>
+        <p:txBody>
+          <a:bodyPr/>
+          <a:lstStyle/>
+          <a:p>
+            <a:pPr rtl="0"/>
+            <a:fld id="{0D82DBE2-B5E9-4999-A9C0-55ED93FCE73D}" type="datetime1">
+              <a:rPr lang="es-ES" noProof="0" smtClean="0"/>
+              <a:t>09/08/2022</a:t>
+            </a:fld>
+            <a:endParaRPr lang="es-ES" noProof="0" dirty="0"/>
+          </a:p>
+        </p:txBody>
+      </p:sp>
+      <p:sp>
+        <p:nvSpPr>
+          <p:cNvPr id="5" name="Footer Placeholder 4"/>
+          <p:cNvSpPr>
+            <a:spLocks noGrp="1"/>
+          </p:cNvSpPr>
+          <p:nvPr>
+            <p:ph type="ftr" sz="quarter" idx="11"/>
+          </p:nvPr>
+        </p:nvSpPr>
+        <p:spPr/>
+        <p:txBody>
+          <a:bodyPr/>
+          <a:lstStyle/>
+          <a:p>
+            <a:pPr rtl="0"/>
+            <a:r>
+              <a:rPr lang="es-CO" noProof="0"/>
+              <a:t>Escuela Colombiana de Ingeniería Julio Garavito</a:t>
+            </a:r>
+            <a:endParaRPr lang="es-ES" noProof="0" dirty="0"/>
+          </a:p>
+        </p:txBody>
+      </p:sp>
+      <p:sp>
+        <p:nvSpPr>
+          <p:cNvPr id="6" name="Slide Number Placeholder 5"/>
+          <p:cNvSpPr>
+            <a:spLocks noGrp="1"/>
+          </p:cNvSpPr>
+          <p:nvPr>
+            <p:ph type="sldNum" sz="quarter" idx="12"/>
+          </p:nvPr>
+        </p:nvSpPr>
+        <p:spPr/>
+        <p:txBody>
+          <a:bodyPr/>
+          <a:lstStyle/>
+          <a:p>
+            <a:pPr rtl="0"/>
+            <a:fld id="{71B7BAC7-FE87-40F6-AA24-4F4685D1B022}" type="slidenum">
+              <a:rPr lang="es-ES" noProof="0" smtClean="0"/>
+              <a:pPr rtl="0"/>
+              <a:t>‹#›</a:t>
+            </a:fld>
+            <a:endParaRPr lang="es-ES" noProof="0" dirty="0"/>
+          </a:p>
+        </p:txBody>
+      </p:sp>
+    </p:spTree>
+    <p:extLst>
+      <p:ext uri="{BB962C8B-B14F-4D97-AF65-F5344CB8AC3E}">
+        <p14:creationId xmlns:p14="http://schemas.microsoft.com/office/powerpoint/2010/main" val="815808747"/>
+      </p:ext>
+    </p:extLst>
+  </p:cSld>
+  <p:clrMapOvr>
+    <a:masterClrMapping/>
+  </p:clrMapOvr>
+</p:sldLayout>
+</file>
+
+<file path=ppt/slideLayouts/slideLayout3.xml><?xml version="1.0" encoding="utf-8"?>
+<p:sldLayout xmlns:a="http://schemas.openxmlformats.org/drawingml/2006/main" xmlns:r="http://schemas.openxmlformats.org/officeDocument/2006/relationships" xmlns:p="http://schemas.openxmlformats.org/presentationml/2006/main" type="obj" preserve="1">
+  <p:cSld name="Título y objetos sin expositor">
+    <p:spTree>
+      <p:nvGrpSpPr>
+        <p:cNvPr id="1" name=""/>
+        <p:cNvGrpSpPr/>
+        <p:nvPr/>
+      </p:nvGrpSpPr>
+      <p:grpSpPr>
+        <a:xfrm>
+          <a:off x="0" y="0"/>
+          <a:ext cx="0" cy="0"/>
+          <a:chOff x="0" y="0"/>
+          <a:chExt cx="0" cy="0"/>
+        </a:xfrm>
+      </p:grpSpPr>
+      <p:sp>
+        <p:nvSpPr>
+          <p:cNvPr id="2" name="Title 1"/>
+          <p:cNvSpPr>
+            <a:spLocks noGrp="1"/>
+          </p:cNvSpPr>
+          <p:nvPr>
+            <p:ph type="title" hasCustomPrompt="1"/>
+          </p:nvPr>
+        </p:nvSpPr>
+        <p:spPr>
+          <a:xfrm>
+            <a:off x="720000" y="719999"/>
+            <a:ext cx="10753200" cy="810000"/>
+          </a:xfrm>
+        </p:spPr>
+        <p:txBody>
+          <a:bodyPr anchor="b" anchorCtr="0">
+            <a:normAutofit/>
+          </a:bodyPr>
+          <a:lstStyle>
+            <a:lvl1pPr>
+              <a:defRPr sz="2600"/>
+            </a:lvl1pPr>
+          </a:lstStyle>
+          <a:p>
+            <a:r>
+              <a:rPr lang="es-ES" dirty="0"/>
+              <a:t>Ingrese aquí un subtítulo</a:t>
+            </a:r>
+            <a:endParaRPr lang="en-US" dirty="0"/>
+          </a:p>
+        </p:txBody>
+      </p:sp>
+      <p:sp>
+        <p:nvSpPr>
+          <p:cNvPr id="3" name="Content Placeholder 2"/>
+          <p:cNvSpPr>
+            <a:spLocks noGrp="1"/>
+          </p:cNvSpPr>
+          <p:nvPr>
+            <p:ph idx="1"/>
+          </p:nvPr>
+        </p:nvSpPr>
+        <p:spPr>
+          <a:xfrm>
+            <a:off x="720000" y="1620000"/>
+            <a:ext cx="10753200" cy="4590000"/>
+          </a:xfrm>
+        </p:spPr>
+        <p:txBody>
+          <a:bodyPr/>
+          <a:lstStyle>
+            <a:lvl1pPr>
+              <a:defRPr sz="2400">
+                <a:solidFill>
+                  <a:schemeClr val="tx1">
+                    <a:lumMod val="75000"/>
+                    <a:lumOff val="25000"/>
+                  </a:schemeClr>
+                </a:solidFill>
+              </a:defRPr>
+            </a:lvl1pPr>
+            <a:lvl2pPr>
+              <a:defRPr>
+                <a:solidFill>
+                  <a:schemeClr val="tx1">
+                    <a:lumMod val="75000"/>
+                    <a:lumOff val="25000"/>
+                  </a:schemeClr>
+                </a:solidFill>
+              </a:defRPr>
+            </a:lvl2pPr>
+            <a:lvl3pPr>
+              <a:defRPr>
+                <a:solidFill>
+                  <a:schemeClr val="tx1">
+                    <a:lumMod val="75000"/>
+                    <a:lumOff val="25000"/>
+                  </a:schemeClr>
+                </a:solidFill>
+              </a:defRPr>
+            </a:lvl3pPr>
+            <a:lvl4pPr>
+              <a:defRPr>
+                <a:solidFill>
+                  <a:schemeClr val="tx1">
+                    <a:lumMod val="75000"/>
+                    <a:lumOff val="25000"/>
+                  </a:schemeClr>
+                </a:solidFill>
+              </a:defRPr>
+            </a:lvl4pPr>
+            <a:lvl5pPr>
+              <a:defRPr>
+                <a:solidFill>
+                  <a:schemeClr val="tx1">
+                    <a:lumMod val="75000"/>
+                    <a:lumOff val="25000"/>
+                  </a:schemeClr>
+                </a:solidFill>
+              </a:defRPr>
+            </a:lvl5pPr>
+          </a:lstStyle>
+          <a:p>
+            <a:pPr lvl="0"/>
+            <a:r>
+              <a:rPr lang="es-ES" dirty="0"/>
+              <a:t>Haga clic para modificar los estilos de texto del patrón</a:t>
+            </a:r>
+          </a:p>
+          <a:p>
+            <a:pPr lvl="1"/>
+            <a:r>
+              <a:rPr lang="es-ES" dirty="0"/>
+              <a:t>Segundo nivel</a:t>
+            </a:r>
+          </a:p>
+          <a:p>
+            <a:pPr lvl="2"/>
+            <a:r>
+              <a:rPr lang="es-ES" dirty="0"/>
+              <a:t>Tercer nivel</a:t>
+            </a:r>
+          </a:p>
+          <a:p>
+            <a:pPr lvl="3"/>
+            <a:r>
+              <a:rPr lang="es-ES" dirty="0"/>
+              <a:t>Cuarto nivel</a:t>
+            </a:r>
+          </a:p>
+          <a:p>
+            <a:pPr lvl="4"/>
+            <a:r>
+              <a:rPr lang="es-ES" dirty="0"/>
+              <a:t>Quinto nivel</a:t>
+            </a:r>
+            <a:endParaRPr lang="en-US" dirty="0"/>
+          </a:p>
+        </p:txBody>
+      </p:sp>
+      <p:sp>
+        <p:nvSpPr>
+          <p:cNvPr id="4" name="Date Placeholder 3"/>
+          <p:cNvSpPr>
+            <a:spLocks noGrp="1"/>
+          </p:cNvSpPr>
+          <p:nvPr>
+            <p:ph type="dt" sz="half" idx="10"/>
+          </p:nvPr>
+        </p:nvSpPr>
+        <p:spPr>
+          <a:xfrm>
+            <a:off x="720000" y="6356351"/>
+            <a:ext cx="2743200" cy="365125"/>
+          </a:xfrm>
+        </p:spPr>
+        <p:txBody>
+          <a:bodyPr/>
+          <a:lstStyle/>
+          <a:p>
+            <a:pPr rtl="0"/>
+            <a:fld id="{89B7BC24-C90D-4DAD-A6CB-BBA58C4D57BB}" type="datetime1">
+              <a:rPr lang="es-ES" noProof="0" smtClean="0"/>
+              <a:t>09/08/2022</a:t>
+            </a:fld>
+            <a:endParaRPr lang="es-ES" noProof="0" dirty="0"/>
+          </a:p>
+        </p:txBody>
+      </p:sp>
+      <p:sp>
+        <p:nvSpPr>
+          <p:cNvPr id="5" name="Footer Placeholder 4"/>
+          <p:cNvSpPr>
+            <a:spLocks noGrp="1"/>
+          </p:cNvSpPr>
+          <p:nvPr>
+            <p:ph type="ftr" sz="quarter" idx="11"/>
+          </p:nvPr>
+        </p:nvSpPr>
+        <p:spPr/>
+        <p:txBody>
+          <a:bodyPr/>
+          <a:lstStyle/>
+          <a:p>
+            <a:pPr rtl="0"/>
+            <a:r>
+              <a:rPr lang="es-CO" noProof="0"/>
+              <a:t>Escuela Colombiana de Ingeniería Julio Garavito</a:t>
+            </a:r>
+            <a:endParaRPr lang="es-ES" noProof="0" dirty="0"/>
+          </a:p>
+        </p:txBody>
+      </p:sp>
+      <p:sp>
+        <p:nvSpPr>
+          <p:cNvPr id="6" name="Slide Number Placeholder 5"/>
+          <p:cNvSpPr>
+            <a:spLocks noGrp="1"/>
+          </p:cNvSpPr>
+          <p:nvPr>
+            <p:ph type="sldNum" sz="quarter" idx="12"/>
+          </p:nvPr>
+        </p:nvSpPr>
+        <p:spPr/>
+        <p:txBody>
+          <a:bodyPr/>
+          <a:lstStyle/>
+          <a:p>
+            <a:pPr rtl="0"/>
+            <a:fld id="{71B7BAC7-FE87-40F6-AA24-4F4685D1B022}" type="slidenum">
+              <a:rPr lang="es-ES" noProof="0" smtClean="0"/>
+              <a:pPr rtl="0"/>
+              <a:t>‹#›</a:t>
+            </a:fld>
+            <a:endParaRPr lang="es-ES" noProof="0" dirty="0"/>
+          </a:p>
+        </p:txBody>
+      </p:sp>
+    </p:spTree>
+    <p:extLst>
+      <p:ext uri="{BB962C8B-B14F-4D97-AF65-F5344CB8AC3E}">
+        <p14:creationId xmlns:p14="http://schemas.microsoft.com/office/powerpoint/2010/main" val="509972297"/>
+      </p:ext>
+    </p:extLst>
+  </p:cSld>
+  <p:clrMapOvr>
+    <a:masterClrMapping/>
+  </p:clrMapOvr>
+</p:sldLayout>
+</file>
+
+<file path=ppt/slideLayouts/slideLayout4.xml><?xml version="1.0" encoding="utf-8"?>
+<p:sldLayout xmlns:a="http://schemas.openxmlformats.org/drawingml/2006/main" xmlns:r="http://schemas.openxmlformats.org/officeDocument/2006/relationships" xmlns:p="http://schemas.openxmlformats.org/presentationml/2006/main" type="secHead" preserve="1">
+  <p:cSld name="Encabezado de sección con expositor">
+    <p:spTree>
+      <p:nvGrpSpPr>
+        <p:cNvPr id="1" name=""/>
+        <p:cNvGrpSpPr/>
+        <p:nvPr/>
+      </p:nvGrpSpPr>
+      <p:grpSpPr>
+        <a:xfrm>
+          <a:off x="0" y="0"/>
+          <a:ext cx="0" cy="0"/>
+          <a:chOff x="0" y="0"/>
+          <a:chExt cx="0" cy="0"/>
+        </a:xfrm>
+      </p:grpSpPr>
+      <p:sp>
+        <p:nvSpPr>
+          <p:cNvPr id="2" name="Title 1"/>
+          <p:cNvSpPr>
+            <a:spLocks noGrp="1"/>
+          </p:cNvSpPr>
+          <p:nvPr>
+            <p:ph type="title" hasCustomPrompt="1"/>
+          </p:nvPr>
+        </p:nvSpPr>
+        <p:spPr>
+          <a:xfrm>
+            <a:off x="720000" y="1709740"/>
+            <a:ext cx="6840000" cy="2852737"/>
+          </a:xfrm>
+        </p:spPr>
+        <p:txBody>
+          <a:bodyPr anchor="b">
+            <a:normAutofit/>
+          </a:bodyPr>
+          <a:lstStyle>
+            <a:lvl1pPr>
+              <a:defRPr sz="2600">
+                <a:solidFill>
+                  <a:schemeClr val="tx1"/>
+                </a:solidFill>
+              </a:defRPr>
+            </a:lvl1pPr>
+          </a:lstStyle>
+          <a:p>
+            <a:r>
+              <a:rPr lang="es-ES" dirty="0"/>
+              <a:t>Ingrese aquí el subtítulo</a:t>
+            </a:r>
+            <a:endParaRPr lang="en-US" dirty="0"/>
+          </a:p>
+        </p:txBody>
+      </p:sp>
+      <p:sp>
+        <p:nvSpPr>
+          <p:cNvPr id="3" name="Text Placeholder 2"/>
+          <p:cNvSpPr>
+            <a:spLocks noGrp="1"/>
+          </p:cNvSpPr>
+          <p:nvPr>
+            <p:ph type="body" idx="1" hasCustomPrompt="1"/>
+          </p:nvPr>
+        </p:nvSpPr>
+        <p:spPr>
+          <a:xfrm>
+            <a:off x="720000" y="4643020"/>
+            <a:ext cx="6840000" cy="1446631"/>
+          </a:xfrm>
+        </p:spPr>
+        <p:txBody>
+          <a:bodyPr>
+            <a:normAutofit/>
+          </a:bodyPr>
+          <a:lstStyle>
+            <a:lvl1pPr marL="0" indent="0">
+              <a:buNone/>
+              <a:defRPr sz="2000">
+                <a:solidFill>
+                  <a:schemeClr val="tx1">
+                    <a:lumMod val="75000"/>
+                    <a:lumOff val="25000"/>
+                  </a:schemeClr>
+                </a:solidFill>
+              </a:defRPr>
+            </a:lvl1pPr>
+            <a:lvl2pPr marL="457189" indent="0">
+              <a:buNone/>
+              <a:defRPr sz="2000">
+                <a:solidFill>
+                  <a:schemeClr val="tx1">
+                    <a:tint val="75000"/>
+                  </a:schemeClr>
+                </a:solidFill>
+              </a:defRPr>
+            </a:lvl2pPr>
+            <a:lvl3pPr marL="914377" indent="0">
+              <a:buNone/>
+              <a:defRPr sz="1800">
+                <a:solidFill>
+                  <a:schemeClr val="tx1">
+                    <a:tint val="75000"/>
+                  </a:schemeClr>
+                </a:solidFill>
+              </a:defRPr>
+            </a:lvl3pPr>
+            <a:lvl4pPr marL="1371566" indent="0">
+              <a:buNone/>
+              <a:defRPr sz="1600">
+                <a:solidFill>
+                  <a:schemeClr val="tx1">
+                    <a:tint val="75000"/>
+                  </a:schemeClr>
+                </a:solidFill>
+              </a:defRPr>
+            </a:lvl4pPr>
+            <a:lvl5pPr marL="1828754" indent="0">
+              <a:buNone/>
+              <a:defRPr sz="1600">
+                <a:solidFill>
+                  <a:schemeClr val="tx1">
+                    <a:tint val="75000"/>
+                  </a:schemeClr>
+                </a:solidFill>
+              </a:defRPr>
+            </a:lvl5pPr>
+            <a:lvl6pPr marL="2285943" indent="0">
+              <a:buNone/>
+              <a:defRPr sz="1600">
+                <a:solidFill>
+                  <a:schemeClr val="tx1">
+                    <a:tint val="75000"/>
+                  </a:schemeClr>
+                </a:solidFill>
+              </a:defRPr>
+            </a:lvl6pPr>
+            <a:lvl7pPr marL="2743131" indent="0">
+              <a:buNone/>
+              <a:defRPr sz="1600">
+                <a:solidFill>
+                  <a:schemeClr val="tx1">
+                    <a:tint val="75000"/>
+                  </a:schemeClr>
+                </a:solidFill>
+              </a:defRPr>
+            </a:lvl7pPr>
+            <a:lvl8pPr marL="3200320" indent="0">
+              <a:buNone/>
+              <a:defRPr sz="1600">
+                <a:solidFill>
+                  <a:schemeClr val="tx1">
+                    <a:tint val="75000"/>
+                  </a:schemeClr>
+                </a:solidFill>
+              </a:defRPr>
+            </a:lvl8pPr>
+            <a:lvl9pPr marL="3657509" indent="0">
+              <a:buNone/>
+              <a:defRPr sz="1600">
+                <a:solidFill>
+                  <a:schemeClr val="tx1">
+                    <a:tint val="75000"/>
+                  </a:schemeClr>
+                </a:solidFill>
+              </a:defRPr>
+            </a:lvl9pPr>
+          </a:lstStyle>
+          <a:p>
+            <a:pPr lvl="0"/>
+            <a:r>
+              <a:rPr lang="es-ES" dirty="0"/>
+              <a:t>Ingrese aquí una breve descripción del alcance</a:t>
+            </a:r>
+          </a:p>
+        </p:txBody>
+      </p:sp>
+      <p:sp>
+        <p:nvSpPr>
+          <p:cNvPr id="4" name="Date Placeholder 3"/>
+          <p:cNvSpPr>
+            <a:spLocks noGrp="1"/>
+          </p:cNvSpPr>
+          <p:nvPr>
+            <p:ph type="dt" sz="half" idx="10"/>
+          </p:nvPr>
+        </p:nvSpPr>
+        <p:spPr/>
+        <p:txBody>
+          <a:bodyPr/>
+          <a:lstStyle/>
+          <a:p>
+            <a:pPr rtl="0"/>
+            <a:fld id="{217D4995-77A4-48E5-92B1-2DC992A39FBB}" type="datetime1">
+              <a:rPr lang="es-ES" noProof="0" smtClean="0"/>
+              <a:t>09/08/2022</a:t>
+            </a:fld>
+            <a:endParaRPr lang="es-ES" noProof="0" dirty="0"/>
+          </a:p>
+        </p:txBody>
+      </p:sp>
+      <p:sp>
+        <p:nvSpPr>
+          <p:cNvPr id="5" name="Footer Placeholder 4"/>
+          <p:cNvSpPr>
+            <a:spLocks noGrp="1"/>
+          </p:cNvSpPr>
+          <p:nvPr>
+            <p:ph type="ftr" sz="quarter" idx="11"/>
+          </p:nvPr>
+        </p:nvSpPr>
+        <p:spPr/>
+        <p:txBody>
+          <a:bodyPr/>
+          <a:lstStyle/>
+          <a:p>
+            <a:pPr rtl="0"/>
+            <a:r>
+              <a:rPr lang="es-CO" noProof="0"/>
+              <a:t>Escuela Colombiana de Ingeniería Julio Garavito</a:t>
             </a:r>
             <a:endParaRPr lang="es-ES" noProof="0" dirty="0"/>
           </a:p>
@@ -2205,9 +3582,9 @@
 </p:sldLayout>
 </file>
 
-<file path=ppt/slideLayouts/slideLayout4.xml><?xml version="1.0" encoding="utf-8"?>
-<p:sldLayout xmlns:a="http://schemas.openxmlformats.org/drawingml/2006/main" xmlns:r="http://schemas.openxmlformats.org/officeDocument/2006/relationships" xmlns:p="http://schemas.openxmlformats.org/presentationml/2006/main" type="twoObj" preserve="1">
-  <p:cSld name="Dos objetos">
+<file path=ppt/slideLayouts/slideLayout5.xml><?xml version="1.0" encoding="utf-8"?>
+<p:sldLayout xmlns:a="http://schemas.openxmlformats.org/drawingml/2006/main" xmlns:r="http://schemas.openxmlformats.org/officeDocument/2006/relationships" xmlns:p="http://schemas.openxmlformats.org/presentationml/2006/main" type="secHead" preserve="1">
+  <p:cSld name="Encabezado de sección sin expositor">
     <p:spTree>
       <p:nvGrpSpPr>
         <p:cNvPr id="1" name=""/>
@@ -2229,7 +3606,167 @@
             <a:spLocks noGrp="1"/>
           </p:cNvSpPr>
           <p:nvPr>
-            <p:ph type="title"/>
+            <p:ph type="title" hasCustomPrompt="1"/>
+          </p:nvPr>
+        </p:nvSpPr>
+        <p:spPr>
+          <a:xfrm>
+            <a:off x="720000" y="1709740"/>
+            <a:ext cx="10753200" cy="2852737"/>
+          </a:xfrm>
+        </p:spPr>
+        <p:txBody>
+          <a:bodyPr anchor="b">
+            <a:normAutofit/>
+          </a:bodyPr>
+          <a:lstStyle>
+            <a:lvl1pPr>
+              <a:defRPr sz="2600">
+                <a:solidFill>
+                  <a:schemeClr val="tx1"/>
+                </a:solidFill>
+              </a:defRPr>
+            </a:lvl1pPr>
+          </a:lstStyle>
+          <a:p>
+            <a:r>
+              <a:rPr lang="es-ES" dirty="0"/>
+              <a:t>Ingrese aquí el subtítulo</a:t>
+            </a:r>
+            <a:endParaRPr lang="en-US" dirty="0"/>
+          </a:p>
+        </p:txBody>
+      </p:sp>
+      <p:sp>
+        <p:nvSpPr>
+          <p:cNvPr id="3" name="Text Placeholder 2"/>
+          <p:cNvSpPr>
+            <a:spLocks noGrp="1"/>
+          </p:cNvSpPr>
+          <p:nvPr>
+            <p:ph type="body" idx="1" hasCustomPrompt="1"/>
+          </p:nvPr>
+        </p:nvSpPr>
+        <p:spPr>
+          <a:xfrm>
+            <a:off x="720000" y="4651898"/>
+            <a:ext cx="10753200" cy="1437753"/>
+          </a:xfrm>
+        </p:spPr>
+        <p:txBody>
+          <a:bodyPr>
+            <a:normAutofit/>
+          </a:bodyPr>
+          <a:lstStyle>
+            <a:lvl1pPr marL="0" indent="0">
+              <a:buNone/>
+              <a:defRPr sz="2000">
+                <a:solidFill>
+                  <a:schemeClr val="tx1">
+                    <a:lumMod val="75000"/>
+                    <a:lumOff val="25000"/>
+                  </a:schemeClr>
+                </a:solidFill>
+              </a:defRPr>
+            </a:lvl1pPr>
+            <a:lvl2pPr marL="457189" indent="0">
+              <a:buNone/>
+              <a:defRPr sz="2000">
+                <a:solidFill>
+                  <a:schemeClr val="tx1">
+                    <a:tint val="75000"/>
+                  </a:schemeClr>
+                </a:solidFill>
+              </a:defRPr>
+            </a:lvl2pPr>
+            <a:lvl3pPr marL="914377" indent="0">
+              <a:buNone/>
+              <a:defRPr sz="1800">
+                <a:solidFill>
+                  <a:schemeClr val="tx1">
+                    <a:tint val="75000"/>
+                  </a:schemeClr>
+                </a:solidFill>
+              </a:defRPr>
+            </a:lvl3pPr>
+            <a:lvl4pPr marL="1371566" indent="0">
+              <a:buNone/>
+              <a:defRPr sz="1600">
+                <a:solidFill>
+                  <a:schemeClr val="tx1">
+                    <a:tint val="75000"/>
+                  </a:schemeClr>
+                </a:solidFill>
+              </a:defRPr>
+            </a:lvl4pPr>
+            <a:lvl5pPr marL="1828754" indent="0">
+              <a:buNone/>
+              <a:defRPr sz="1600">
+                <a:solidFill>
+                  <a:schemeClr val="tx1">
+                    <a:tint val="75000"/>
+                  </a:schemeClr>
+                </a:solidFill>
+              </a:defRPr>
+            </a:lvl5pPr>
+            <a:lvl6pPr marL="2285943" indent="0">
+              <a:buNone/>
+              <a:defRPr sz="1600">
+                <a:solidFill>
+                  <a:schemeClr val="tx1">
+                    <a:tint val="75000"/>
+                  </a:schemeClr>
+                </a:solidFill>
+              </a:defRPr>
+            </a:lvl6pPr>
+            <a:lvl7pPr marL="2743131" indent="0">
+              <a:buNone/>
+              <a:defRPr sz="1600">
+                <a:solidFill>
+                  <a:schemeClr val="tx1">
+                    <a:tint val="75000"/>
+                  </a:schemeClr>
+                </a:solidFill>
+              </a:defRPr>
+            </a:lvl7pPr>
+            <a:lvl8pPr marL="3200320" indent="0">
+              <a:buNone/>
+              <a:defRPr sz="1600">
+                <a:solidFill>
+                  <a:schemeClr val="tx1">
+                    <a:tint val="75000"/>
+                  </a:schemeClr>
+                </a:solidFill>
+              </a:defRPr>
+            </a:lvl8pPr>
+            <a:lvl9pPr marL="3657509" indent="0">
+              <a:buNone/>
+              <a:defRPr sz="1600">
+                <a:solidFill>
+                  <a:schemeClr val="tx1">
+                    <a:tint val="75000"/>
+                  </a:schemeClr>
+                </a:solidFill>
+              </a:defRPr>
+            </a:lvl9pPr>
+          </a:lstStyle>
+          <a:p>
+            <a:pPr lvl="0"/>
+            <a:r>
+              <a:rPr lang="es-ES" dirty="0"/>
+              <a:t>Ingrese aquí una breve descripción del alcance</a:t>
+            </a:r>
+          </a:p>
+        </p:txBody>
+      </p:sp>
+      <p:sp>
+        <p:nvSpPr>
+          <p:cNvPr id="4" name="Date Placeholder 3"/>
+          <p:cNvSpPr>
+            <a:spLocks noGrp="1"/>
+          </p:cNvSpPr>
+          <p:nvPr>
+            <p:ph type="dt" sz="half" idx="10"/>
           </p:nvPr>
         </p:nvSpPr>
         <p:spPr/>
@@ -2237,145 +3774,8 @@
           <a:bodyPr/>
           <a:lstStyle/>
           <a:p>
-            <a:r>
-              <a:rPr lang="es-ES"/>
-              <a:t>Haga clic para modificar el estilo de título del patrón</a:t>
-            </a:r>
-            <a:endParaRPr lang="en-US" dirty="0"/>
-          </a:p>
-        </p:txBody>
-      </p:sp>
-      <p:sp>
-        <p:nvSpPr>
-          <p:cNvPr id="3" name="Content Placeholder 2"/>
-          <p:cNvSpPr>
-            <a:spLocks noGrp="1"/>
-          </p:cNvSpPr>
-          <p:nvPr>
-            <p:ph sz="half" idx="1"/>
-          </p:nvPr>
-        </p:nvSpPr>
-        <p:spPr>
-          <a:xfrm>
-            <a:off x="838200" y="1825625"/>
-            <a:ext cx="5181600" cy="4351339"/>
-          </a:xfrm>
-        </p:spPr>
-        <p:txBody>
-          <a:bodyPr/>
-          <a:lstStyle/>
-          <a:p>
-            <a:pPr lvl="0"/>
-            <a:r>
-              <a:rPr lang="es-ES"/>
-              <a:t>Haga clic para modificar los estilos de texto del patrón</a:t>
-            </a:r>
-          </a:p>
-          <a:p>
-            <a:pPr lvl="1"/>
-            <a:r>
-              <a:rPr lang="es-ES"/>
-              <a:t>Segundo nivel</a:t>
-            </a:r>
-          </a:p>
-          <a:p>
-            <a:pPr lvl="2"/>
-            <a:r>
-              <a:rPr lang="es-ES"/>
-              <a:t>Tercer nivel</a:t>
-            </a:r>
-          </a:p>
-          <a:p>
-            <a:pPr lvl="3"/>
-            <a:r>
-              <a:rPr lang="es-ES"/>
-              <a:t>Cuarto nivel</a:t>
-            </a:r>
-          </a:p>
-          <a:p>
-            <a:pPr lvl="4"/>
-            <a:r>
-              <a:rPr lang="es-ES"/>
-              <a:t>Quinto nivel</a:t>
-            </a:r>
-            <a:endParaRPr lang="en-US" dirty="0"/>
-          </a:p>
-        </p:txBody>
-      </p:sp>
-      <p:sp>
-        <p:nvSpPr>
-          <p:cNvPr id="4" name="Content Placeholder 3"/>
-          <p:cNvSpPr>
-            <a:spLocks noGrp="1"/>
-          </p:cNvSpPr>
-          <p:nvPr>
-            <p:ph sz="half" idx="2"/>
-          </p:nvPr>
-        </p:nvSpPr>
-        <p:spPr>
-          <a:xfrm>
-            <a:off x="6172200" y="1825625"/>
-            <a:ext cx="5181600" cy="4351339"/>
-          </a:xfrm>
-        </p:spPr>
-        <p:txBody>
-          <a:bodyPr/>
-          <a:lstStyle/>
-          <a:p>
-            <a:pPr lvl="0"/>
-            <a:r>
-              <a:rPr lang="es-ES"/>
-              <a:t>Haga clic para modificar los estilos de texto del patrón</a:t>
-            </a:r>
-          </a:p>
-          <a:p>
-            <a:pPr lvl="1"/>
-            <a:r>
-              <a:rPr lang="es-ES"/>
-              <a:t>Segundo nivel</a:t>
-            </a:r>
-          </a:p>
-          <a:p>
-            <a:pPr lvl="2"/>
-            <a:r>
-              <a:rPr lang="es-ES"/>
-              <a:t>Tercer nivel</a:t>
-            </a:r>
-          </a:p>
-          <a:p>
-            <a:pPr lvl="3"/>
-            <a:r>
-              <a:rPr lang="es-ES"/>
-              <a:t>Cuarto nivel</a:t>
-            </a:r>
-          </a:p>
-          <a:p>
-            <a:pPr lvl="4"/>
-            <a:r>
-              <a:rPr lang="es-ES"/>
-              <a:t>Quinto nivel</a:t>
-            </a:r>
-            <a:endParaRPr lang="en-US" dirty="0"/>
-          </a:p>
-        </p:txBody>
-      </p:sp>
-      <p:sp>
-        <p:nvSpPr>
-          <p:cNvPr id="5" name="Date Placeholder 4"/>
-          <p:cNvSpPr>
-            <a:spLocks noGrp="1"/>
-          </p:cNvSpPr>
-          <p:nvPr>
-            <p:ph type="dt" sz="half" idx="10"/>
-          </p:nvPr>
-        </p:nvSpPr>
-        <p:spPr/>
-        <p:txBody>
-          <a:bodyPr/>
-          <a:lstStyle/>
-          <a:p>
             <a:pPr rtl="0"/>
-            <a:fld id="{3DDDD12C-A2E5-4D32-A8D5-4FBA4A9916EE}" type="datetime1">
+            <a:fld id="{AE8112B3-1F24-452F-80DE-56BF301098EC}" type="datetime1">
               <a:rPr lang="es-ES" noProof="0" smtClean="0"/>
               <a:t>09/08/2022</a:t>
             </a:fld>
@@ -2385,7 +3785,7 @@
       </p:sp>
       <p:sp>
         <p:nvSpPr>
-          <p:cNvPr id="6" name="Footer Placeholder 5"/>
+          <p:cNvPr id="5" name="Footer Placeholder 4"/>
           <p:cNvSpPr>
             <a:spLocks noGrp="1"/>
           </p:cNvSpPr>
@@ -2400,8 +3800,8 @@
           <a:p>
             <a:pPr rtl="0"/>
             <a:r>
-              <a:rPr lang="es-ES" noProof="0"/>
-              <a:t>Agregar un pie de página</a:t>
+              <a:rPr lang="es-CO" noProof="0"/>
+              <a:t>Escuela Colombiana de Ingeniería Julio Garavito</a:t>
             </a:r>
             <a:endParaRPr lang="es-ES" noProof="0" dirty="0"/>
           </a:p>
@@ -2409,510 +3809,7 @@
       </p:sp>
       <p:sp>
         <p:nvSpPr>
-          <p:cNvPr id="7" name="Slide Number Placeholder 6"/>
-          <p:cNvSpPr>
-            <a:spLocks noGrp="1"/>
-          </p:cNvSpPr>
-          <p:nvPr>
-            <p:ph type="sldNum" sz="quarter" idx="12"/>
-          </p:nvPr>
-        </p:nvSpPr>
-        <p:spPr/>
-        <p:txBody>
-          <a:bodyPr/>
-          <a:lstStyle/>
-          <a:p>
-            <a:pPr rtl="0"/>
-            <a:fld id="{71B7BAC7-FE87-40F6-AA24-4F4685D1B022}" type="slidenum">
-              <a:rPr lang="es-ES" noProof="0" smtClean="0"/>
-              <a:pPr rtl="0"/>
-              <a:t>‹#›</a:t>
-            </a:fld>
-            <a:endParaRPr lang="es-ES" noProof="0" dirty="0"/>
-          </a:p>
-        </p:txBody>
-      </p:sp>
-    </p:spTree>
-    <p:extLst>
-      <p:ext uri="{BB962C8B-B14F-4D97-AF65-F5344CB8AC3E}">
-        <p14:creationId xmlns:p14="http://schemas.microsoft.com/office/powerpoint/2010/main" val="3126167975"/>
-      </p:ext>
-    </p:extLst>
-  </p:cSld>
-  <p:clrMapOvr>
-    <a:masterClrMapping/>
-  </p:clrMapOvr>
-  <p:hf sldNum="0" hdr="0" ftr="0" dt="0"/>
-</p:sldLayout>
-</file>
-
-<file path=ppt/slideLayouts/slideLayout5.xml><?xml version="1.0" encoding="utf-8"?>
-<p:sldLayout xmlns:a="http://schemas.openxmlformats.org/drawingml/2006/main" xmlns:r="http://schemas.openxmlformats.org/officeDocument/2006/relationships" xmlns:p="http://schemas.openxmlformats.org/presentationml/2006/main" type="twoTxTwoObj" preserve="1">
-  <p:cSld name="Comparación">
-    <p:spTree>
-      <p:nvGrpSpPr>
-        <p:cNvPr id="1" name=""/>
-        <p:cNvGrpSpPr/>
-        <p:nvPr/>
-      </p:nvGrpSpPr>
-      <p:grpSpPr>
-        <a:xfrm>
-          <a:off x="0" y="0"/>
-          <a:ext cx="0" cy="0"/>
-          <a:chOff x="0" y="0"/>
-          <a:chExt cx="0" cy="0"/>
-        </a:xfrm>
-      </p:grpSpPr>
-      <p:sp>
-        <p:nvSpPr>
-          <p:cNvPr id="2" name="Title 1"/>
-          <p:cNvSpPr>
-            <a:spLocks noGrp="1"/>
-          </p:cNvSpPr>
-          <p:nvPr>
-            <p:ph type="title"/>
-          </p:nvPr>
-        </p:nvSpPr>
-        <p:spPr>
-          <a:xfrm>
-            <a:off x="839788" y="365125"/>
-            <a:ext cx="10515600" cy="1325563"/>
-          </a:xfrm>
-        </p:spPr>
-        <p:txBody>
-          <a:bodyPr/>
-          <a:lstStyle/>
-          <a:p>
-            <a:r>
-              <a:rPr lang="es-ES"/>
-              <a:t>Haga clic para modificar el estilo de título del patrón</a:t>
-            </a:r>
-            <a:endParaRPr lang="en-US" dirty="0"/>
-          </a:p>
-        </p:txBody>
-      </p:sp>
-      <p:sp>
-        <p:nvSpPr>
-          <p:cNvPr id="3" name="Text Placeholder 2"/>
-          <p:cNvSpPr>
-            <a:spLocks noGrp="1"/>
-          </p:cNvSpPr>
-          <p:nvPr>
-            <p:ph type="body" idx="1"/>
-          </p:nvPr>
-        </p:nvSpPr>
-        <p:spPr>
-          <a:xfrm>
-            <a:off x="839789" y="1681163"/>
-            <a:ext cx="5157787" cy="823912"/>
-          </a:xfrm>
-        </p:spPr>
-        <p:txBody>
-          <a:bodyPr anchor="b"/>
-          <a:lstStyle>
-            <a:lvl1pPr marL="0" indent="0">
-              <a:buNone/>
-              <a:defRPr sz="2400" b="1"/>
-            </a:lvl1pPr>
-            <a:lvl2pPr marL="457189" indent="0">
-              <a:buNone/>
-              <a:defRPr sz="2000" b="1"/>
-            </a:lvl2pPr>
-            <a:lvl3pPr marL="914377" indent="0">
-              <a:buNone/>
-              <a:defRPr sz="1800" b="1"/>
-            </a:lvl3pPr>
-            <a:lvl4pPr marL="1371566" indent="0">
-              <a:buNone/>
-              <a:defRPr sz="1600" b="1"/>
-            </a:lvl4pPr>
-            <a:lvl5pPr marL="1828754" indent="0">
-              <a:buNone/>
-              <a:defRPr sz="1600" b="1"/>
-            </a:lvl5pPr>
-            <a:lvl6pPr marL="2285943" indent="0">
-              <a:buNone/>
-              <a:defRPr sz="1600" b="1"/>
-            </a:lvl6pPr>
-            <a:lvl7pPr marL="2743131" indent="0">
-              <a:buNone/>
-              <a:defRPr sz="1600" b="1"/>
-            </a:lvl7pPr>
-            <a:lvl8pPr marL="3200320" indent="0">
-              <a:buNone/>
-              <a:defRPr sz="1600" b="1"/>
-            </a:lvl8pPr>
-            <a:lvl9pPr marL="3657509" indent="0">
-              <a:buNone/>
-              <a:defRPr sz="1600" b="1"/>
-            </a:lvl9pPr>
-          </a:lstStyle>
-          <a:p>
-            <a:pPr lvl="0"/>
-            <a:r>
-              <a:rPr lang="es-ES"/>
-              <a:t>Haga clic para modificar los estilos de texto del patrón</a:t>
-            </a:r>
-          </a:p>
-        </p:txBody>
-      </p:sp>
-      <p:sp>
-        <p:nvSpPr>
-          <p:cNvPr id="4" name="Content Placeholder 3"/>
-          <p:cNvSpPr>
-            <a:spLocks noGrp="1"/>
-          </p:cNvSpPr>
-          <p:nvPr>
-            <p:ph sz="half" idx="2"/>
-          </p:nvPr>
-        </p:nvSpPr>
-        <p:spPr>
-          <a:xfrm>
-            <a:off x="839789" y="2505075"/>
-            <a:ext cx="5157787" cy="3684588"/>
-          </a:xfrm>
-        </p:spPr>
-        <p:txBody>
-          <a:bodyPr/>
-          <a:lstStyle/>
-          <a:p>
-            <a:pPr lvl="0"/>
-            <a:r>
-              <a:rPr lang="es-ES"/>
-              <a:t>Haga clic para modificar los estilos de texto del patrón</a:t>
-            </a:r>
-          </a:p>
-          <a:p>
-            <a:pPr lvl="1"/>
-            <a:r>
-              <a:rPr lang="es-ES"/>
-              <a:t>Segundo nivel</a:t>
-            </a:r>
-          </a:p>
-          <a:p>
-            <a:pPr lvl="2"/>
-            <a:r>
-              <a:rPr lang="es-ES"/>
-              <a:t>Tercer nivel</a:t>
-            </a:r>
-          </a:p>
-          <a:p>
-            <a:pPr lvl="3"/>
-            <a:r>
-              <a:rPr lang="es-ES"/>
-              <a:t>Cuarto nivel</a:t>
-            </a:r>
-          </a:p>
-          <a:p>
-            <a:pPr lvl="4"/>
-            <a:r>
-              <a:rPr lang="es-ES"/>
-              <a:t>Quinto nivel</a:t>
-            </a:r>
-            <a:endParaRPr lang="en-US" dirty="0"/>
-          </a:p>
-        </p:txBody>
-      </p:sp>
-      <p:sp>
-        <p:nvSpPr>
-          <p:cNvPr id="5" name="Text Placeholder 4"/>
-          <p:cNvSpPr>
-            <a:spLocks noGrp="1"/>
-          </p:cNvSpPr>
-          <p:nvPr>
-            <p:ph type="body" sz="quarter" idx="3"/>
-          </p:nvPr>
-        </p:nvSpPr>
-        <p:spPr>
-          <a:xfrm>
-            <a:off x="6172201" y="1681163"/>
-            <a:ext cx="5183188" cy="823912"/>
-          </a:xfrm>
-        </p:spPr>
-        <p:txBody>
-          <a:bodyPr anchor="b"/>
-          <a:lstStyle>
-            <a:lvl1pPr marL="0" indent="0">
-              <a:buNone/>
-              <a:defRPr sz="2400" b="1"/>
-            </a:lvl1pPr>
-            <a:lvl2pPr marL="457189" indent="0">
-              <a:buNone/>
-              <a:defRPr sz="2000" b="1"/>
-            </a:lvl2pPr>
-            <a:lvl3pPr marL="914377" indent="0">
-              <a:buNone/>
-              <a:defRPr sz="1800" b="1"/>
-            </a:lvl3pPr>
-            <a:lvl4pPr marL="1371566" indent="0">
-              <a:buNone/>
-              <a:defRPr sz="1600" b="1"/>
-            </a:lvl4pPr>
-            <a:lvl5pPr marL="1828754" indent="0">
-              <a:buNone/>
-              <a:defRPr sz="1600" b="1"/>
-            </a:lvl5pPr>
-            <a:lvl6pPr marL="2285943" indent="0">
-              <a:buNone/>
-              <a:defRPr sz="1600" b="1"/>
-            </a:lvl6pPr>
-            <a:lvl7pPr marL="2743131" indent="0">
-              <a:buNone/>
-              <a:defRPr sz="1600" b="1"/>
-            </a:lvl7pPr>
-            <a:lvl8pPr marL="3200320" indent="0">
-              <a:buNone/>
-              <a:defRPr sz="1600" b="1"/>
-            </a:lvl8pPr>
-            <a:lvl9pPr marL="3657509" indent="0">
-              <a:buNone/>
-              <a:defRPr sz="1600" b="1"/>
-            </a:lvl9pPr>
-          </a:lstStyle>
-          <a:p>
-            <a:pPr lvl="0"/>
-            <a:r>
-              <a:rPr lang="es-ES"/>
-              <a:t>Haga clic para modificar los estilos de texto del patrón</a:t>
-            </a:r>
-          </a:p>
-        </p:txBody>
-      </p:sp>
-      <p:sp>
-        <p:nvSpPr>
-          <p:cNvPr id="6" name="Content Placeholder 5"/>
-          <p:cNvSpPr>
-            <a:spLocks noGrp="1"/>
-          </p:cNvSpPr>
-          <p:nvPr>
-            <p:ph sz="quarter" idx="4"/>
-          </p:nvPr>
-        </p:nvSpPr>
-        <p:spPr>
-          <a:xfrm>
-            <a:off x="6172201" y="2505075"/>
-            <a:ext cx="5183188" cy="3684588"/>
-          </a:xfrm>
-        </p:spPr>
-        <p:txBody>
-          <a:bodyPr/>
-          <a:lstStyle/>
-          <a:p>
-            <a:pPr lvl="0"/>
-            <a:r>
-              <a:rPr lang="es-ES"/>
-              <a:t>Haga clic para modificar los estilos de texto del patrón</a:t>
-            </a:r>
-          </a:p>
-          <a:p>
-            <a:pPr lvl="1"/>
-            <a:r>
-              <a:rPr lang="es-ES"/>
-              <a:t>Segundo nivel</a:t>
-            </a:r>
-          </a:p>
-          <a:p>
-            <a:pPr lvl="2"/>
-            <a:r>
-              <a:rPr lang="es-ES"/>
-              <a:t>Tercer nivel</a:t>
-            </a:r>
-          </a:p>
-          <a:p>
-            <a:pPr lvl="3"/>
-            <a:r>
-              <a:rPr lang="es-ES"/>
-              <a:t>Cuarto nivel</a:t>
-            </a:r>
-          </a:p>
-          <a:p>
-            <a:pPr lvl="4"/>
-            <a:r>
-              <a:rPr lang="es-ES"/>
-              <a:t>Quinto nivel</a:t>
-            </a:r>
-            <a:endParaRPr lang="en-US" dirty="0"/>
-          </a:p>
-        </p:txBody>
-      </p:sp>
-      <p:sp>
-        <p:nvSpPr>
-          <p:cNvPr id="7" name="Date Placeholder 6"/>
-          <p:cNvSpPr>
-            <a:spLocks noGrp="1"/>
-          </p:cNvSpPr>
-          <p:nvPr>
-            <p:ph type="dt" sz="half" idx="10"/>
-          </p:nvPr>
-        </p:nvSpPr>
-        <p:spPr/>
-        <p:txBody>
-          <a:bodyPr/>
-          <a:lstStyle/>
-          <a:p>
-            <a:pPr rtl="0"/>
-            <a:fld id="{3DDDD12C-A2E5-4D32-A8D5-4FBA4A9916EE}" type="datetime1">
-              <a:rPr lang="es-ES" noProof="0" smtClean="0"/>
-              <a:t>09/08/2022</a:t>
-            </a:fld>
-            <a:endParaRPr lang="es-ES" noProof="0" dirty="0"/>
-          </a:p>
-        </p:txBody>
-      </p:sp>
-      <p:sp>
-        <p:nvSpPr>
-          <p:cNvPr id="8" name="Footer Placeholder 7"/>
-          <p:cNvSpPr>
-            <a:spLocks noGrp="1"/>
-          </p:cNvSpPr>
-          <p:nvPr>
-            <p:ph type="ftr" sz="quarter" idx="11"/>
-          </p:nvPr>
-        </p:nvSpPr>
-        <p:spPr/>
-        <p:txBody>
-          <a:bodyPr/>
-          <a:lstStyle/>
-          <a:p>
-            <a:pPr rtl="0"/>
-            <a:r>
-              <a:rPr lang="es-ES" noProof="0"/>
-              <a:t>Agregar un pie de página</a:t>
-            </a:r>
-            <a:endParaRPr lang="es-ES" noProof="0" dirty="0"/>
-          </a:p>
-        </p:txBody>
-      </p:sp>
-      <p:sp>
-        <p:nvSpPr>
-          <p:cNvPr id="9" name="Slide Number Placeholder 8"/>
-          <p:cNvSpPr>
-            <a:spLocks noGrp="1"/>
-          </p:cNvSpPr>
-          <p:nvPr>
-            <p:ph type="sldNum" sz="quarter" idx="12"/>
-          </p:nvPr>
-        </p:nvSpPr>
-        <p:spPr/>
-        <p:txBody>
-          <a:bodyPr/>
-          <a:lstStyle/>
-          <a:p>
-            <a:pPr rtl="0"/>
-            <a:fld id="{71B7BAC7-FE87-40F6-AA24-4F4685D1B022}" type="slidenum">
-              <a:rPr lang="es-ES" noProof="0" smtClean="0"/>
-              <a:pPr rtl="0"/>
-              <a:t>‹#›</a:t>
-            </a:fld>
-            <a:endParaRPr lang="es-ES" noProof="0" dirty="0"/>
-          </a:p>
-        </p:txBody>
-      </p:sp>
-    </p:spTree>
-    <p:extLst>
-      <p:ext uri="{BB962C8B-B14F-4D97-AF65-F5344CB8AC3E}">
-        <p14:creationId xmlns:p14="http://schemas.microsoft.com/office/powerpoint/2010/main" val="3460816323"/>
-      </p:ext>
-    </p:extLst>
-  </p:cSld>
-  <p:clrMapOvr>
-    <a:masterClrMapping/>
-  </p:clrMapOvr>
-  <p:hf sldNum="0" hdr="0" ftr="0" dt="0"/>
-</p:sldLayout>
-</file>
-
-<file path=ppt/slideLayouts/slideLayout6.xml><?xml version="1.0" encoding="utf-8"?>
-<p:sldLayout xmlns:a="http://schemas.openxmlformats.org/drawingml/2006/main" xmlns:r="http://schemas.openxmlformats.org/officeDocument/2006/relationships" xmlns:p="http://schemas.openxmlformats.org/presentationml/2006/main" type="titleOnly" preserve="1">
-  <p:cSld name="Solo el título">
-    <p:spTree>
-      <p:nvGrpSpPr>
-        <p:cNvPr id="1" name=""/>
-        <p:cNvGrpSpPr/>
-        <p:nvPr/>
-      </p:nvGrpSpPr>
-      <p:grpSpPr>
-        <a:xfrm>
-          <a:off x="0" y="0"/>
-          <a:ext cx="0" cy="0"/>
-          <a:chOff x="0" y="0"/>
-          <a:chExt cx="0" cy="0"/>
-        </a:xfrm>
-      </p:grpSpPr>
-      <p:sp>
-        <p:nvSpPr>
-          <p:cNvPr id="2" name="Title 1"/>
-          <p:cNvSpPr>
-            <a:spLocks noGrp="1"/>
-          </p:cNvSpPr>
-          <p:nvPr>
-            <p:ph type="title"/>
-          </p:nvPr>
-        </p:nvSpPr>
-        <p:spPr/>
-        <p:txBody>
-          <a:bodyPr/>
-          <a:lstStyle/>
-          <a:p>
-            <a:r>
-              <a:rPr lang="es-ES"/>
-              <a:t>Haga clic para modificar el estilo de título del patrón</a:t>
-            </a:r>
-            <a:endParaRPr lang="en-US" dirty="0"/>
-          </a:p>
-        </p:txBody>
-      </p:sp>
-      <p:sp>
-        <p:nvSpPr>
-          <p:cNvPr id="3" name="Date Placeholder 2"/>
-          <p:cNvSpPr>
-            <a:spLocks noGrp="1"/>
-          </p:cNvSpPr>
-          <p:nvPr>
-            <p:ph type="dt" sz="half" idx="10"/>
-          </p:nvPr>
-        </p:nvSpPr>
-        <p:spPr/>
-        <p:txBody>
-          <a:bodyPr/>
-          <a:lstStyle/>
-          <a:p>
-            <a:pPr rtl="0"/>
-            <a:fld id="{A3120DF6-1B4A-4B6C-B500-7840816C7764}" type="datetime1">
-              <a:rPr lang="es-ES" noProof="0" smtClean="0"/>
-              <a:t>09/08/2022</a:t>
-            </a:fld>
-            <a:endParaRPr lang="es-ES" noProof="0" dirty="0"/>
-          </a:p>
-        </p:txBody>
-      </p:sp>
-      <p:sp>
-        <p:nvSpPr>
-          <p:cNvPr id="4" name="Footer Placeholder 3"/>
-          <p:cNvSpPr>
-            <a:spLocks noGrp="1"/>
-          </p:cNvSpPr>
-          <p:nvPr>
-            <p:ph type="ftr" sz="quarter" idx="11"/>
-          </p:nvPr>
-        </p:nvSpPr>
-        <p:spPr/>
-        <p:txBody>
-          <a:bodyPr/>
-          <a:lstStyle/>
-          <a:p>
-            <a:pPr rtl="0"/>
-            <a:r>
-              <a:rPr lang="es-ES" noProof="0"/>
-              <a:t>Agregar un pie de página</a:t>
-            </a:r>
-            <a:endParaRPr lang="es-ES" noProof="0" dirty="0"/>
-          </a:p>
-        </p:txBody>
-      </p:sp>
-      <p:sp>
-        <p:nvSpPr>
-          <p:cNvPr id="5" name="Slide Number Placeholder 4"/>
+          <p:cNvPr id="6" name="Slide Number Placeholder 5"/>
           <p:cNvSpPr>
             <a:spLocks noGrp="1"/>
           </p:cNvSpPr>
@@ -2937,7 +3834,7 @@
     </p:spTree>
     <p:extLst>
       <p:ext uri="{BB962C8B-B14F-4D97-AF65-F5344CB8AC3E}">
-        <p14:creationId xmlns:p14="http://schemas.microsoft.com/office/powerpoint/2010/main" val="1536668684"/>
+        <p14:creationId xmlns:p14="http://schemas.microsoft.com/office/powerpoint/2010/main" val="1733040654"/>
       </p:ext>
     </p:extLst>
   </p:cSld>
@@ -2959,9 +3856,9 @@
 </p:sldLayout>
 </file>
 
-<file path=ppt/slideLayouts/slideLayout7.xml><?xml version="1.0" encoding="utf-8"?>
-<p:sldLayout xmlns:a="http://schemas.openxmlformats.org/drawingml/2006/main" xmlns:r="http://schemas.openxmlformats.org/officeDocument/2006/relationships" xmlns:p="http://schemas.openxmlformats.org/presentationml/2006/main" type="blank" preserve="1">
-  <p:cSld name="En blanco">
+<file path=ppt/slideLayouts/slideLayout6.xml><?xml version="1.0" encoding="utf-8"?>
+<p:sldLayout xmlns:a="http://schemas.openxmlformats.org/drawingml/2006/main" xmlns:r="http://schemas.openxmlformats.org/officeDocument/2006/relationships" xmlns:p="http://schemas.openxmlformats.org/presentationml/2006/main" type="twoObj" preserve="1">
+  <p:cSld name="Dos objetos con expositor">
     <p:spTree>
       <p:nvGrpSpPr>
         <p:cNvPr id="1" name=""/>
@@ -2978,7 +3875,259 @@
       </p:grpSpPr>
       <p:sp>
         <p:nvSpPr>
-          <p:cNvPr id="2" name="Date Placeholder 1"/>
+          <p:cNvPr id="2" name="Title 1"/>
+          <p:cNvSpPr>
+            <a:spLocks noGrp="1"/>
+          </p:cNvSpPr>
+          <p:nvPr>
+            <p:ph type="title" hasCustomPrompt="1"/>
+          </p:nvPr>
+        </p:nvSpPr>
+        <p:spPr>
+          <a:xfrm>
+            <a:off x="720000" y="720000"/>
+            <a:ext cx="6840000" cy="810000"/>
+          </a:xfrm>
+        </p:spPr>
+        <p:txBody>
+          <a:bodyPr anchor="b" anchorCtr="0"/>
+          <a:lstStyle>
+            <a:lvl1pPr>
+              <a:defRPr>
+                <a:solidFill>
+                  <a:schemeClr val="tx1"/>
+                </a:solidFill>
+              </a:defRPr>
+            </a:lvl1pPr>
+          </a:lstStyle>
+          <a:p>
+            <a:r>
+              <a:rPr lang="es-ES" dirty="0"/>
+              <a:t>Ingrese aquí el subtítulo</a:t>
+            </a:r>
+            <a:endParaRPr lang="en-US" dirty="0"/>
+          </a:p>
+        </p:txBody>
+      </p:sp>
+      <p:sp>
+        <p:nvSpPr>
+          <p:cNvPr id="3" name="Content Placeholder 2"/>
+          <p:cNvSpPr>
+            <a:spLocks noGrp="1"/>
+          </p:cNvSpPr>
+          <p:nvPr>
+            <p:ph sz="half" idx="1"/>
+          </p:nvPr>
+        </p:nvSpPr>
+        <p:spPr>
+          <a:xfrm>
+            <a:off x="720000" y="1710000"/>
+            <a:ext cx="3330000" cy="4410000"/>
+          </a:xfrm>
+        </p:spPr>
+        <p:txBody>
+          <a:bodyPr/>
+          <a:lstStyle>
+            <a:lvl1pPr>
+              <a:defRPr>
+                <a:solidFill>
+                  <a:schemeClr val="tx1">
+                    <a:lumMod val="75000"/>
+                    <a:lumOff val="25000"/>
+                  </a:schemeClr>
+                </a:solidFill>
+              </a:defRPr>
+            </a:lvl1pPr>
+            <a:lvl2pPr>
+              <a:defRPr>
+                <a:solidFill>
+                  <a:schemeClr val="tx1">
+                    <a:lumMod val="75000"/>
+                    <a:lumOff val="25000"/>
+                  </a:schemeClr>
+                </a:solidFill>
+              </a:defRPr>
+            </a:lvl2pPr>
+            <a:lvl3pPr>
+              <a:defRPr>
+                <a:solidFill>
+                  <a:schemeClr val="tx1">
+                    <a:lumMod val="75000"/>
+                    <a:lumOff val="25000"/>
+                  </a:schemeClr>
+                </a:solidFill>
+              </a:defRPr>
+            </a:lvl3pPr>
+            <a:lvl4pPr>
+              <a:defRPr>
+                <a:solidFill>
+                  <a:schemeClr val="tx1">
+                    <a:lumMod val="75000"/>
+                    <a:lumOff val="25000"/>
+                  </a:schemeClr>
+                </a:solidFill>
+              </a:defRPr>
+            </a:lvl4pPr>
+            <a:lvl5pPr>
+              <a:defRPr>
+                <a:solidFill>
+                  <a:schemeClr val="tx1">
+                    <a:lumMod val="75000"/>
+                    <a:lumOff val="25000"/>
+                  </a:schemeClr>
+                </a:solidFill>
+              </a:defRPr>
+            </a:lvl5pPr>
+          </a:lstStyle>
+          <a:p>
+            <a:pPr lvl="0"/>
+            <a:r>
+              <a:rPr lang="es-ES" dirty="0"/>
+              <a:t>Haga clic para modificar los estilos de texto del patrón</a:t>
+            </a:r>
+          </a:p>
+          <a:p>
+            <a:pPr lvl="1"/>
+            <a:r>
+              <a:rPr lang="es-ES" dirty="0"/>
+              <a:t>Segundo nivel</a:t>
+            </a:r>
+          </a:p>
+          <a:p>
+            <a:pPr lvl="2"/>
+            <a:r>
+              <a:rPr lang="es-ES" dirty="0"/>
+              <a:t>Tercer nivel</a:t>
+            </a:r>
+          </a:p>
+          <a:p>
+            <a:pPr lvl="3"/>
+            <a:r>
+              <a:rPr lang="es-ES" dirty="0"/>
+              <a:t>Cuarto nivel</a:t>
+            </a:r>
+          </a:p>
+          <a:p>
+            <a:pPr lvl="4"/>
+            <a:r>
+              <a:rPr lang="es-ES" dirty="0"/>
+              <a:t>Quinto nivel</a:t>
+            </a:r>
+            <a:endParaRPr lang="en-US" dirty="0"/>
+          </a:p>
+        </p:txBody>
+      </p:sp>
+      <p:sp>
+        <p:nvSpPr>
+          <p:cNvPr id="4" name="Content Placeholder 3"/>
+          <p:cNvSpPr>
+            <a:spLocks noGrp="1"/>
+          </p:cNvSpPr>
+          <p:nvPr>
+            <p:ph sz="half" idx="2"/>
+          </p:nvPr>
+        </p:nvSpPr>
+        <p:spPr>
+          <a:xfrm>
+            <a:off x="4230000" y="1710000"/>
+            <a:ext cx="3330000" cy="4410000"/>
+          </a:xfrm>
+        </p:spPr>
+        <p:txBody>
+          <a:bodyPr/>
+          <a:lstStyle>
+            <a:lvl1pPr>
+              <a:defRPr>
+                <a:solidFill>
+                  <a:schemeClr val="tx1">
+                    <a:lumMod val="75000"/>
+                    <a:lumOff val="25000"/>
+                  </a:schemeClr>
+                </a:solidFill>
+              </a:defRPr>
+            </a:lvl1pPr>
+            <a:lvl2pPr>
+              <a:defRPr>
+                <a:solidFill>
+                  <a:schemeClr val="tx1">
+                    <a:lumMod val="75000"/>
+                    <a:lumOff val="25000"/>
+                  </a:schemeClr>
+                </a:solidFill>
+              </a:defRPr>
+            </a:lvl2pPr>
+            <a:lvl3pPr>
+              <a:defRPr>
+                <a:solidFill>
+                  <a:schemeClr val="tx1">
+                    <a:lumMod val="75000"/>
+                    <a:lumOff val="25000"/>
+                  </a:schemeClr>
+                </a:solidFill>
+              </a:defRPr>
+            </a:lvl3pPr>
+            <a:lvl4pPr>
+              <a:defRPr>
+                <a:solidFill>
+                  <a:schemeClr val="tx1">
+                    <a:lumMod val="75000"/>
+                    <a:lumOff val="25000"/>
+                  </a:schemeClr>
+                </a:solidFill>
+              </a:defRPr>
+            </a:lvl4pPr>
+            <a:lvl5pPr>
+              <a:defRPr>
+                <a:solidFill>
+                  <a:schemeClr val="tx1">
+                    <a:lumMod val="75000"/>
+                    <a:lumOff val="25000"/>
+                  </a:schemeClr>
+                </a:solidFill>
+              </a:defRPr>
+            </a:lvl5pPr>
+          </a:lstStyle>
+          <a:p>
+            <a:pPr lvl="0"/>
+            <a:r>
+              <a:rPr lang="es-ES" dirty="0"/>
+              <a:t>Haga clic para modificar los estilos de texto del patrón</a:t>
+            </a:r>
+          </a:p>
+          <a:p>
+            <a:pPr lvl="1"/>
+            <a:r>
+              <a:rPr lang="es-ES" dirty="0"/>
+              <a:t>Segundo nivel</a:t>
+            </a:r>
+          </a:p>
+          <a:p>
+            <a:pPr lvl="2"/>
+            <a:r>
+              <a:rPr lang="es-ES" dirty="0"/>
+              <a:t>Tercer nivel</a:t>
+            </a:r>
+          </a:p>
+          <a:p>
+            <a:pPr lvl="3"/>
+            <a:r>
+              <a:rPr lang="es-ES" dirty="0"/>
+              <a:t>Cuarto nivel</a:t>
+            </a:r>
+          </a:p>
+          <a:p>
+            <a:pPr lvl="4"/>
+            <a:r>
+              <a:rPr lang="es-ES" dirty="0"/>
+              <a:t>Quinto nivel</a:t>
+            </a:r>
+            <a:endParaRPr lang="en-US" dirty="0"/>
+          </a:p>
+        </p:txBody>
+      </p:sp>
+      <p:sp>
+        <p:nvSpPr>
+          <p:cNvPr id="5" name="Date Placeholder 4"/>
           <p:cNvSpPr>
             <a:spLocks noGrp="1"/>
           </p:cNvSpPr>
@@ -2992,7 +4141,7 @@
           <a:lstStyle/>
           <a:p>
             <a:pPr rtl="0"/>
-            <a:fld id="{52134D8D-99E7-4CF1-858E-66F4FE6BE361}" type="datetime1">
+            <a:fld id="{39B46DA2-8C2E-44C4-A865-CD3D33CFD45F}" type="datetime1">
               <a:rPr lang="es-ES" noProof="0" smtClean="0"/>
               <a:t>09/08/2022</a:t>
             </a:fld>
@@ -3002,7 +4151,7 @@
       </p:sp>
       <p:sp>
         <p:nvSpPr>
-          <p:cNvPr id="3" name="Footer Placeholder 2"/>
+          <p:cNvPr id="6" name="Footer Placeholder 5"/>
           <p:cNvSpPr>
             <a:spLocks noGrp="1"/>
           </p:cNvSpPr>
@@ -3017,8 +4166,8 @@
           <a:p>
             <a:pPr rtl="0"/>
             <a:r>
-              <a:rPr lang="es-ES" noProof="0"/>
-              <a:t>Agregar un pie de página</a:t>
+              <a:rPr lang="es-CO" noProof="0"/>
+              <a:t>Escuela Colombiana de Ingeniería Julio Garavito</a:t>
             </a:r>
             <a:endParaRPr lang="es-ES" noProof="0" dirty="0"/>
           </a:p>
@@ -3026,7 +4175,7 @@
       </p:sp>
       <p:sp>
         <p:nvSpPr>
-          <p:cNvPr id="4" name="Slide Number Placeholder 3"/>
+          <p:cNvPr id="7" name="Slide Number Placeholder 6"/>
           <p:cNvSpPr>
             <a:spLocks noGrp="1"/>
           </p:cNvSpPr>
@@ -3042,6 +4191,7 @@
             <a:pPr rtl="0"/>
             <a:fld id="{71B7BAC7-FE87-40F6-AA24-4F4685D1B022}" type="slidenum">
               <a:rPr lang="es-ES" noProof="0" smtClean="0"/>
+              <a:pPr rtl="0"/>
               <a:t>‹#›</a:t>
             </a:fld>
             <a:endParaRPr lang="es-ES" noProof="0" dirty="0"/>
@@ -3051,31 +4201,19 @@
     </p:spTree>
     <p:extLst>
       <p:ext uri="{BB962C8B-B14F-4D97-AF65-F5344CB8AC3E}">
-        <p14:creationId xmlns:p14="http://schemas.microsoft.com/office/powerpoint/2010/main" val="1491661037"/>
+        <p14:creationId xmlns:p14="http://schemas.microsoft.com/office/powerpoint/2010/main" val="3126167975"/>
       </p:ext>
     </p:extLst>
   </p:cSld>
   <p:clrMapOvr>
     <a:masterClrMapping/>
   </p:clrMapOvr>
-  <mc:AlternateContent xmlns:mc="http://schemas.openxmlformats.org/markup-compatibility/2006" xmlns:p14="http://schemas.microsoft.com/office/powerpoint/2010/main">
-    <mc:Choice Requires="p14">
-      <p:transition spd="med" p14:dur="700">
-        <p:fade/>
-      </p:transition>
-    </mc:Choice>
-    <mc:Fallback xmlns="">
-      <p:transition spd="med">
-        <p:fade/>
-      </p:transition>
-    </mc:Fallback>
-  </mc:AlternateContent>
 </p:sldLayout>
 </file>
 
-<file path=ppt/slideLayouts/slideLayout8.xml><?xml version="1.0" encoding="utf-8"?>
-<p:sldLayout xmlns:a="http://schemas.openxmlformats.org/drawingml/2006/main" xmlns:r="http://schemas.openxmlformats.org/officeDocument/2006/relationships" xmlns:p="http://schemas.openxmlformats.org/presentationml/2006/main" type="objTx" preserve="1">
-  <p:cSld name="Contenido con título">
+<file path=ppt/slideLayouts/slideLayout7.xml><?xml version="1.0" encoding="utf-8"?>
+<p:sldLayout xmlns:a="http://schemas.openxmlformats.org/drawingml/2006/main" xmlns:r="http://schemas.openxmlformats.org/officeDocument/2006/relationships" xmlns:p="http://schemas.openxmlformats.org/presentationml/2006/main" type="twoObj" preserve="1">
+  <p:cSld name="Dos objetos sin expositor">
     <p:spTree>
       <p:nvGrpSpPr>
         <p:cNvPr id="1" name=""/>
@@ -3097,26 +4235,30 @@
             <a:spLocks noGrp="1"/>
           </p:cNvSpPr>
           <p:nvPr>
-            <p:ph type="title"/>
+            <p:ph type="title" hasCustomPrompt="1"/>
           </p:nvPr>
         </p:nvSpPr>
         <p:spPr>
           <a:xfrm>
-            <a:off x="839788" y="457200"/>
-            <a:ext cx="3932237" cy="1600200"/>
+            <a:off x="720000" y="720000"/>
+            <a:ext cx="10753200" cy="810000"/>
           </a:xfrm>
         </p:spPr>
         <p:txBody>
-          <a:bodyPr anchor="b"/>
+          <a:bodyPr anchor="b" anchorCtr="0"/>
           <a:lstStyle>
             <a:lvl1pPr>
-              <a:defRPr sz="3200"/>
+              <a:defRPr>
+                <a:solidFill>
+                  <a:schemeClr val="tx1"/>
+                </a:solidFill>
+              </a:defRPr>
             </a:lvl1pPr>
           </a:lstStyle>
           <a:p>
             <a:r>
-              <a:rPr lang="es-ES"/>
-              <a:t>Haga clic para modificar el estilo de título del patrón</a:t>
+              <a:rPr lang="es-ES" dirty="0"/>
+              <a:t>Ingrese aquí el subtítulo</a:t>
             </a:r>
             <a:endParaRPr lang="en-US" dirty="0"/>
           </a:p>
@@ -3129,78 +4271,101 @@
             <a:spLocks noGrp="1"/>
           </p:cNvSpPr>
           <p:nvPr>
-            <p:ph idx="1"/>
+            <p:ph sz="half" idx="1"/>
           </p:nvPr>
         </p:nvSpPr>
         <p:spPr>
           <a:xfrm>
-            <a:off x="5183188" y="987426"/>
-            <a:ext cx="6172200" cy="4873625"/>
+            <a:off x="720000" y="1710000"/>
+            <a:ext cx="5220000" cy="4410000"/>
           </a:xfrm>
         </p:spPr>
         <p:txBody>
           <a:bodyPr/>
           <a:lstStyle>
             <a:lvl1pPr>
-              <a:defRPr sz="3200"/>
+              <a:defRPr>
+                <a:solidFill>
+                  <a:schemeClr val="tx1">
+                    <a:lumMod val="75000"/>
+                    <a:lumOff val="25000"/>
+                  </a:schemeClr>
+                </a:solidFill>
+              </a:defRPr>
             </a:lvl1pPr>
             <a:lvl2pPr>
-              <a:defRPr sz="2800"/>
+              <a:defRPr>
+                <a:solidFill>
+                  <a:schemeClr val="tx1">
+                    <a:lumMod val="75000"/>
+                    <a:lumOff val="25000"/>
+                  </a:schemeClr>
+                </a:solidFill>
+              </a:defRPr>
             </a:lvl2pPr>
             <a:lvl3pPr>
-              <a:defRPr sz="2400"/>
+              <a:defRPr>
+                <a:solidFill>
+                  <a:schemeClr val="tx1">
+                    <a:lumMod val="75000"/>
+                    <a:lumOff val="25000"/>
+                  </a:schemeClr>
+                </a:solidFill>
+              </a:defRPr>
             </a:lvl3pPr>
             <a:lvl4pPr>
-              <a:defRPr sz="2000"/>
+              <a:defRPr>
+                <a:solidFill>
+                  <a:schemeClr val="tx1">
+                    <a:lumMod val="75000"/>
+                    <a:lumOff val="25000"/>
+                  </a:schemeClr>
+                </a:solidFill>
+              </a:defRPr>
             </a:lvl4pPr>
             <a:lvl5pPr>
-              <a:defRPr sz="2000"/>
+              <a:defRPr>
+                <a:solidFill>
+                  <a:schemeClr val="tx1">
+                    <a:lumMod val="75000"/>
+                    <a:lumOff val="25000"/>
+                  </a:schemeClr>
+                </a:solidFill>
+              </a:defRPr>
             </a:lvl5pPr>
-            <a:lvl6pPr>
-              <a:defRPr sz="2000"/>
-            </a:lvl6pPr>
-            <a:lvl7pPr>
-              <a:defRPr sz="2000"/>
-            </a:lvl7pPr>
-            <a:lvl8pPr>
-              <a:defRPr sz="2000"/>
-            </a:lvl8pPr>
-            <a:lvl9pPr>
-              <a:defRPr sz="2000"/>
-            </a:lvl9pPr>
           </a:lstStyle>
           <a:p>
             <a:pPr lvl="0"/>
             <a:r>
-              <a:rPr lang="es-ES"/>
+              <a:rPr lang="es-ES" dirty="0"/>
               <a:t>Haga clic para modificar los estilos de texto del patrón</a:t>
             </a:r>
           </a:p>
           <a:p>
             <a:pPr lvl="1"/>
             <a:r>
-              <a:rPr lang="es-ES"/>
+              <a:rPr lang="es-ES" dirty="0"/>
               <a:t>Segundo nivel</a:t>
             </a:r>
           </a:p>
           <a:p>
             <a:pPr lvl="2"/>
             <a:r>
-              <a:rPr lang="es-ES"/>
+              <a:rPr lang="es-ES" dirty="0"/>
               <a:t>Tercer nivel</a:t>
             </a:r>
           </a:p>
           <a:p>
             <a:pPr lvl="3"/>
             <a:r>
-              <a:rPr lang="es-ES"/>
+              <a:rPr lang="es-ES" dirty="0"/>
               <a:t>Cuarto nivel</a:t>
             </a:r>
           </a:p>
           <a:p>
             <a:pPr lvl="4"/>
             <a:r>
-              <a:rPr lang="es-ES"/>
+              <a:rPr lang="es-ES" dirty="0"/>
               <a:t>Quinto nivel</a:t>
             </a:r>
             <a:endParaRPr lang="en-US" dirty="0"/>
@@ -3209,66 +4374,109 @@
       </p:sp>
       <p:sp>
         <p:nvSpPr>
-          <p:cNvPr id="4" name="Text Placeholder 3"/>
-          <p:cNvSpPr>
-            <a:spLocks noGrp="1"/>
-          </p:cNvSpPr>
-          <p:nvPr>
-            <p:ph type="body" sz="half" idx="2"/>
+          <p:cNvPr id="4" name="Content Placeholder 3"/>
+          <p:cNvSpPr>
+            <a:spLocks noGrp="1"/>
+          </p:cNvSpPr>
+          <p:nvPr>
+            <p:ph sz="half" idx="2"/>
           </p:nvPr>
         </p:nvSpPr>
         <p:spPr>
           <a:xfrm>
-            <a:off x="839788" y="2057401"/>
-            <a:ext cx="3932237" cy="3811588"/>
+            <a:off x="6252002" y="1710000"/>
+            <a:ext cx="5220000" cy="4410000"/>
           </a:xfrm>
         </p:spPr>
         <p:txBody>
           <a:bodyPr/>
           <a:lstStyle>
-            <a:lvl1pPr marL="0" indent="0">
-              <a:buNone/>
-              <a:defRPr sz="1600"/>
+            <a:lvl1pPr>
+              <a:defRPr>
+                <a:solidFill>
+                  <a:schemeClr val="tx1">
+                    <a:lumMod val="75000"/>
+                    <a:lumOff val="25000"/>
+                  </a:schemeClr>
+                </a:solidFill>
+              </a:defRPr>
             </a:lvl1pPr>
-            <a:lvl2pPr marL="457189" indent="0">
-              <a:buNone/>
-              <a:defRPr sz="1400"/>
+            <a:lvl2pPr>
+              <a:defRPr>
+                <a:solidFill>
+                  <a:schemeClr val="tx1">
+                    <a:lumMod val="75000"/>
+                    <a:lumOff val="25000"/>
+                  </a:schemeClr>
+                </a:solidFill>
+              </a:defRPr>
             </a:lvl2pPr>
-            <a:lvl3pPr marL="914377" indent="0">
-              <a:buNone/>
-              <a:defRPr sz="1200"/>
+            <a:lvl3pPr>
+              <a:defRPr>
+                <a:solidFill>
+                  <a:schemeClr val="tx1">
+                    <a:lumMod val="75000"/>
+                    <a:lumOff val="25000"/>
+                  </a:schemeClr>
+                </a:solidFill>
+              </a:defRPr>
             </a:lvl3pPr>
-            <a:lvl4pPr marL="1371566" indent="0">
-              <a:buNone/>
-              <a:defRPr sz="1000"/>
+            <a:lvl4pPr>
+              <a:defRPr>
+                <a:solidFill>
+                  <a:schemeClr val="tx1">
+                    <a:lumMod val="75000"/>
+                    <a:lumOff val="25000"/>
+                  </a:schemeClr>
+                </a:solidFill>
+              </a:defRPr>
             </a:lvl4pPr>
-            <a:lvl5pPr marL="1828754" indent="0">
-              <a:buNone/>
-              <a:defRPr sz="1000"/>
+            <a:lvl5pPr>
+              <a:defRPr>
+                <a:solidFill>
+                  <a:schemeClr val="tx1">
+                    <a:lumMod val="75000"/>
+                    <a:lumOff val="25000"/>
+                  </a:schemeClr>
+                </a:solidFill>
+              </a:defRPr>
             </a:lvl5pPr>
-            <a:lvl6pPr marL="2285943" indent="0">
-              <a:buNone/>
-              <a:defRPr sz="1000"/>
-            </a:lvl6pPr>
-            <a:lvl7pPr marL="2743131" indent="0">
-              <a:buNone/>
-              <a:defRPr sz="1000"/>
-            </a:lvl7pPr>
-            <a:lvl8pPr marL="3200320" indent="0">
-              <a:buNone/>
-              <a:defRPr sz="1000"/>
-            </a:lvl8pPr>
-            <a:lvl9pPr marL="3657509" indent="0">
-              <a:buNone/>
-              <a:defRPr sz="1000"/>
-            </a:lvl9pPr>
           </a:lstStyle>
           <a:p>
             <a:pPr lvl="0"/>
             <a:r>
-              <a:rPr lang="es-ES"/>
+              <a:rPr lang="es-ES" dirty="0"/>
               <a:t>Haga clic para modificar los estilos de texto del patrón</a:t>
             </a:r>
+          </a:p>
+          <a:p>
+            <a:pPr lvl="1"/>
+            <a:r>
+              <a:rPr lang="es-ES" dirty="0"/>
+              <a:t>Segundo nivel</a:t>
+            </a:r>
+          </a:p>
+          <a:p>
+            <a:pPr lvl="2"/>
+            <a:r>
+              <a:rPr lang="es-ES" dirty="0"/>
+              <a:t>Tercer nivel</a:t>
+            </a:r>
+          </a:p>
+          <a:p>
+            <a:pPr lvl="3"/>
+            <a:r>
+              <a:rPr lang="es-ES" dirty="0"/>
+              <a:t>Cuarto nivel</a:t>
+            </a:r>
+          </a:p>
+          <a:p>
+            <a:pPr lvl="4"/>
+            <a:r>
+              <a:rPr lang="es-ES" dirty="0"/>
+              <a:t>Quinto nivel</a:t>
+            </a:r>
+            <a:endParaRPr lang="en-US" dirty="0"/>
           </a:p>
         </p:txBody>
       </p:sp>
@@ -3288,7 +4496,7 @@
           <a:lstStyle/>
           <a:p>
             <a:pPr rtl="0"/>
-            <a:fld id="{3DDDD12C-A2E5-4D32-A8D5-4FBA4A9916EE}" type="datetime1">
+            <a:fld id="{D1525062-C568-4AE5-A98F-45E6D6D3E9AC}" type="datetime1">
               <a:rPr lang="es-ES" noProof="0" smtClean="0"/>
               <a:t>09/08/2022</a:t>
             </a:fld>
@@ -3313,8 +4521,8 @@
           <a:p>
             <a:pPr rtl="0"/>
             <a:r>
-              <a:rPr lang="es-ES" noProof="0"/>
-              <a:t>Agregar un pie de página</a:t>
+              <a:rPr lang="es-CO" noProof="0"/>
+              <a:t>Escuela Colombiana de Ingeniería Julio Garavito</a:t>
             </a:r>
             <a:endParaRPr lang="es-ES" noProof="0" dirty="0"/>
           </a:p>
@@ -3348,20 +4556,19 @@
     </p:spTree>
     <p:extLst>
       <p:ext uri="{BB962C8B-B14F-4D97-AF65-F5344CB8AC3E}">
-        <p14:creationId xmlns:p14="http://schemas.microsoft.com/office/powerpoint/2010/main" val="217819888"/>
+        <p14:creationId xmlns:p14="http://schemas.microsoft.com/office/powerpoint/2010/main" val="960689120"/>
       </p:ext>
     </p:extLst>
   </p:cSld>
   <p:clrMapOvr>
     <a:masterClrMapping/>
   </p:clrMapOvr>
-  <p:hf sldNum="0" hdr="0" ftr="0" dt="0"/>
 </p:sldLayout>
 </file>
 
-<file path=ppt/slideLayouts/slideLayout9.xml><?xml version="1.0" encoding="utf-8"?>
-<p:sldLayout xmlns:a="http://schemas.openxmlformats.org/drawingml/2006/main" xmlns:r="http://schemas.openxmlformats.org/officeDocument/2006/relationships" xmlns:p="http://schemas.openxmlformats.org/presentationml/2006/main" type="picTx" preserve="1">
-  <p:cSld name="Imagen con título">
+<file path=ppt/slideLayouts/slideLayout8.xml><?xml version="1.0" encoding="utf-8"?>
+<p:sldLayout xmlns:a="http://schemas.openxmlformats.org/drawingml/2006/main" xmlns:r="http://schemas.openxmlformats.org/officeDocument/2006/relationships" xmlns:p="http://schemas.openxmlformats.org/presentationml/2006/main" type="twoTxTwoObj" preserve="1">
+  <p:cSld name="Comparación con expositor">
     <p:spTree>
       <p:nvGrpSpPr>
         <p:cNvPr id="1" name=""/>
@@ -3383,164 +4590,394 @@
             <a:spLocks noGrp="1"/>
           </p:cNvSpPr>
           <p:nvPr>
-            <p:ph type="title"/>
+            <p:ph type="title" hasCustomPrompt="1"/>
           </p:nvPr>
         </p:nvSpPr>
         <p:spPr>
           <a:xfrm>
-            <a:off x="839788" y="457200"/>
-            <a:ext cx="3932237" cy="1600200"/>
+            <a:off x="720000" y="720000"/>
+            <a:ext cx="6840000" cy="810000"/>
           </a:xfrm>
         </p:spPr>
         <p:txBody>
+          <a:bodyPr anchor="b" anchorCtr="0"/>
+          <a:lstStyle>
+            <a:lvl1pPr>
+              <a:defRPr>
+                <a:solidFill>
+                  <a:schemeClr val="tx1"/>
+                </a:solidFill>
+              </a:defRPr>
+            </a:lvl1pPr>
+          </a:lstStyle>
+          <a:p>
+            <a:r>
+              <a:rPr lang="es-ES" dirty="0"/>
+              <a:t>Ingrese aquí el subtítulo</a:t>
+            </a:r>
+            <a:endParaRPr lang="en-US" dirty="0"/>
+          </a:p>
+        </p:txBody>
+      </p:sp>
+      <p:sp>
+        <p:nvSpPr>
+          <p:cNvPr id="3" name="Text Placeholder 2"/>
+          <p:cNvSpPr>
+            <a:spLocks noGrp="1"/>
+          </p:cNvSpPr>
+          <p:nvPr>
+            <p:ph type="body" idx="1" hasCustomPrompt="1"/>
+          </p:nvPr>
+        </p:nvSpPr>
+        <p:spPr>
+          <a:xfrm>
+            <a:off x="719999" y="1681163"/>
+            <a:ext cx="3330000" cy="823912"/>
+          </a:xfrm>
+        </p:spPr>
+        <p:txBody>
+          <a:bodyPr anchor="b">
+            <a:noAutofit/>
+          </a:bodyPr>
+          <a:lstStyle>
+            <a:lvl1pPr marL="0" indent="0">
+              <a:buNone/>
+              <a:defRPr sz="2400" b="0">
+                <a:solidFill>
+                  <a:schemeClr val="tx1"/>
+                </a:solidFill>
+              </a:defRPr>
+            </a:lvl1pPr>
+            <a:lvl2pPr marL="457189" indent="0">
+              <a:buNone/>
+              <a:defRPr sz="2000" b="1"/>
+            </a:lvl2pPr>
+            <a:lvl3pPr marL="914377" indent="0">
+              <a:buNone/>
+              <a:defRPr sz="1800" b="1"/>
+            </a:lvl3pPr>
+            <a:lvl4pPr marL="1371566" indent="0">
+              <a:buNone/>
+              <a:defRPr sz="1600" b="1"/>
+            </a:lvl4pPr>
+            <a:lvl5pPr marL="1828754" indent="0">
+              <a:buNone/>
+              <a:defRPr sz="1600" b="1"/>
+            </a:lvl5pPr>
+            <a:lvl6pPr marL="2285943" indent="0">
+              <a:buNone/>
+              <a:defRPr sz="1600" b="1"/>
+            </a:lvl6pPr>
+            <a:lvl7pPr marL="2743131" indent="0">
+              <a:buNone/>
+              <a:defRPr sz="1600" b="1"/>
+            </a:lvl7pPr>
+            <a:lvl8pPr marL="3200320" indent="0">
+              <a:buNone/>
+              <a:defRPr sz="1600" b="1"/>
+            </a:lvl8pPr>
+            <a:lvl9pPr marL="3657509" indent="0">
+              <a:buNone/>
+              <a:defRPr sz="1600" b="1"/>
+            </a:lvl9pPr>
+          </a:lstStyle>
+          <a:p>
+            <a:pPr lvl="0"/>
+            <a:r>
+              <a:rPr lang="es-ES" dirty="0"/>
+              <a:t>Subtítulo primer elemento</a:t>
+            </a:r>
+          </a:p>
+        </p:txBody>
+      </p:sp>
+      <p:sp>
+        <p:nvSpPr>
+          <p:cNvPr id="4" name="Content Placeholder 3"/>
+          <p:cNvSpPr>
+            <a:spLocks noGrp="1"/>
+          </p:cNvSpPr>
+          <p:nvPr>
+            <p:ph sz="half" idx="2"/>
+          </p:nvPr>
+        </p:nvSpPr>
+        <p:spPr>
+          <a:xfrm>
+            <a:off x="719999" y="2656238"/>
+            <a:ext cx="3330000" cy="3481762"/>
+          </a:xfrm>
+        </p:spPr>
+        <p:txBody>
+          <a:bodyPr/>
+          <a:lstStyle>
+            <a:lvl1pPr>
+              <a:defRPr>
+                <a:solidFill>
+                  <a:schemeClr val="tx1">
+                    <a:lumMod val="75000"/>
+                    <a:lumOff val="25000"/>
+                  </a:schemeClr>
+                </a:solidFill>
+              </a:defRPr>
+            </a:lvl1pPr>
+            <a:lvl2pPr>
+              <a:defRPr>
+                <a:solidFill>
+                  <a:schemeClr val="tx1">
+                    <a:lumMod val="75000"/>
+                    <a:lumOff val="25000"/>
+                  </a:schemeClr>
+                </a:solidFill>
+              </a:defRPr>
+            </a:lvl2pPr>
+            <a:lvl3pPr>
+              <a:defRPr>
+                <a:solidFill>
+                  <a:schemeClr val="tx1">
+                    <a:lumMod val="75000"/>
+                    <a:lumOff val="25000"/>
+                  </a:schemeClr>
+                </a:solidFill>
+              </a:defRPr>
+            </a:lvl3pPr>
+            <a:lvl4pPr>
+              <a:defRPr>
+                <a:solidFill>
+                  <a:schemeClr val="tx1">
+                    <a:lumMod val="75000"/>
+                    <a:lumOff val="25000"/>
+                  </a:schemeClr>
+                </a:solidFill>
+              </a:defRPr>
+            </a:lvl4pPr>
+            <a:lvl5pPr>
+              <a:defRPr>
+                <a:solidFill>
+                  <a:schemeClr val="tx1">
+                    <a:lumMod val="75000"/>
+                    <a:lumOff val="25000"/>
+                  </a:schemeClr>
+                </a:solidFill>
+              </a:defRPr>
+            </a:lvl5pPr>
+          </a:lstStyle>
+          <a:p>
+            <a:pPr lvl="0"/>
+            <a:r>
+              <a:rPr lang="es-ES" dirty="0"/>
+              <a:t>Haga clic para modificar los estilos de texto del patrón</a:t>
+            </a:r>
+          </a:p>
+          <a:p>
+            <a:pPr lvl="1"/>
+            <a:r>
+              <a:rPr lang="es-ES" dirty="0"/>
+              <a:t>Segundo nivel</a:t>
+            </a:r>
+          </a:p>
+          <a:p>
+            <a:pPr lvl="2"/>
+            <a:r>
+              <a:rPr lang="es-ES" dirty="0"/>
+              <a:t>Tercer nivel</a:t>
+            </a:r>
+          </a:p>
+          <a:p>
+            <a:pPr lvl="3"/>
+            <a:r>
+              <a:rPr lang="es-ES" dirty="0"/>
+              <a:t>Cuarto nivel</a:t>
+            </a:r>
+          </a:p>
+          <a:p>
+            <a:pPr lvl="4"/>
+            <a:r>
+              <a:rPr lang="es-ES" dirty="0"/>
+              <a:t>Quinto nivel</a:t>
+            </a:r>
+            <a:endParaRPr lang="en-US" dirty="0"/>
+          </a:p>
+        </p:txBody>
+      </p:sp>
+      <p:sp>
+        <p:nvSpPr>
+          <p:cNvPr id="5" name="Text Placeholder 4"/>
+          <p:cNvSpPr>
+            <a:spLocks noGrp="1"/>
+          </p:cNvSpPr>
+          <p:nvPr>
+            <p:ph type="body" sz="quarter" idx="3" hasCustomPrompt="1"/>
+          </p:nvPr>
+        </p:nvSpPr>
+        <p:spPr>
+          <a:xfrm>
+            <a:off x="4230000" y="1696688"/>
+            <a:ext cx="3330000" cy="823912"/>
+          </a:xfrm>
+        </p:spPr>
+        <p:txBody>
           <a:bodyPr anchor="b"/>
           <a:lstStyle>
-            <a:lvl1pPr>
-              <a:defRPr sz="3200"/>
+            <a:lvl1pPr marL="0" indent="0">
+              <a:buNone/>
+              <a:defRPr sz="2400" b="0">
+                <a:solidFill>
+                  <a:schemeClr val="tx1"/>
+                </a:solidFill>
+              </a:defRPr>
             </a:lvl1pPr>
+            <a:lvl2pPr marL="457189" indent="0">
+              <a:buNone/>
+              <a:defRPr sz="2000" b="1"/>
+            </a:lvl2pPr>
+            <a:lvl3pPr marL="914377" indent="0">
+              <a:buNone/>
+              <a:defRPr sz="1800" b="1"/>
+            </a:lvl3pPr>
+            <a:lvl4pPr marL="1371566" indent="0">
+              <a:buNone/>
+              <a:defRPr sz="1600" b="1"/>
+            </a:lvl4pPr>
+            <a:lvl5pPr marL="1828754" indent="0">
+              <a:buNone/>
+              <a:defRPr sz="1600" b="1"/>
+            </a:lvl5pPr>
+            <a:lvl6pPr marL="2285943" indent="0">
+              <a:buNone/>
+              <a:defRPr sz="1600" b="1"/>
+            </a:lvl6pPr>
+            <a:lvl7pPr marL="2743131" indent="0">
+              <a:buNone/>
+              <a:defRPr sz="1600" b="1"/>
+            </a:lvl7pPr>
+            <a:lvl8pPr marL="3200320" indent="0">
+              <a:buNone/>
+              <a:defRPr sz="1600" b="1"/>
+            </a:lvl8pPr>
+            <a:lvl9pPr marL="3657509" indent="0">
+              <a:buNone/>
+              <a:defRPr sz="1600" b="1"/>
+            </a:lvl9pPr>
           </a:lstStyle>
           <a:p>
-            <a:r>
-              <a:rPr lang="es-ES"/>
-              <a:t>Haga clic para modificar el estilo de título del patrón</a:t>
-            </a:r>
-            <a:endParaRPr lang="en-US" dirty="0"/>
-          </a:p>
-        </p:txBody>
-      </p:sp>
-      <p:sp>
-        <p:nvSpPr>
-          <p:cNvPr id="3" name="Picture Placeholder 2"/>
-          <p:cNvSpPr>
-            <a:spLocks noGrp="1" noChangeAspect="1"/>
-          </p:cNvSpPr>
-          <p:nvPr>
-            <p:ph type="pic" idx="1"/>
+            <a:pPr lvl="0"/>
+            <a:r>
+              <a:rPr lang="es-ES" dirty="0"/>
+              <a:t>Subtítulo segundo elemento</a:t>
+            </a:r>
+          </a:p>
+        </p:txBody>
+      </p:sp>
+      <p:sp>
+        <p:nvSpPr>
+          <p:cNvPr id="6" name="Content Placeholder 5"/>
+          <p:cNvSpPr>
+            <a:spLocks noGrp="1"/>
+          </p:cNvSpPr>
+          <p:nvPr>
+            <p:ph sz="quarter" idx="4"/>
           </p:nvPr>
         </p:nvSpPr>
         <p:spPr>
           <a:xfrm>
-            <a:off x="5183188" y="987426"/>
-            <a:ext cx="6172200" cy="4873625"/>
+            <a:off x="4230000" y="2687287"/>
+            <a:ext cx="3330000" cy="3466237"/>
           </a:xfrm>
         </p:spPr>
         <p:txBody>
-          <a:bodyPr anchor="t"/>
-          <a:lstStyle>
-            <a:lvl1pPr marL="0" indent="0">
-              <a:buNone/>
-              <a:defRPr sz="3200"/>
-            </a:lvl1pPr>
-            <a:lvl2pPr marL="457189" indent="0">
-              <a:buNone/>
-              <a:defRPr sz="2800"/>
-            </a:lvl2pPr>
-            <a:lvl3pPr marL="914377" indent="0">
-              <a:buNone/>
-              <a:defRPr sz="2400"/>
-            </a:lvl3pPr>
-            <a:lvl4pPr marL="1371566" indent="0">
-              <a:buNone/>
-              <a:defRPr sz="2000"/>
-            </a:lvl4pPr>
-            <a:lvl5pPr marL="1828754" indent="0">
-              <a:buNone/>
-              <a:defRPr sz="2000"/>
-            </a:lvl5pPr>
-            <a:lvl6pPr marL="2285943" indent="0">
-              <a:buNone/>
-              <a:defRPr sz="2000"/>
-            </a:lvl6pPr>
-            <a:lvl7pPr marL="2743131" indent="0">
-              <a:buNone/>
-              <a:defRPr sz="2000"/>
-            </a:lvl7pPr>
-            <a:lvl8pPr marL="3200320" indent="0">
-              <a:buNone/>
-              <a:defRPr sz="2000"/>
-            </a:lvl8pPr>
-            <a:lvl9pPr marL="3657509" indent="0">
-              <a:buNone/>
-              <a:defRPr sz="2000"/>
-            </a:lvl9pPr>
-          </a:lstStyle>
-          <a:p>
-            <a:r>
-              <a:rPr lang="es-ES"/>
-              <a:t>Haga clic en el icono para agregar una imagen</a:t>
-            </a:r>
-            <a:endParaRPr lang="en-US" dirty="0"/>
-          </a:p>
-        </p:txBody>
-      </p:sp>
-      <p:sp>
-        <p:nvSpPr>
-          <p:cNvPr id="4" name="Text Placeholder 3"/>
-          <p:cNvSpPr>
-            <a:spLocks noGrp="1"/>
-          </p:cNvSpPr>
-          <p:nvPr>
-            <p:ph type="body" sz="half" idx="2"/>
-          </p:nvPr>
-        </p:nvSpPr>
-        <p:spPr>
-          <a:xfrm>
-            <a:off x="839788" y="2057401"/>
-            <a:ext cx="3932237" cy="3811588"/>
-          </a:xfrm>
-        </p:spPr>
-        <p:txBody>
           <a:bodyPr/>
           <a:lstStyle>
-            <a:lvl1pPr marL="0" indent="0">
-              <a:buNone/>
-              <a:defRPr sz="1600"/>
+            <a:lvl1pPr>
+              <a:defRPr>
+                <a:solidFill>
+                  <a:schemeClr val="tx1">
+                    <a:lumMod val="75000"/>
+                    <a:lumOff val="25000"/>
+                  </a:schemeClr>
+                </a:solidFill>
+              </a:defRPr>
             </a:lvl1pPr>
-            <a:lvl2pPr marL="457189" indent="0">
-              <a:buNone/>
-              <a:defRPr sz="1400"/>
+            <a:lvl2pPr>
+              <a:defRPr>
+                <a:solidFill>
+                  <a:schemeClr val="tx1">
+                    <a:lumMod val="75000"/>
+                    <a:lumOff val="25000"/>
+                  </a:schemeClr>
+                </a:solidFill>
+              </a:defRPr>
             </a:lvl2pPr>
-            <a:lvl3pPr marL="914377" indent="0">
-              <a:buNone/>
-              <a:defRPr sz="1200"/>
+            <a:lvl3pPr>
+              <a:defRPr>
+                <a:solidFill>
+                  <a:schemeClr val="tx1">
+                    <a:lumMod val="75000"/>
+                    <a:lumOff val="25000"/>
+                  </a:schemeClr>
+                </a:solidFill>
+              </a:defRPr>
             </a:lvl3pPr>
-            <a:lvl4pPr marL="1371566" indent="0">
-              <a:buNone/>
-              <a:defRPr sz="1000"/>
+            <a:lvl4pPr>
+              <a:defRPr>
+                <a:solidFill>
+                  <a:schemeClr val="tx1">
+                    <a:lumMod val="75000"/>
+                    <a:lumOff val="25000"/>
+                  </a:schemeClr>
+                </a:solidFill>
+              </a:defRPr>
             </a:lvl4pPr>
-            <a:lvl5pPr marL="1828754" indent="0">
-              <a:buNone/>
-              <a:defRPr sz="1000"/>
+            <a:lvl5pPr>
+              <a:defRPr>
+                <a:solidFill>
+                  <a:schemeClr val="tx1">
+                    <a:lumMod val="75000"/>
+                    <a:lumOff val="25000"/>
+                  </a:schemeClr>
+                </a:solidFill>
+              </a:defRPr>
             </a:lvl5pPr>
-            <a:lvl6pPr marL="2285943" indent="0">
-              <a:buNone/>
-              <a:defRPr sz="1000"/>
-            </a:lvl6pPr>
-            <a:lvl7pPr marL="2743131" indent="0">
-              <a:buNone/>
-              <a:defRPr sz="1000"/>
-            </a:lvl7pPr>
-            <a:lvl8pPr marL="3200320" indent="0">
-              <a:buNone/>
-              <a:defRPr sz="1000"/>
-            </a:lvl8pPr>
-            <a:lvl9pPr marL="3657509" indent="0">
-              <a:buNone/>
-              <a:defRPr sz="1000"/>
-            </a:lvl9pPr>
           </a:lstStyle>
           <a:p>
             <a:pPr lvl="0"/>
             <a:r>
-              <a:rPr lang="es-ES"/>
+              <a:rPr lang="es-ES" dirty="0"/>
               <a:t>Haga clic para modificar los estilos de texto del patrón</a:t>
             </a:r>
           </a:p>
-        </p:txBody>
-      </p:sp>
-      <p:sp>
-        <p:nvSpPr>
-          <p:cNvPr id="5" name="Date Placeholder 4"/>
+          <a:p>
+            <a:pPr lvl="1"/>
+            <a:r>
+              <a:rPr lang="es-ES" dirty="0"/>
+              <a:t>Segundo nivel</a:t>
+            </a:r>
+          </a:p>
+          <a:p>
+            <a:pPr lvl="2"/>
+            <a:r>
+              <a:rPr lang="es-ES" dirty="0"/>
+              <a:t>Tercer nivel</a:t>
+            </a:r>
+          </a:p>
+          <a:p>
+            <a:pPr lvl="3"/>
+            <a:r>
+              <a:rPr lang="es-ES" dirty="0"/>
+              <a:t>Cuarto nivel</a:t>
+            </a:r>
+          </a:p>
+          <a:p>
+            <a:pPr lvl="4"/>
+            <a:r>
+              <a:rPr lang="es-ES" dirty="0"/>
+              <a:t>Quinto nivel</a:t>
+            </a:r>
+            <a:endParaRPr lang="en-US" dirty="0"/>
+          </a:p>
+        </p:txBody>
+      </p:sp>
+      <p:sp>
+        <p:nvSpPr>
+          <p:cNvPr id="7" name="Date Placeholder 6"/>
           <p:cNvSpPr>
             <a:spLocks noGrp="1"/>
           </p:cNvSpPr>
@@ -3554,7 +4991,7 @@
           <a:lstStyle/>
           <a:p>
             <a:pPr rtl="0"/>
-            <a:fld id="{3DDDD12C-A2E5-4D32-A8D5-4FBA4A9916EE}" type="datetime1">
+            <a:fld id="{8EBA81B0-EA87-4E7B-A74D-942650D6BCED}" type="datetime1">
               <a:rPr lang="es-ES" noProof="0" smtClean="0"/>
               <a:t>09/08/2022</a:t>
             </a:fld>
@@ -3564,7 +5001,7 @@
       </p:sp>
       <p:sp>
         <p:nvSpPr>
-          <p:cNvPr id="6" name="Footer Placeholder 5"/>
+          <p:cNvPr id="8" name="Footer Placeholder 7"/>
           <p:cNvSpPr>
             <a:spLocks noGrp="1"/>
           </p:cNvSpPr>
@@ -3579,8 +5016,8 @@
           <a:p>
             <a:pPr rtl="0"/>
             <a:r>
-              <a:rPr lang="es-ES" noProof="0"/>
-              <a:t>Agregar un pie de página</a:t>
+              <a:rPr lang="es-CO" noProof="0"/>
+              <a:t>Escuela Colombiana de Ingeniería Julio Garavito</a:t>
             </a:r>
             <a:endParaRPr lang="es-ES" noProof="0" dirty="0"/>
           </a:p>
@@ -3588,7 +5025,7 @@
       </p:sp>
       <p:sp>
         <p:nvSpPr>
-          <p:cNvPr id="7" name="Slide Number Placeholder 6"/>
+          <p:cNvPr id="9" name="Slide Number Placeholder 8"/>
           <p:cNvSpPr>
             <a:spLocks noGrp="1"/>
           </p:cNvSpPr>
@@ -3614,14 +5051,508 @@
     </p:spTree>
     <p:extLst>
       <p:ext uri="{BB962C8B-B14F-4D97-AF65-F5344CB8AC3E}">
-        <p14:creationId xmlns:p14="http://schemas.microsoft.com/office/powerpoint/2010/main" val="862299340"/>
+        <p14:creationId xmlns:p14="http://schemas.microsoft.com/office/powerpoint/2010/main" val="3460816323"/>
       </p:ext>
     </p:extLst>
   </p:cSld>
   <p:clrMapOvr>
     <a:masterClrMapping/>
   </p:clrMapOvr>
-  <p:hf sldNum="0" hdr="0" ftr="0" dt="0"/>
+</p:sldLayout>
+</file>
+
+<file path=ppt/slideLayouts/slideLayout9.xml><?xml version="1.0" encoding="utf-8"?>
+<p:sldLayout xmlns:a="http://schemas.openxmlformats.org/drawingml/2006/main" xmlns:r="http://schemas.openxmlformats.org/officeDocument/2006/relationships" xmlns:p="http://schemas.openxmlformats.org/presentationml/2006/main" type="twoTxTwoObj" preserve="1">
+  <p:cSld name="Comparación sin expositor">
+    <p:spTree>
+      <p:nvGrpSpPr>
+        <p:cNvPr id="1" name=""/>
+        <p:cNvGrpSpPr/>
+        <p:nvPr/>
+      </p:nvGrpSpPr>
+      <p:grpSpPr>
+        <a:xfrm>
+          <a:off x="0" y="0"/>
+          <a:ext cx="0" cy="0"/>
+          <a:chOff x="0" y="0"/>
+          <a:chExt cx="0" cy="0"/>
+        </a:xfrm>
+      </p:grpSpPr>
+      <p:sp>
+        <p:nvSpPr>
+          <p:cNvPr id="2" name="Title 1"/>
+          <p:cNvSpPr>
+            <a:spLocks noGrp="1"/>
+          </p:cNvSpPr>
+          <p:nvPr>
+            <p:ph type="title" hasCustomPrompt="1"/>
+          </p:nvPr>
+        </p:nvSpPr>
+        <p:spPr>
+          <a:xfrm>
+            <a:off x="720000" y="720000"/>
+            <a:ext cx="10753200" cy="810000"/>
+          </a:xfrm>
+        </p:spPr>
+        <p:txBody>
+          <a:bodyPr anchor="b" anchorCtr="0"/>
+          <a:lstStyle>
+            <a:lvl1pPr>
+              <a:defRPr>
+                <a:solidFill>
+                  <a:schemeClr val="tx1"/>
+                </a:solidFill>
+              </a:defRPr>
+            </a:lvl1pPr>
+          </a:lstStyle>
+          <a:p>
+            <a:r>
+              <a:rPr lang="es-ES" dirty="0"/>
+              <a:t>Ingrese aquí el subtítulo</a:t>
+            </a:r>
+            <a:endParaRPr lang="en-US" dirty="0"/>
+          </a:p>
+        </p:txBody>
+      </p:sp>
+      <p:sp>
+        <p:nvSpPr>
+          <p:cNvPr id="3" name="Text Placeholder 2"/>
+          <p:cNvSpPr>
+            <a:spLocks noGrp="1"/>
+          </p:cNvSpPr>
+          <p:nvPr>
+            <p:ph type="body" idx="1" hasCustomPrompt="1"/>
+          </p:nvPr>
+        </p:nvSpPr>
+        <p:spPr>
+          <a:xfrm>
+            <a:off x="719999" y="1681163"/>
+            <a:ext cx="5220000" cy="823912"/>
+          </a:xfrm>
+        </p:spPr>
+        <p:txBody>
+          <a:bodyPr anchor="b">
+            <a:noAutofit/>
+          </a:bodyPr>
+          <a:lstStyle>
+            <a:lvl1pPr marL="0" indent="0">
+              <a:buNone/>
+              <a:defRPr sz="2400" b="0">
+                <a:solidFill>
+                  <a:schemeClr val="tx1"/>
+                </a:solidFill>
+              </a:defRPr>
+            </a:lvl1pPr>
+            <a:lvl2pPr marL="457189" indent="0">
+              <a:buNone/>
+              <a:defRPr sz="2000" b="1"/>
+            </a:lvl2pPr>
+            <a:lvl3pPr marL="914377" indent="0">
+              <a:buNone/>
+              <a:defRPr sz="1800" b="1"/>
+            </a:lvl3pPr>
+            <a:lvl4pPr marL="1371566" indent="0">
+              <a:buNone/>
+              <a:defRPr sz="1600" b="1"/>
+            </a:lvl4pPr>
+            <a:lvl5pPr marL="1828754" indent="0">
+              <a:buNone/>
+              <a:defRPr sz="1600" b="1"/>
+            </a:lvl5pPr>
+            <a:lvl6pPr marL="2285943" indent="0">
+              <a:buNone/>
+              <a:defRPr sz="1600" b="1"/>
+            </a:lvl6pPr>
+            <a:lvl7pPr marL="2743131" indent="0">
+              <a:buNone/>
+              <a:defRPr sz="1600" b="1"/>
+            </a:lvl7pPr>
+            <a:lvl8pPr marL="3200320" indent="0">
+              <a:buNone/>
+              <a:defRPr sz="1600" b="1"/>
+            </a:lvl8pPr>
+            <a:lvl9pPr marL="3657509" indent="0">
+              <a:buNone/>
+              <a:defRPr sz="1600" b="1"/>
+            </a:lvl9pPr>
+          </a:lstStyle>
+          <a:p>
+            <a:pPr lvl="0"/>
+            <a:r>
+              <a:rPr lang="es-ES" dirty="0"/>
+              <a:t>Subtítulo primer elemento</a:t>
+            </a:r>
+          </a:p>
+        </p:txBody>
+      </p:sp>
+      <p:sp>
+        <p:nvSpPr>
+          <p:cNvPr id="4" name="Content Placeholder 3"/>
+          <p:cNvSpPr>
+            <a:spLocks noGrp="1"/>
+          </p:cNvSpPr>
+          <p:nvPr>
+            <p:ph sz="half" idx="2"/>
+          </p:nvPr>
+        </p:nvSpPr>
+        <p:spPr>
+          <a:xfrm>
+            <a:off x="719999" y="2656237"/>
+            <a:ext cx="5220000" cy="3481763"/>
+          </a:xfrm>
+        </p:spPr>
+        <p:txBody>
+          <a:bodyPr/>
+          <a:lstStyle>
+            <a:lvl1pPr>
+              <a:defRPr>
+                <a:solidFill>
+                  <a:schemeClr val="tx1">
+                    <a:lumMod val="75000"/>
+                    <a:lumOff val="25000"/>
+                  </a:schemeClr>
+                </a:solidFill>
+              </a:defRPr>
+            </a:lvl1pPr>
+            <a:lvl2pPr>
+              <a:defRPr>
+                <a:solidFill>
+                  <a:schemeClr val="tx1">
+                    <a:lumMod val="75000"/>
+                    <a:lumOff val="25000"/>
+                  </a:schemeClr>
+                </a:solidFill>
+              </a:defRPr>
+            </a:lvl2pPr>
+            <a:lvl3pPr>
+              <a:defRPr>
+                <a:solidFill>
+                  <a:schemeClr val="tx1">
+                    <a:lumMod val="75000"/>
+                    <a:lumOff val="25000"/>
+                  </a:schemeClr>
+                </a:solidFill>
+              </a:defRPr>
+            </a:lvl3pPr>
+            <a:lvl4pPr>
+              <a:defRPr>
+                <a:solidFill>
+                  <a:schemeClr val="tx1">
+                    <a:lumMod val="75000"/>
+                    <a:lumOff val="25000"/>
+                  </a:schemeClr>
+                </a:solidFill>
+              </a:defRPr>
+            </a:lvl4pPr>
+            <a:lvl5pPr>
+              <a:defRPr>
+                <a:solidFill>
+                  <a:schemeClr val="tx1">
+                    <a:lumMod val="75000"/>
+                    <a:lumOff val="25000"/>
+                  </a:schemeClr>
+                </a:solidFill>
+              </a:defRPr>
+            </a:lvl5pPr>
+          </a:lstStyle>
+          <a:p>
+            <a:pPr lvl="0"/>
+            <a:r>
+              <a:rPr lang="es-ES" dirty="0"/>
+              <a:t>Haga clic para modificar los estilos de texto del patrón</a:t>
+            </a:r>
+          </a:p>
+          <a:p>
+            <a:pPr lvl="1"/>
+            <a:r>
+              <a:rPr lang="es-ES" dirty="0"/>
+              <a:t>Segundo nivel</a:t>
+            </a:r>
+          </a:p>
+          <a:p>
+            <a:pPr lvl="2"/>
+            <a:r>
+              <a:rPr lang="es-ES" dirty="0"/>
+              <a:t>Tercer nivel</a:t>
+            </a:r>
+          </a:p>
+          <a:p>
+            <a:pPr lvl="3"/>
+            <a:r>
+              <a:rPr lang="es-ES" dirty="0"/>
+              <a:t>Cuarto nivel</a:t>
+            </a:r>
+          </a:p>
+          <a:p>
+            <a:pPr lvl="4"/>
+            <a:r>
+              <a:rPr lang="es-ES" dirty="0"/>
+              <a:t>Quinto nivel</a:t>
+            </a:r>
+            <a:endParaRPr lang="en-US" dirty="0"/>
+          </a:p>
+        </p:txBody>
+      </p:sp>
+      <p:sp>
+        <p:nvSpPr>
+          <p:cNvPr id="5" name="Text Placeholder 4"/>
+          <p:cNvSpPr>
+            <a:spLocks noGrp="1"/>
+          </p:cNvSpPr>
+          <p:nvPr>
+            <p:ph type="body" sz="quarter" idx="3" hasCustomPrompt="1"/>
+          </p:nvPr>
+        </p:nvSpPr>
+        <p:spPr>
+          <a:xfrm>
+            <a:off x="6252000" y="1681163"/>
+            <a:ext cx="5220000" cy="823912"/>
+          </a:xfrm>
+        </p:spPr>
+        <p:txBody>
+          <a:bodyPr anchor="b"/>
+          <a:lstStyle>
+            <a:lvl1pPr marL="0" indent="0">
+              <a:buNone/>
+              <a:defRPr sz="2400" b="0">
+                <a:solidFill>
+                  <a:schemeClr val="tx1"/>
+                </a:solidFill>
+              </a:defRPr>
+            </a:lvl1pPr>
+            <a:lvl2pPr marL="457189" indent="0">
+              <a:buNone/>
+              <a:defRPr sz="2000" b="1"/>
+            </a:lvl2pPr>
+            <a:lvl3pPr marL="914377" indent="0">
+              <a:buNone/>
+              <a:defRPr sz="1800" b="1"/>
+            </a:lvl3pPr>
+            <a:lvl4pPr marL="1371566" indent="0">
+              <a:buNone/>
+              <a:defRPr sz="1600" b="1"/>
+            </a:lvl4pPr>
+            <a:lvl5pPr marL="1828754" indent="0">
+              <a:buNone/>
+              <a:defRPr sz="1600" b="1"/>
+            </a:lvl5pPr>
+            <a:lvl6pPr marL="2285943" indent="0">
+              <a:buNone/>
+              <a:defRPr sz="1600" b="1"/>
+            </a:lvl6pPr>
+            <a:lvl7pPr marL="2743131" indent="0">
+              <a:buNone/>
+              <a:defRPr sz="1600" b="1"/>
+            </a:lvl7pPr>
+            <a:lvl8pPr marL="3200320" indent="0">
+              <a:buNone/>
+              <a:defRPr sz="1600" b="1"/>
+            </a:lvl8pPr>
+            <a:lvl9pPr marL="3657509" indent="0">
+              <a:buNone/>
+              <a:defRPr sz="1600" b="1"/>
+            </a:lvl9pPr>
+          </a:lstStyle>
+          <a:p>
+            <a:pPr lvl="0"/>
+            <a:r>
+              <a:rPr lang="es-ES" dirty="0"/>
+              <a:t>Subtítulo segundo elemento</a:t>
+            </a:r>
+          </a:p>
+        </p:txBody>
+      </p:sp>
+      <p:sp>
+        <p:nvSpPr>
+          <p:cNvPr id="6" name="Content Placeholder 5"/>
+          <p:cNvSpPr>
+            <a:spLocks noGrp="1"/>
+          </p:cNvSpPr>
+          <p:nvPr>
+            <p:ph sz="quarter" idx="4"/>
+          </p:nvPr>
+        </p:nvSpPr>
+        <p:spPr>
+          <a:xfrm>
+            <a:off x="6252000" y="2656238"/>
+            <a:ext cx="5220000" cy="3481763"/>
+          </a:xfrm>
+        </p:spPr>
+        <p:txBody>
+          <a:bodyPr/>
+          <a:lstStyle>
+            <a:lvl1pPr>
+              <a:defRPr>
+                <a:solidFill>
+                  <a:schemeClr val="tx1">
+                    <a:lumMod val="75000"/>
+                    <a:lumOff val="25000"/>
+                  </a:schemeClr>
+                </a:solidFill>
+              </a:defRPr>
+            </a:lvl1pPr>
+            <a:lvl2pPr>
+              <a:defRPr>
+                <a:solidFill>
+                  <a:schemeClr val="tx1">
+                    <a:lumMod val="75000"/>
+                    <a:lumOff val="25000"/>
+                  </a:schemeClr>
+                </a:solidFill>
+              </a:defRPr>
+            </a:lvl2pPr>
+            <a:lvl3pPr>
+              <a:defRPr>
+                <a:solidFill>
+                  <a:schemeClr val="tx1">
+                    <a:lumMod val="75000"/>
+                    <a:lumOff val="25000"/>
+                  </a:schemeClr>
+                </a:solidFill>
+              </a:defRPr>
+            </a:lvl3pPr>
+            <a:lvl4pPr>
+              <a:defRPr>
+                <a:solidFill>
+                  <a:schemeClr val="tx1">
+                    <a:lumMod val="75000"/>
+                    <a:lumOff val="25000"/>
+                  </a:schemeClr>
+                </a:solidFill>
+              </a:defRPr>
+            </a:lvl4pPr>
+            <a:lvl5pPr>
+              <a:defRPr>
+                <a:solidFill>
+                  <a:schemeClr val="tx1">
+                    <a:lumMod val="75000"/>
+                    <a:lumOff val="25000"/>
+                  </a:schemeClr>
+                </a:solidFill>
+              </a:defRPr>
+            </a:lvl5pPr>
+          </a:lstStyle>
+          <a:p>
+            <a:pPr lvl="0"/>
+            <a:r>
+              <a:rPr lang="es-ES" dirty="0"/>
+              <a:t>Haga clic para modificar los estilos de texto del patrón</a:t>
+            </a:r>
+          </a:p>
+          <a:p>
+            <a:pPr lvl="1"/>
+            <a:r>
+              <a:rPr lang="es-ES" dirty="0"/>
+              <a:t>Segundo nivel</a:t>
+            </a:r>
+          </a:p>
+          <a:p>
+            <a:pPr lvl="2"/>
+            <a:r>
+              <a:rPr lang="es-ES" dirty="0"/>
+              <a:t>Tercer nivel</a:t>
+            </a:r>
+          </a:p>
+          <a:p>
+            <a:pPr lvl="3"/>
+            <a:r>
+              <a:rPr lang="es-ES" dirty="0"/>
+              <a:t>Cuarto nivel</a:t>
+            </a:r>
+          </a:p>
+          <a:p>
+            <a:pPr lvl="4"/>
+            <a:r>
+              <a:rPr lang="es-ES" dirty="0"/>
+              <a:t>Quinto nivel</a:t>
+            </a:r>
+            <a:endParaRPr lang="en-US" dirty="0"/>
+          </a:p>
+        </p:txBody>
+      </p:sp>
+      <p:sp>
+        <p:nvSpPr>
+          <p:cNvPr id="7" name="Date Placeholder 6"/>
+          <p:cNvSpPr>
+            <a:spLocks noGrp="1"/>
+          </p:cNvSpPr>
+          <p:nvPr>
+            <p:ph type="dt" sz="half" idx="10"/>
+          </p:nvPr>
+        </p:nvSpPr>
+        <p:spPr/>
+        <p:txBody>
+          <a:bodyPr/>
+          <a:lstStyle/>
+          <a:p>
+            <a:pPr rtl="0"/>
+            <a:fld id="{F6653BDA-CE15-46D4-A5A4-C9E9758DEFB2}" type="datetime1">
+              <a:rPr lang="es-ES" noProof="0" smtClean="0"/>
+              <a:t>09/08/2022</a:t>
+            </a:fld>
+            <a:endParaRPr lang="es-ES" noProof="0" dirty="0"/>
+          </a:p>
+        </p:txBody>
+      </p:sp>
+      <p:sp>
+        <p:nvSpPr>
+          <p:cNvPr id="8" name="Footer Placeholder 7"/>
+          <p:cNvSpPr>
+            <a:spLocks noGrp="1"/>
+          </p:cNvSpPr>
+          <p:nvPr>
+            <p:ph type="ftr" sz="quarter" idx="11"/>
+          </p:nvPr>
+        </p:nvSpPr>
+        <p:spPr/>
+        <p:txBody>
+          <a:bodyPr/>
+          <a:lstStyle/>
+          <a:p>
+            <a:pPr rtl="0"/>
+            <a:r>
+              <a:rPr lang="es-CO" noProof="0"/>
+              <a:t>Escuela Colombiana de Ingeniería Julio Garavito</a:t>
+            </a:r>
+            <a:endParaRPr lang="es-ES" noProof="0" dirty="0"/>
+          </a:p>
+        </p:txBody>
+      </p:sp>
+      <p:sp>
+        <p:nvSpPr>
+          <p:cNvPr id="9" name="Slide Number Placeholder 8"/>
+          <p:cNvSpPr>
+            <a:spLocks noGrp="1"/>
+          </p:cNvSpPr>
+          <p:nvPr>
+            <p:ph type="sldNum" sz="quarter" idx="12"/>
+          </p:nvPr>
+        </p:nvSpPr>
+        <p:spPr/>
+        <p:txBody>
+          <a:bodyPr/>
+          <a:lstStyle/>
+          <a:p>
+            <a:pPr rtl="0"/>
+            <a:fld id="{71B7BAC7-FE87-40F6-AA24-4F4685D1B022}" type="slidenum">
+              <a:rPr lang="es-ES" noProof="0" smtClean="0"/>
+              <a:pPr rtl="0"/>
+              <a:t>‹#›</a:t>
+            </a:fld>
+            <a:endParaRPr lang="es-ES" noProof="0" dirty="0"/>
+          </a:p>
+        </p:txBody>
+      </p:sp>
+    </p:spTree>
+    <p:extLst>
+      <p:ext uri="{BB962C8B-B14F-4D97-AF65-F5344CB8AC3E}">
+        <p14:creationId xmlns:p14="http://schemas.microsoft.com/office/powerpoint/2010/main" val="4283966633"/>
+      </p:ext>
+    </p:extLst>
+  </p:cSld>
+  <p:clrMapOvr>
+    <a:masterClrMapping/>
+  </p:clrMapOvr>
 </p:sldLayout>
 </file>
 
@@ -3662,15 +5593,15 @@
         </p:nvSpPr>
         <p:spPr>
           <a:xfrm>
-            <a:off x="838200" y="365125"/>
-            <a:ext cx="10515600" cy="1325563"/>
+            <a:off x="720000" y="720000"/>
+            <a:ext cx="6840000" cy="2160000"/>
           </a:xfrm>
           <a:prstGeom prst="rect">
             <a:avLst/>
           </a:prstGeom>
         </p:spPr>
         <p:txBody>
-          <a:bodyPr vert="horz" lIns="91440" tIns="45720" rIns="91440" bIns="45720" rtlCol="0" anchor="ctr">
+          <a:bodyPr vert="horz" lIns="91440" tIns="45720" rIns="91440" bIns="45720" rtlCol="0" anchor="t" anchorCtr="0">
             <a:normAutofit/>
           </a:bodyPr>
           <a:lstStyle/>
@@ -3695,8 +5626,8 @@
         </p:nvSpPr>
         <p:spPr>
           <a:xfrm>
-            <a:off x="838200" y="1825625"/>
-            <a:ext cx="10515600" cy="4351339"/>
+            <a:off x="720000" y="2880000"/>
+            <a:ext cx="6840000" cy="2160000"/>
           </a:xfrm>
           <a:prstGeom prst="rect">
             <a:avLst/>
@@ -3710,35 +5641,35 @@
           <a:p>
             <a:pPr lvl="0"/>
             <a:r>
-              <a:rPr lang="es-ES"/>
+              <a:rPr lang="es-ES" dirty="0"/>
               <a:t>Haga clic para modificar los estilos de texto del patrón</a:t>
             </a:r>
           </a:p>
           <a:p>
             <a:pPr lvl="1"/>
             <a:r>
-              <a:rPr lang="es-ES"/>
+              <a:rPr lang="es-ES" dirty="0"/>
               <a:t>Segundo nivel</a:t>
             </a:r>
           </a:p>
           <a:p>
             <a:pPr lvl="2"/>
             <a:r>
-              <a:rPr lang="es-ES"/>
+              <a:rPr lang="es-ES" dirty="0"/>
               <a:t>Tercer nivel</a:t>
             </a:r>
           </a:p>
           <a:p>
             <a:pPr lvl="3"/>
             <a:r>
-              <a:rPr lang="es-ES"/>
+              <a:rPr lang="es-ES" dirty="0"/>
               <a:t>Cuarto nivel</a:t>
             </a:r>
           </a:p>
           <a:p>
             <a:pPr lvl="4"/>
             <a:r>
-              <a:rPr lang="es-ES"/>
+              <a:rPr lang="es-ES" dirty="0"/>
               <a:t>Quinto nivel</a:t>
             </a:r>
             <a:endParaRPr lang="en-US" dirty="0"/>
@@ -3757,7 +5688,7 @@
         </p:nvSpPr>
         <p:spPr>
           <a:xfrm>
-            <a:off x="838200" y="6356351"/>
+            <a:off x="720000" y="6356351"/>
             <a:ext cx="2743200" cy="365125"/>
           </a:xfrm>
           <a:prstGeom prst="rect">
@@ -3779,7 +5710,7 @@
           </a:lstStyle>
           <a:p>
             <a:pPr rtl="0"/>
-            <a:fld id="{3DDDD12C-A2E5-4D32-A8D5-4FBA4A9916EE}" type="datetime1">
+            <a:fld id="{72696FBB-EB5C-4293-9014-59E70AE1A5E6}" type="datetime1">
               <a:rPr lang="es-ES" noProof="0" smtClean="0"/>
               <a:t>09/08/2022</a:t>
             </a:fld>
@@ -3822,8 +5753,8 @@
           <a:p>
             <a:pPr rtl="0"/>
             <a:r>
-              <a:rPr lang="es-ES" noProof="0"/>
-              <a:t>Agregar un pie de página</a:t>
+              <a:rPr lang="es-CO" noProof="0"/>
+              <a:t>Escuela Colombiana de Ingeniería Julio Garavito</a:t>
             </a:r>
             <a:endParaRPr lang="es-ES" noProof="0" dirty="0"/>
           </a:p>
@@ -3841,7 +5772,7 @@
         </p:nvSpPr>
         <p:spPr>
           <a:xfrm>
-            <a:off x="8610600" y="6356351"/>
+            <a:off x="8728800" y="6356350"/>
             <a:ext cx="2743200" cy="365125"/>
           </a:xfrm>
           <a:prstGeom prst="rect">
@@ -3883,16 +5814,21 @@
   <p:sldLayoutIdLst>
     <p:sldLayoutId id="2147483779" r:id="rId1"/>
     <p:sldLayoutId id="2147483780" r:id="rId2"/>
-    <p:sldLayoutId id="2147483781" r:id="rId3"/>
-    <p:sldLayoutId id="2147483782" r:id="rId4"/>
-    <p:sldLayoutId id="2147483783" r:id="rId5"/>
-    <p:sldLayoutId id="2147483784" r:id="rId6"/>
-    <p:sldLayoutId id="2147483785" r:id="rId7"/>
-    <p:sldLayoutId id="2147483786" r:id="rId8"/>
-    <p:sldLayoutId id="2147483787" r:id="rId9"/>
-    <p:sldLayoutId id="2147483788" r:id="rId10"/>
-    <p:sldLayoutId id="2147483789" r:id="rId11"/>
-    <p:sldLayoutId id="2147483681" r:id="rId12"/>
+    <p:sldLayoutId id="2147483790" r:id="rId3"/>
+    <p:sldLayoutId id="2147483781" r:id="rId4"/>
+    <p:sldLayoutId id="2147483791" r:id="rId5"/>
+    <p:sldLayoutId id="2147483782" r:id="rId6"/>
+    <p:sldLayoutId id="2147483792" r:id="rId7"/>
+    <p:sldLayoutId id="2147483783" r:id="rId8"/>
+    <p:sldLayoutId id="2147483793" r:id="rId9"/>
+    <p:sldLayoutId id="2147483784" r:id="rId10"/>
+    <p:sldLayoutId id="2147483794" r:id="rId11"/>
+    <p:sldLayoutId id="2147483785" r:id="rId12"/>
+    <p:sldLayoutId id="2147483786" r:id="rId13"/>
+    <p:sldLayoutId id="2147483787" r:id="rId14"/>
+    <p:sldLayoutId id="2147483795" r:id="rId15"/>
+    <p:sldLayoutId id="2147483788" r:id="rId16"/>
+    <p:sldLayoutId id="2147483789" r:id="rId17"/>
   </p:sldLayoutIdLst>
   <mc:AlternateContent xmlns:mc="http://schemas.openxmlformats.org/markup-compatibility/2006" xmlns:p14="http://schemas.microsoft.com/office/powerpoint/2010/main">
     <mc:Choice Requires="p14">
@@ -3917,7 +5853,7 @@
           <a:spcPct val="0"/>
         </a:spcBef>
         <a:buNone/>
-        <a:defRPr sz="4400" kern="1200">
+        <a:defRPr sz="2600" kern="1200">
           <a:solidFill>
             <a:schemeClr val="tx1"/>
           </a:solidFill>
@@ -3937,7 +5873,7 @@
         </a:spcBef>
         <a:buFont typeface="Arial" panose="020B0604020202020204" pitchFamily="34" charset="0"/>
         <a:buChar char="•"/>
-        <a:defRPr sz="2800" kern="1200">
+        <a:defRPr sz="2400" kern="1200">
           <a:solidFill>
             <a:schemeClr val="tx1"/>
           </a:solidFill>
@@ -3955,7 +5891,7 @@
         </a:spcBef>
         <a:buFont typeface="Arial" panose="020B0604020202020204" pitchFamily="34" charset="0"/>
         <a:buChar char="•"/>
-        <a:defRPr sz="2400" kern="1200">
+        <a:defRPr sz="2200" kern="1200">
           <a:solidFill>
             <a:schemeClr val="tx1"/>
           </a:solidFill>
@@ -4214,10 +6150,10 @@
       </p:grpSpPr>
       <p:sp>
         <p:nvSpPr>
-          <p:cNvPr id="2" name="Título 1">
+          <p:cNvPr id="2" name="Title 1">
             <a:extLst>
               <a:ext uri="{FF2B5EF4-FFF2-40B4-BE49-F238E27FC236}">
-                <a16:creationId xmlns:a16="http://schemas.microsoft.com/office/drawing/2014/main" id="{E8693AA3-2B1F-F00E-F28B-13E668B9C553}"/>
+                <a16:creationId xmlns:a16="http://schemas.microsoft.com/office/drawing/2014/main" id="{9B29A750-F91B-6989-578D-EAB334E23478}"/>
               </a:ext>
             </a:extLst>
           </p:cNvPr>
@@ -4228,55 +6164,69 @@
             <p:ph type="ctrTitle"/>
           </p:nvPr>
         </p:nvSpPr>
-        <p:spPr>
-          <a:xfrm>
-            <a:off x="720000" y="720000"/>
-            <a:ext cx="6840000" cy="4320000"/>
-          </a:xfrm>
-        </p:spPr>
-        <p:txBody>
-          <a:bodyPr anchor="t" anchorCtr="0">
-            <a:normAutofit/>
-          </a:bodyPr>
+        <p:spPr/>
+        <p:txBody>
+          <a:bodyPr/>
           <a:lstStyle/>
           <a:p>
-            <a:pPr algn="l"/>
-            <a:r>
-              <a:rPr lang="en-US" sz="2600" dirty="0" err="1"/>
-              <a:t>Nombre</a:t>
-            </a:r>
-            <a:r>
-              <a:rPr lang="en-US" sz="2600" dirty="0"/>
-              <a:t> de la </a:t>
-            </a:r>
-            <a:r>
-              <a:rPr lang="en-US" sz="2600" dirty="0" err="1"/>
-              <a:t>sección</a:t>
-            </a:r>
-            <a:r>
-              <a:rPr lang="en-US" sz="2600" dirty="0"/>
-              <a:t>, </a:t>
-            </a:r>
-            <a:r>
-              <a:rPr lang="en-US" sz="2600" dirty="0" err="1"/>
-              <a:t>actividad</a:t>
-            </a:r>
-            <a:r>
-              <a:rPr lang="en-US" sz="2600" dirty="0"/>
-              <a:t> o </a:t>
-            </a:r>
-            <a:r>
-              <a:rPr lang="en-US" sz="2600" dirty="0" err="1"/>
-              <a:t>clase</a:t>
-            </a:r>
-            <a:endParaRPr lang="en-US" sz="2600" dirty="0"/>
+            <a:endParaRPr lang="es-CO"/>
+          </a:p>
+        </p:txBody>
+      </p:sp>
+      <p:sp>
+        <p:nvSpPr>
+          <p:cNvPr id="3" name="Subtitle 2">
+            <a:extLst>
+              <a:ext uri="{FF2B5EF4-FFF2-40B4-BE49-F238E27FC236}">
+                <a16:creationId xmlns:a16="http://schemas.microsoft.com/office/drawing/2014/main" id="{D625FFEE-DA08-5BC8-4389-3D59BE484BE8}"/>
+              </a:ext>
+            </a:extLst>
+          </p:cNvPr>
+          <p:cNvSpPr>
+            <a:spLocks noGrp="1"/>
+          </p:cNvSpPr>
+          <p:nvPr>
+            <p:ph type="subTitle" idx="1"/>
+          </p:nvPr>
+        </p:nvSpPr>
+        <p:spPr/>
+        <p:txBody>
+          <a:bodyPr/>
+          <a:lstStyle/>
+          <a:p>
+            <a:endParaRPr lang="es-CO"/>
+          </a:p>
+        </p:txBody>
+      </p:sp>
+      <p:sp>
+        <p:nvSpPr>
+          <p:cNvPr id="4" name="Content Placeholder 3">
+            <a:extLst>
+              <a:ext uri="{FF2B5EF4-FFF2-40B4-BE49-F238E27FC236}">
+                <a16:creationId xmlns:a16="http://schemas.microsoft.com/office/drawing/2014/main" id="{E15F44D5-AB8B-95B9-2075-881E5EE8D95A}"/>
+              </a:ext>
+            </a:extLst>
+          </p:cNvPr>
+          <p:cNvSpPr>
+            <a:spLocks noGrp="1"/>
+          </p:cNvSpPr>
+          <p:nvPr>
+            <p:ph sz="quarter" idx="14"/>
+          </p:nvPr>
+        </p:nvSpPr>
+        <p:spPr/>
+        <p:txBody>
+          <a:bodyPr/>
+          <a:lstStyle/>
+          <a:p>
+            <a:endParaRPr lang="es-CO"/>
           </a:p>
         </p:txBody>
       </p:sp>
     </p:spTree>
     <p:extLst>
       <p:ext uri="{BB962C8B-B14F-4D97-AF65-F5344CB8AC3E}">
-        <p14:creationId xmlns:p14="http://schemas.microsoft.com/office/powerpoint/2010/main" val="1379571065"/>
+        <p14:creationId xmlns:p14="http://schemas.microsoft.com/office/powerpoint/2010/main" val="3552631756"/>
       </p:ext>
     </p:extLst>
   </p:cSld>
@@ -4317,10 +6267,10 @@
       </p:grpSpPr>
       <p:sp>
         <p:nvSpPr>
-          <p:cNvPr id="2" name="Título 1">
+          <p:cNvPr id="2" name="Title 1">
             <a:extLst>
               <a:ext uri="{FF2B5EF4-FFF2-40B4-BE49-F238E27FC236}">
-                <a16:creationId xmlns:a16="http://schemas.microsoft.com/office/drawing/2014/main" id="{E8693AA3-2B1F-F00E-F28B-13E668B9C553}"/>
+                <a16:creationId xmlns:a16="http://schemas.microsoft.com/office/drawing/2014/main" id="{4D7279A3-CD02-5BCA-F18B-429FB7393590}"/>
               </a:ext>
             </a:extLst>
           </p:cNvPr>
@@ -4331,173 +6281,85 @@
             <p:ph type="ctrTitle"/>
           </p:nvPr>
         </p:nvSpPr>
-        <p:spPr>
-          <a:xfrm>
-            <a:off x="720000" y="720000"/>
-            <a:ext cx="6840000" cy="4320000"/>
-          </a:xfrm>
-        </p:spPr>
-        <p:txBody>
-          <a:bodyPr anchor="t" anchorCtr="0">
-            <a:normAutofit/>
-          </a:bodyPr>
+        <p:spPr/>
+        <p:txBody>
+          <a:bodyPr/>
           <a:lstStyle/>
           <a:p>
-            <a:pPr algn="l"/>
-            <a:r>
-              <a:rPr lang="es-CO" sz="2600" dirty="0"/>
-              <a:t>Curso de Modelación Hidráulica</a:t>
+            <a:r>
+              <a:rPr lang="es-CO" dirty="0"/>
+              <a:t>Conceptos fundamentales de </a:t>
             </a:r>
             <a:br>
-              <a:rPr lang="es-CO" sz="2600" dirty="0"/>
+              <a:rPr lang="es-CO" dirty="0"/>
             </a:br>
             <a:r>
-              <a:rPr lang="es-CO" sz="2600" dirty="0"/>
-              <a:t>1D y 2D en HEC-RAS</a:t>
-            </a:r>
-            <a:endParaRPr lang="en-US" sz="2600" dirty="0"/>
-          </a:p>
-        </p:txBody>
-      </p:sp>
-      <p:grpSp>
-        <p:nvGrpSpPr>
-          <p:cNvPr id="4" name="Group 3">
+              <a:rPr lang="es-CO" dirty="0"/>
+              <a:t>hidráulica a superficie libre</a:t>
+            </a:r>
+          </a:p>
+        </p:txBody>
+      </p:sp>
+      <p:sp>
+        <p:nvSpPr>
+          <p:cNvPr id="3" name="Subtitle 2">
             <a:extLst>
               <a:ext uri="{FF2B5EF4-FFF2-40B4-BE49-F238E27FC236}">
-                <a16:creationId xmlns:a16="http://schemas.microsoft.com/office/drawing/2014/main" id="{75763AFD-ACB0-D007-9045-1446594414B7}"/>
+                <a16:creationId xmlns:a16="http://schemas.microsoft.com/office/drawing/2014/main" id="{7A293C55-7093-CE79-4EAA-A7489D173BAD}"/>
               </a:ext>
             </a:extLst>
           </p:cNvPr>
-          <p:cNvGrpSpPr/>
-          <p:nvPr/>
-        </p:nvGrpSpPr>
-        <p:grpSpPr>
-          <a:xfrm>
-            <a:off x="720000" y="5598000"/>
-            <a:ext cx="4680000" cy="540000"/>
-            <a:chOff x="1024800" y="5598000"/>
-            <a:chExt cx="4528936" cy="540000"/>
-          </a:xfrm>
-        </p:grpSpPr>
-        <p:sp>
-          <p:nvSpPr>
-            <p:cNvPr id="5" name="Rectangle: Rounded Corners 4">
-              <a:extLst>
-                <a:ext uri="{FF2B5EF4-FFF2-40B4-BE49-F238E27FC236}">
-                  <a16:creationId xmlns:a16="http://schemas.microsoft.com/office/drawing/2014/main" id="{D075D5BD-DF2F-9AFC-C3C1-DED853F4C094}"/>
-                </a:ext>
-              </a:extLst>
-            </p:cNvPr>
-            <p:cNvSpPr/>
-            <p:nvPr/>
-          </p:nvSpPr>
-          <p:spPr>
-            <a:xfrm>
-              <a:off x="1024800" y="5598000"/>
-              <a:ext cx="594000" cy="540000"/>
-            </a:xfrm>
-            <a:prstGeom prst="roundRect">
-              <a:avLst/>
-            </a:prstGeom>
-            <a:solidFill>
-              <a:srgbClr val="990000"/>
-            </a:solidFill>
-            <a:ln>
-              <a:noFill/>
-            </a:ln>
-          </p:spPr>
-          <p:style>
-            <a:lnRef idx="2">
-              <a:schemeClr val="accent1">
-                <a:shade val="50000"/>
-              </a:schemeClr>
-            </a:lnRef>
-            <a:fillRef idx="1">
-              <a:schemeClr val="accent1"/>
-            </a:fillRef>
-            <a:effectRef idx="0">
-              <a:schemeClr val="accent1"/>
-            </a:effectRef>
-            <a:fontRef idx="minor">
-              <a:schemeClr val="lt1"/>
-            </a:fontRef>
-          </p:style>
-          <p:txBody>
-            <a:bodyPr rtlCol="0" anchor="ctr"/>
-            <a:lstStyle/>
-            <a:p>
-              <a:pPr algn="ctr"/>
-              <a:endParaRPr lang="es-CO"/>
-            </a:p>
-          </p:txBody>
-        </p:sp>
-        <p:sp>
-          <p:nvSpPr>
-            <p:cNvPr id="6" name="Rectangle 5">
-              <a:extLst>
-                <a:ext uri="{FF2B5EF4-FFF2-40B4-BE49-F238E27FC236}">
-                  <a16:creationId xmlns:a16="http://schemas.microsoft.com/office/drawing/2014/main" id="{AD021875-474F-619F-E897-C817A7AFF50E}"/>
-                </a:ext>
-              </a:extLst>
-            </p:cNvPr>
-            <p:cNvSpPr/>
-            <p:nvPr/>
-          </p:nvSpPr>
-          <p:spPr>
-            <a:xfrm>
-              <a:off x="1233736" y="5598000"/>
-              <a:ext cx="4320000" cy="540000"/>
-            </a:xfrm>
-            <a:prstGeom prst="rect">
-              <a:avLst/>
-            </a:prstGeom>
-            <a:solidFill>
-              <a:schemeClr val="bg1">
-                <a:lumMod val="75000"/>
-              </a:schemeClr>
-            </a:solidFill>
-            <a:ln>
-              <a:noFill/>
-            </a:ln>
-          </p:spPr>
-          <p:style>
-            <a:lnRef idx="2">
-              <a:schemeClr val="accent1">
-                <a:shade val="50000"/>
-              </a:schemeClr>
-            </a:lnRef>
-            <a:fillRef idx="1">
-              <a:schemeClr val="accent1"/>
-            </a:fillRef>
-            <a:effectRef idx="0">
-              <a:schemeClr val="accent1"/>
-            </a:effectRef>
-            <a:fontRef idx="minor">
-              <a:schemeClr val="lt1"/>
-            </a:fontRef>
-          </p:style>
-          <p:txBody>
-            <a:bodyPr rtlCol="0" anchor="ctr"/>
-            <a:lstStyle/>
-            <a:p>
-              <a:r>
-                <a:rPr lang="en-US" dirty="0">
-                  <a:solidFill>
-                    <a:schemeClr val="bg1"/>
-                  </a:solidFill>
-                  <a:latin typeface="Segoe UI" panose="020B0502040204020203" pitchFamily="34" charset="0"/>
-                  <a:cs typeface="Segoe UI" panose="020B0502040204020203" pitchFamily="34" charset="0"/>
-                </a:rPr>
-                <a:t>Juan David Rodríguez Acevedo</a:t>
-              </a:r>
-            </a:p>
-          </p:txBody>
-        </p:sp>
-      </p:grpSp>
+          <p:cNvSpPr>
+            <a:spLocks noGrp="1"/>
+          </p:cNvSpPr>
+          <p:nvPr>
+            <p:ph type="subTitle" idx="1"/>
+          </p:nvPr>
+        </p:nvSpPr>
+        <p:spPr/>
+        <p:txBody>
+          <a:bodyPr/>
+          <a:lstStyle/>
+          <a:p>
+            <a:r>
+              <a:rPr lang="es-CO" dirty="0"/>
+              <a:t>En esta clase se presentan los conceptos generales requeridos para entender el flujo a superficie libre, en diferentes condiciones, considerando sus características geométricas, cinéticas y dinámicas.</a:t>
+            </a:r>
+          </a:p>
+        </p:txBody>
+      </p:sp>
+      <p:sp>
+        <p:nvSpPr>
+          <p:cNvPr id="4" name="Content Placeholder 3">
+            <a:extLst>
+              <a:ext uri="{FF2B5EF4-FFF2-40B4-BE49-F238E27FC236}">
+                <a16:creationId xmlns:a16="http://schemas.microsoft.com/office/drawing/2014/main" id="{28E699C3-CCCA-A613-F362-99033F9B8315}"/>
+              </a:ext>
+            </a:extLst>
+          </p:cNvPr>
+          <p:cNvSpPr>
+            <a:spLocks noGrp="1"/>
+          </p:cNvSpPr>
+          <p:nvPr>
+            <p:ph sz="quarter" idx="14"/>
+          </p:nvPr>
+        </p:nvSpPr>
+        <p:spPr/>
+        <p:txBody>
+          <a:bodyPr/>
+          <a:lstStyle/>
+          <a:p>
+            <a:r>
+              <a:rPr lang="es-CO" dirty="0"/>
+              <a:t>Juan David Rodríguez Acevedo</a:t>
+            </a:r>
+          </a:p>
+        </p:txBody>
+      </p:sp>
     </p:spTree>
     <p:extLst>
       <p:ext uri="{BB962C8B-B14F-4D97-AF65-F5344CB8AC3E}">
-        <p14:creationId xmlns:p14="http://schemas.microsoft.com/office/powerpoint/2010/main" val="4290802761"/>
+        <p14:creationId xmlns:p14="http://schemas.microsoft.com/office/powerpoint/2010/main" val="355154660"/>
       </p:ext>
     </p:extLst>
   </p:cSld>
@@ -4519,457 +6381,10 @@
 </p:sld>
 </file>
 
-<file path=ppt/slides/slide3.xml><?xml version="1.0" encoding="utf-8"?>
-<p:sld xmlns:a="http://schemas.openxmlformats.org/drawingml/2006/main" xmlns:r="http://schemas.openxmlformats.org/officeDocument/2006/relationships" xmlns:p="http://schemas.openxmlformats.org/presentationml/2006/main">
-  <p:cSld>
-    <p:spTree>
-      <p:nvGrpSpPr>
-        <p:cNvPr id="1" name=""/>
-        <p:cNvGrpSpPr/>
-        <p:nvPr/>
-      </p:nvGrpSpPr>
-      <p:grpSpPr>
-        <a:xfrm>
-          <a:off x="0" y="0"/>
-          <a:ext cx="0" cy="0"/>
-          <a:chOff x="0" y="0"/>
-          <a:chExt cx="0" cy="0"/>
-        </a:xfrm>
-      </p:grpSpPr>
-      <p:sp>
-        <p:nvSpPr>
-          <p:cNvPr id="13" name="Title 12">
-            <a:extLst>
-              <a:ext uri="{FF2B5EF4-FFF2-40B4-BE49-F238E27FC236}">
-                <a16:creationId xmlns:a16="http://schemas.microsoft.com/office/drawing/2014/main" id="{D8875870-9A87-33C1-F16F-CFF2950F465A}"/>
-              </a:ext>
-            </a:extLst>
-          </p:cNvPr>
-          <p:cNvSpPr>
-            <a:spLocks noGrp="1"/>
-          </p:cNvSpPr>
-          <p:nvPr>
-            <p:ph type="ctrTitle"/>
-          </p:nvPr>
-        </p:nvSpPr>
-        <p:spPr/>
-        <p:txBody>
-          <a:bodyPr/>
-          <a:lstStyle/>
-          <a:p>
-            <a:endParaRPr lang="es-CO"/>
-          </a:p>
-        </p:txBody>
-      </p:sp>
-      <p:sp>
-        <p:nvSpPr>
-          <p:cNvPr id="14" name="Subtitle 13">
-            <a:extLst>
-              <a:ext uri="{FF2B5EF4-FFF2-40B4-BE49-F238E27FC236}">
-                <a16:creationId xmlns:a16="http://schemas.microsoft.com/office/drawing/2014/main" id="{07E30760-379D-EE29-CBA3-7C3040D07CC1}"/>
-              </a:ext>
-            </a:extLst>
-          </p:cNvPr>
-          <p:cNvSpPr>
-            <a:spLocks noGrp="1"/>
-          </p:cNvSpPr>
-          <p:nvPr>
-            <p:ph type="subTitle" idx="1"/>
-          </p:nvPr>
-        </p:nvSpPr>
-        <p:spPr/>
-        <p:txBody>
-          <a:bodyPr/>
-          <a:lstStyle/>
-          <a:p>
-            <a:endParaRPr lang="es-CO"/>
-          </a:p>
-        </p:txBody>
-      </p:sp>
-    </p:spTree>
-    <p:extLst>
-      <p:ext uri="{BB962C8B-B14F-4D97-AF65-F5344CB8AC3E}">
-        <p14:creationId xmlns:p14="http://schemas.microsoft.com/office/powerpoint/2010/main" val="870029151"/>
-      </p:ext>
-    </p:extLst>
-  </p:cSld>
-  <p:clrMapOvr>
-    <a:masterClrMapping/>
-  </p:clrMapOvr>
-  <mc:AlternateContent xmlns:mc="http://schemas.openxmlformats.org/markup-compatibility/2006" xmlns:p14="http://schemas.microsoft.com/office/powerpoint/2010/main">
-    <mc:Choice Requires="p14">
-      <p:transition spd="med" p14:dur="700">
-        <p:fade/>
-      </p:transition>
-    </mc:Choice>
-    <mc:Fallback xmlns="">
-      <p:transition spd="med">
-        <p:fade/>
-      </p:transition>
-    </mc:Fallback>
-  </mc:AlternateContent>
-</p:sld>
-</file>
-
-<file path=ppt/slides/slide4.xml><?xml version="1.0" encoding="utf-8"?>
-<p:sld xmlns:a="http://schemas.openxmlformats.org/drawingml/2006/main" xmlns:r="http://schemas.openxmlformats.org/officeDocument/2006/relationships" xmlns:p="http://schemas.openxmlformats.org/presentationml/2006/main">
-  <p:cSld>
-    <p:spTree>
-      <p:nvGrpSpPr>
-        <p:cNvPr id="1" name=""/>
-        <p:cNvGrpSpPr/>
-        <p:nvPr/>
-      </p:nvGrpSpPr>
-      <p:grpSpPr>
-        <a:xfrm>
-          <a:off x="0" y="0"/>
-          <a:ext cx="0" cy="0"/>
-          <a:chOff x="0" y="0"/>
-          <a:chExt cx="0" cy="0"/>
-        </a:xfrm>
-      </p:grpSpPr>
-      <p:sp>
-        <p:nvSpPr>
-          <p:cNvPr id="3" name="Subtítulo 2">
-            <a:extLst>
-              <a:ext uri="{FF2B5EF4-FFF2-40B4-BE49-F238E27FC236}">
-                <a16:creationId xmlns:a16="http://schemas.microsoft.com/office/drawing/2014/main" id="{DC79050E-B3D3-0B6C-391F-C5B3E4F978E8}"/>
-              </a:ext>
-            </a:extLst>
-          </p:cNvPr>
-          <p:cNvSpPr>
-            <a:spLocks noGrp="1"/>
-          </p:cNvSpPr>
-          <p:nvPr>
-            <p:ph type="subTitle" idx="1"/>
-          </p:nvPr>
-        </p:nvSpPr>
-        <p:spPr>
-          <a:xfrm>
-            <a:off x="796200" y="896938"/>
-            <a:ext cx="6840000" cy="846138"/>
-          </a:xfrm>
-        </p:spPr>
-        <p:txBody>
-          <a:bodyPr/>
-          <a:lstStyle/>
-          <a:p>
-            <a:pPr algn="l"/>
-            <a:endParaRPr lang="en-US" dirty="0"/>
-          </a:p>
-        </p:txBody>
-      </p:sp>
-    </p:spTree>
-    <p:extLst>
-      <p:ext uri="{BB962C8B-B14F-4D97-AF65-F5344CB8AC3E}">
-        <p14:creationId xmlns:p14="http://schemas.microsoft.com/office/powerpoint/2010/main" val="3607908564"/>
-      </p:ext>
-    </p:extLst>
-  </p:cSld>
-  <p:clrMapOvr>
-    <a:masterClrMapping/>
-  </p:clrMapOvr>
-  <mc:AlternateContent xmlns:mc="http://schemas.openxmlformats.org/markup-compatibility/2006" xmlns:p14="http://schemas.microsoft.com/office/powerpoint/2010/main">
-    <mc:Choice Requires="p14">
-      <p:transition spd="med" p14:dur="700">
-        <p:fade/>
-      </p:transition>
-    </mc:Choice>
-    <mc:Fallback xmlns="">
-      <p:transition spd="med">
-        <p:fade/>
-      </p:transition>
-    </mc:Fallback>
-  </mc:AlternateContent>
-</p:sld>
-</file>
-
-<file path=ppt/slides/slide5.xml><?xml version="1.0" encoding="utf-8"?>
-<p:sld xmlns:a="http://schemas.openxmlformats.org/drawingml/2006/main" xmlns:r="http://schemas.openxmlformats.org/officeDocument/2006/relationships" xmlns:p="http://schemas.openxmlformats.org/presentationml/2006/main">
-  <p:cSld>
-    <p:spTree>
-      <p:nvGrpSpPr>
-        <p:cNvPr id="1" name=""/>
-        <p:cNvGrpSpPr/>
-        <p:nvPr/>
-      </p:nvGrpSpPr>
-      <p:grpSpPr>
-        <a:xfrm>
-          <a:off x="0" y="0"/>
-          <a:ext cx="0" cy="0"/>
-          <a:chOff x="0" y="0"/>
-          <a:chExt cx="0" cy="0"/>
-        </a:xfrm>
-      </p:grpSpPr>
-      <p:sp>
-        <p:nvSpPr>
-          <p:cNvPr id="3" name="Subtítulo 2">
-            <a:extLst>
-              <a:ext uri="{FF2B5EF4-FFF2-40B4-BE49-F238E27FC236}">
-                <a16:creationId xmlns:a16="http://schemas.microsoft.com/office/drawing/2014/main" id="{DC79050E-B3D3-0B6C-391F-C5B3E4F978E8}"/>
-              </a:ext>
-            </a:extLst>
-          </p:cNvPr>
-          <p:cNvSpPr>
-            <a:spLocks noGrp="1"/>
-          </p:cNvSpPr>
-          <p:nvPr>
-            <p:ph type="subTitle" idx="1"/>
-          </p:nvPr>
-        </p:nvSpPr>
-        <p:spPr>
-          <a:xfrm>
-            <a:off x="720000" y="1773237"/>
-            <a:ext cx="6840000" cy="4265613"/>
-          </a:xfrm>
-        </p:spPr>
-        <p:txBody>
-          <a:bodyPr/>
-          <a:lstStyle/>
-          <a:p>
-            <a:pPr algn="l"/>
-            <a:endParaRPr lang="en-US" dirty="0"/>
-          </a:p>
-        </p:txBody>
-      </p:sp>
-      <p:sp>
-        <p:nvSpPr>
-          <p:cNvPr id="4" name="Título 1">
-            <a:extLst>
-              <a:ext uri="{FF2B5EF4-FFF2-40B4-BE49-F238E27FC236}">
-                <a16:creationId xmlns:a16="http://schemas.microsoft.com/office/drawing/2014/main" id="{8B8597B2-1124-513A-3FA1-149D3C67B98F}"/>
-              </a:ext>
-            </a:extLst>
-          </p:cNvPr>
-          <p:cNvSpPr>
-            <a:spLocks noGrp="1"/>
-          </p:cNvSpPr>
-          <p:nvPr>
-            <p:ph type="ctrTitle"/>
-          </p:nvPr>
-        </p:nvSpPr>
-        <p:spPr>
-          <a:xfrm>
-            <a:off x="720000" y="720000"/>
-            <a:ext cx="6840000" cy="956400"/>
-          </a:xfrm>
-        </p:spPr>
-        <p:txBody>
-          <a:bodyPr anchor="t" anchorCtr="0">
-            <a:normAutofit/>
-          </a:bodyPr>
-          <a:lstStyle/>
-          <a:p>
-            <a:pPr algn="l"/>
-            <a:endParaRPr lang="en-US" sz="2600" dirty="0"/>
-          </a:p>
-        </p:txBody>
-      </p:sp>
-    </p:spTree>
-    <p:extLst>
-      <p:ext uri="{BB962C8B-B14F-4D97-AF65-F5344CB8AC3E}">
-        <p14:creationId xmlns:p14="http://schemas.microsoft.com/office/powerpoint/2010/main" val="4150901826"/>
-      </p:ext>
-    </p:extLst>
-  </p:cSld>
-  <p:clrMapOvr>
-    <a:masterClrMapping/>
-  </p:clrMapOvr>
-  <mc:AlternateContent xmlns:mc="http://schemas.openxmlformats.org/markup-compatibility/2006" xmlns:p14="http://schemas.microsoft.com/office/powerpoint/2010/main">
-    <mc:Choice Requires="p14">
-      <p:transition spd="med" p14:dur="700">
-        <p:fade/>
-      </p:transition>
-    </mc:Choice>
-    <mc:Fallback xmlns="">
-      <p:transition spd="med">
-        <p:fade/>
-      </p:transition>
-    </mc:Fallback>
-  </mc:AlternateContent>
-</p:sld>
-</file>
-
-<file path=ppt/slides/slide6.xml><?xml version="1.0" encoding="utf-8"?>
-<p:sld xmlns:a="http://schemas.openxmlformats.org/drawingml/2006/main" xmlns:r="http://schemas.openxmlformats.org/officeDocument/2006/relationships" xmlns:p="http://schemas.openxmlformats.org/presentationml/2006/main">
-  <p:cSld>
-    <p:spTree>
-      <p:nvGrpSpPr>
-        <p:cNvPr id="1" name=""/>
-        <p:cNvGrpSpPr/>
-        <p:nvPr/>
-      </p:nvGrpSpPr>
-      <p:grpSpPr>
-        <a:xfrm>
-          <a:off x="0" y="0"/>
-          <a:ext cx="0" cy="0"/>
-          <a:chOff x="0" y="0"/>
-          <a:chExt cx="0" cy="0"/>
-        </a:xfrm>
-      </p:grpSpPr>
-      <p:sp>
-        <p:nvSpPr>
-          <p:cNvPr id="2" name="Título 1">
-            <a:extLst>
-              <a:ext uri="{FF2B5EF4-FFF2-40B4-BE49-F238E27FC236}">
-                <a16:creationId xmlns:a16="http://schemas.microsoft.com/office/drawing/2014/main" id="{2980AF9C-F57D-6AC1-3471-868422AC3D45}"/>
-              </a:ext>
-            </a:extLst>
-          </p:cNvPr>
-          <p:cNvSpPr>
-            <a:spLocks noGrp="1"/>
-          </p:cNvSpPr>
-          <p:nvPr>
-            <p:ph type="title"/>
-          </p:nvPr>
-        </p:nvSpPr>
-        <p:spPr/>
-        <p:txBody>
-          <a:bodyPr/>
-          <a:lstStyle/>
-          <a:p>
-            <a:endParaRPr lang="en-US" dirty="0"/>
-          </a:p>
-        </p:txBody>
-      </p:sp>
-    </p:spTree>
-    <p:extLst>
-      <p:ext uri="{BB962C8B-B14F-4D97-AF65-F5344CB8AC3E}">
-        <p14:creationId xmlns:p14="http://schemas.microsoft.com/office/powerpoint/2010/main" val="208055415"/>
-      </p:ext>
-    </p:extLst>
-  </p:cSld>
-  <p:clrMapOvr>
-    <a:masterClrMapping/>
-  </p:clrMapOvr>
-  <mc:AlternateContent xmlns:mc="http://schemas.openxmlformats.org/markup-compatibility/2006" xmlns:p14="http://schemas.microsoft.com/office/powerpoint/2010/main">
-    <mc:Choice Requires="p14">
-      <p:transition spd="med" p14:dur="700">
-        <p:fade/>
-      </p:transition>
-    </mc:Choice>
-    <mc:Fallback xmlns="">
-      <p:transition spd="med">
-        <p:fade/>
-      </p:transition>
-    </mc:Fallback>
-  </mc:AlternateContent>
-</p:sld>
-</file>
-
-<file path=ppt/slides/slide7.xml><?xml version="1.0" encoding="utf-8"?>
-<p:sld xmlns:a="http://schemas.openxmlformats.org/drawingml/2006/main" xmlns:r="http://schemas.openxmlformats.org/officeDocument/2006/relationships" xmlns:p="http://schemas.openxmlformats.org/presentationml/2006/main">
-  <p:cSld>
-    <p:spTree>
-      <p:nvGrpSpPr>
-        <p:cNvPr id="1" name=""/>
-        <p:cNvGrpSpPr/>
-        <p:nvPr/>
-      </p:nvGrpSpPr>
-      <p:grpSpPr>
-        <a:xfrm>
-          <a:off x="0" y="0"/>
-          <a:ext cx="0" cy="0"/>
-          <a:chOff x="0" y="0"/>
-          <a:chExt cx="0" cy="0"/>
-        </a:xfrm>
-      </p:grpSpPr>
-      <p:sp>
-        <p:nvSpPr>
-          <p:cNvPr id="2" name="Título 1">
-            <a:extLst>
-              <a:ext uri="{FF2B5EF4-FFF2-40B4-BE49-F238E27FC236}">
-                <a16:creationId xmlns:a16="http://schemas.microsoft.com/office/drawing/2014/main" id="{B77C899B-5B2E-D846-D0B5-3D2C0C942A16}"/>
-              </a:ext>
-            </a:extLst>
-          </p:cNvPr>
-          <p:cNvSpPr>
-            <a:spLocks noGrp="1"/>
-          </p:cNvSpPr>
-          <p:nvPr>
-            <p:ph type="title"/>
-          </p:nvPr>
-        </p:nvSpPr>
-        <p:spPr/>
-        <p:txBody>
-          <a:bodyPr/>
-          <a:lstStyle/>
-          <a:p>
-            <a:endParaRPr lang="en-US" dirty="0"/>
-          </a:p>
-        </p:txBody>
-      </p:sp>
-      <p:sp>
-        <p:nvSpPr>
-          <p:cNvPr id="3" name="Marcador de contenido 2">
-            <a:extLst>
-              <a:ext uri="{FF2B5EF4-FFF2-40B4-BE49-F238E27FC236}">
-                <a16:creationId xmlns:a16="http://schemas.microsoft.com/office/drawing/2014/main" id="{481CB982-9FA7-E799-0EC2-5C8730AD6A35}"/>
-              </a:ext>
-            </a:extLst>
-          </p:cNvPr>
-          <p:cNvSpPr>
-            <a:spLocks noGrp="1"/>
-          </p:cNvSpPr>
-          <p:nvPr>
-            <p:ph idx="1"/>
-          </p:nvPr>
-        </p:nvSpPr>
-        <p:spPr/>
-        <p:txBody>
-          <a:bodyPr/>
-          <a:lstStyle/>
-          <a:p>
-            <a:pPr>
-              <a:buFont typeface="Wingdings" panose="05000000000000000000" pitchFamily="2" charset="2"/>
-              <a:buChar char="ü"/>
-            </a:pPr>
-            <a:endParaRPr lang="en-US" dirty="0"/>
-          </a:p>
-        </p:txBody>
-      </p:sp>
-      <p:sp>
-        <p:nvSpPr>
-          <p:cNvPr id="4" name="Marcador de texto 3">
-            <a:extLst>
-              <a:ext uri="{FF2B5EF4-FFF2-40B4-BE49-F238E27FC236}">
-                <a16:creationId xmlns:a16="http://schemas.microsoft.com/office/drawing/2014/main" id="{2F6F0933-3102-E69A-2589-F7C83CCE8B11}"/>
-              </a:ext>
-            </a:extLst>
-          </p:cNvPr>
-          <p:cNvSpPr>
-            <a:spLocks noGrp="1"/>
-          </p:cNvSpPr>
-          <p:nvPr>
-            <p:ph type="body" sz="half" idx="2"/>
-          </p:nvPr>
-        </p:nvSpPr>
-        <p:spPr/>
-        <p:txBody>
-          <a:bodyPr/>
-          <a:lstStyle/>
-          <a:p>
-            <a:endParaRPr lang="en-US" dirty="0"/>
-          </a:p>
-        </p:txBody>
-      </p:sp>
-    </p:spTree>
-    <p:extLst>
-      <p:ext uri="{BB962C8B-B14F-4D97-AF65-F5344CB8AC3E}">
-        <p14:creationId xmlns:p14="http://schemas.microsoft.com/office/powerpoint/2010/main" val="3491871371"/>
-      </p:ext>
-    </p:extLst>
-  </p:cSld>
-  <p:clrMapOvr>
-    <a:masterClrMapping/>
-  </p:clrMapOvr>
-</p:sld>
-</file>
-
 <file path=ppt/theme/theme1.xml><?xml version="1.0" encoding="utf-8"?>
-<a:theme xmlns:a="http://schemas.openxmlformats.org/drawingml/2006/main" name="Tema de Office">
+<a:theme xmlns:a="http://schemas.openxmlformats.org/drawingml/2006/main" name="Tema de R.TeachingResearchGuide">
   <a:themeElements>
-    <a:clrScheme name="Personalizado 2">
+    <a:clrScheme name="R.TeachingResearchGuide">
       <a:dk1>
         <a:sysClr val="windowText" lastClr="000000"/>
       </a:dk1>
@@ -5001,13 +6416,13 @@
         <a:srgbClr val="4D4D4D"/>
       </a:accent6>
       <a:hlink>
-        <a:srgbClr val="5F5F5F"/>
+        <a:srgbClr val="990000"/>
       </a:hlink>
       <a:folHlink>
         <a:srgbClr val="919191"/>
       </a:folHlink>
     </a:clrScheme>
-    <a:fontScheme name="VideoGitHub">
+    <a:fontScheme name="R.TeachingResearchGuide">
       <a:majorFont>
         <a:latin typeface="Segoe UI Light"/>
         <a:ea typeface=""/>

--- a/.layouts/PlantillaVideo.pptx
+++ b/.layouts/PlantillaVideo.pptx
@@ -6356,6 +6356,69 @@
           </a:p>
         </p:txBody>
       </p:sp>
+      <p:graphicFrame>
+        <p:nvGraphicFramePr>
+          <p:cNvPr id="6" name="Object 5">
+            <a:extLst>
+              <a:ext uri="{FF2B5EF4-FFF2-40B4-BE49-F238E27FC236}">
+                <a16:creationId xmlns:a16="http://schemas.microsoft.com/office/drawing/2014/main" id="{B19285DA-D4B8-438E-EB43-D61698FB986F}"/>
+              </a:ext>
+            </a:extLst>
+          </p:cNvPr>
+          <p:cNvGraphicFramePr>
+            <a:graphicFrameLocks noChangeAspect="1"/>
+          </p:cNvGraphicFramePr>
+          <p:nvPr>
+            <p:extLst>
+              <p:ext uri="{D42A27DB-BD31-4B8C-83A1-F6EECF244321}">
+                <p14:modId xmlns:p14="http://schemas.microsoft.com/office/powerpoint/2010/main" val="3684105693"/>
+              </p:ext>
+            </p:extLst>
+          </p:nvPr>
+        </p:nvGraphicFramePr>
+        <p:xfrm>
+          <a:off x="0" y="0"/>
+          <a:ext cx="12191999" cy="6858000"/>
+        </p:xfrm>
+        <a:graphic>
+          <a:graphicData uri="http://schemas.openxmlformats.org/presentationml/2006/ole">
+            <mc:AlternateContent xmlns:mc="http://schemas.openxmlformats.org/markup-compatibility/2006">
+              <mc:Choice xmlns:v="urn:schemas-microsoft-com:vml" Requires="v">
+                <p:oleObj name="CorelDRAW" r:id="rId3" imgW="7480342" imgH="4222569" progId="CorelDraw.Graphic.24">
+                  <p:embed/>
+                </p:oleObj>
+              </mc:Choice>
+              <mc:Fallback>
+                <p:oleObj name="CorelDRAW" r:id="rId3" imgW="7480342" imgH="4222569" progId="CorelDraw.Graphic.24">
+                  <p:embed/>
+                  <p:pic>
+                    <p:nvPicPr>
+                      <p:cNvPr id="0" name=""/>
+                      <p:cNvPicPr/>
+                      <p:nvPr/>
+                    </p:nvPicPr>
+                    <p:blipFill>
+                      <a:blip r:embed="rId4"/>
+                      <a:stretch>
+                        <a:fillRect/>
+                      </a:stretch>
+                    </p:blipFill>
+                    <p:spPr>
+                      <a:xfrm>
+                        <a:off x="0" y="0"/>
+                        <a:ext cx="12191999" cy="6858000"/>
+                      </a:xfrm>
+                      <a:prstGeom prst="rect">
+                        <a:avLst/>
+                      </a:prstGeom>
+                    </p:spPr>
+                  </p:pic>
+                </p:oleObj>
+              </mc:Fallback>
+            </mc:AlternateContent>
+          </a:graphicData>
+        </a:graphic>
+      </p:graphicFrame>
     </p:spTree>
     <p:extLst>
       <p:ext uri="{BB962C8B-B14F-4D97-AF65-F5344CB8AC3E}">
@@ -7145,66 +7208,6 @@
 </file>
 
 <file path=customXml/item1.xml><?xml version="1.0" encoding="utf-8"?>
-<?mso-contentType ?>
-<FormTemplates xmlns="http://schemas.microsoft.com/sharepoint/v3/contenttype/forms">
-  <Display>DocumentLibraryForm</Display>
-  <Edit>DocumentLibraryForm</Edit>
-  <New>DocumentLibraryForm</New>
-</FormTemplates>
-</file>
-
-<file path=customXml/item2.xml><?xml version="1.0" encoding="utf-8"?>
-<p:properties xmlns:p="http://schemas.microsoft.com/office/2006/metadata/properties" xmlns:xsi="http://www.w3.org/2001/XMLSchema-instance" xmlns:pc="http://schemas.microsoft.com/office/infopath/2007/PartnerControls">
-  <documentManagement>
-    <NotebookType xmlns="bf3e1746-bde1-4d6e-9c3f-7182572f7502" xsi:nil="true"/>
-    <CultureName xmlns="bf3e1746-bde1-4d6e-9c3f-7182572f7502" xsi:nil="true"/>
-    <Students xmlns="bf3e1746-bde1-4d6e-9c3f-7182572f7502">
-      <UserInfo>
-        <DisplayName/>
-        <AccountId xsi:nil="true"/>
-        <AccountType/>
-      </UserInfo>
-    </Students>
-    <Distribution_Groups xmlns="bf3e1746-bde1-4d6e-9c3f-7182572f7502" xsi:nil="true"/>
-    <FolderType xmlns="bf3e1746-bde1-4d6e-9c3f-7182572f7502" xsi:nil="true"/>
-    <Student_Groups xmlns="bf3e1746-bde1-4d6e-9c3f-7182572f7502">
-      <UserInfo>
-        <DisplayName/>
-        <AccountId xsi:nil="true"/>
-        <AccountType/>
-      </UserInfo>
-    </Student_Groups>
-    <Self_Registration_Enabled xmlns="bf3e1746-bde1-4d6e-9c3f-7182572f7502" xsi:nil="true"/>
-    <TeamsChannelId xmlns="bf3e1746-bde1-4d6e-9c3f-7182572f7502" xsi:nil="true"/>
-    <IsNotebookLocked xmlns="bf3e1746-bde1-4d6e-9c3f-7182572f7502" xsi:nil="true"/>
-    <DefaultSectionNames xmlns="bf3e1746-bde1-4d6e-9c3f-7182572f7502" xsi:nil="true"/>
-    <Is_Collaboration_Space_Locked xmlns="bf3e1746-bde1-4d6e-9c3f-7182572f7502" xsi:nil="true"/>
-    <Invited_Teachers xmlns="bf3e1746-bde1-4d6e-9c3f-7182572f7502" xsi:nil="true"/>
-    <Math_Settings xmlns="bf3e1746-bde1-4d6e-9c3f-7182572f7502" xsi:nil="true"/>
-    <Templates xmlns="bf3e1746-bde1-4d6e-9c3f-7182572f7502" xsi:nil="true"/>
-    <Has_Teacher_Only_SectionGroup xmlns="bf3e1746-bde1-4d6e-9c3f-7182572f7502" xsi:nil="true"/>
-    <AppVersion xmlns="bf3e1746-bde1-4d6e-9c3f-7182572f7502" xsi:nil="true"/>
-    <Invited_Students xmlns="bf3e1746-bde1-4d6e-9c3f-7182572f7502" xsi:nil="true"/>
-    <Owner xmlns="bf3e1746-bde1-4d6e-9c3f-7182572f7502">
-      <UserInfo>
-        <DisplayName/>
-        <AccountId xsi:nil="true"/>
-        <AccountType/>
-      </UserInfo>
-    </Owner>
-    <Teachers xmlns="bf3e1746-bde1-4d6e-9c3f-7182572f7502">
-      <UserInfo>
-        <DisplayName/>
-        <AccountId xsi:nil="true"/>
-        <AccountType/>
-      </UserInfo>
-    </Teachers>
-    <LMS_Mappings xmlns="bf3e1746-bde1-4d6e-9c3f-7182572f7502" xsi:nil="true"/>
-  </documentManagement>
-</p:properties>
-</file>
-
-<file path=customXml/item3.xml><?xml version="1.0" encoding="utf-8"?>
 <ct:contentTypeSchema xmlns:ct="http://schemas.microsoft.com/office/2006/metadata/contentType" xmlns:ma="http://schemas.microsoft.com/office/2006/metadata/properties/metaAttributes" ct:_="" ma:_="" ma:contentTypeName="Document" ma:contentTypeID="0x010100C089011499791B4EB69D0A56FFA67F2B" ma:contentTypeVersion="30" ma:contentTypeDescription="Create a new document." ma:contentTypeScope="" ma:versionID="f76dc847e91b26043a9f85409c9c8da8">
   <xsd:schema xmlns:xsd="http://www.w3.org/2001/XMLSchema" xmlns:xs="http://www.w3.org/2001/XMLSchema" xmlns:p="http://schemas.microsoft.com/office/2006/metadata/properties" xmlns:ns3="bf3e1746-bde1-4d6e-9c3f-7182572f7502" xmlns:ns4="14224164-2045-4b51-92bb-313d0f626d83" targetNamespace="http://schemas.microsoft.com/office/2006/metadata/properties" ma:root="true" ma:fieldsID="e77e75136ac7a83ebab10a30c2d6fe6c" ns3:_="" ns4:_="">
     <xsd:import namespace="bf3e1746-bde1-4d6e-9c3f-7182572f7502"/>
@@ -7595,25 +7598,67 @@
 </ct:contentTypeSchema>
 </file>
 
-<file path=customXml/itemProps1.xml><?xml version="1.0" encoding="utf-8"?>
-<ds:datastoreItem xmlns:ds="http://schemas.openxmlformats.org/officeDocument/2006/customXml" ds:itemID="{B024FD56-CE1B-42FC-9E83-BFBF160724C6}">
-  <ds:schemaRefs>
-    <ds:schemaRef ds:uri="http://schemas.microsoft.com/sharepoint/v3/contenttype/forms"/>
-  </ds:schemaRefs>
-</ds:datastoreItem>
+<file path=customXml/item2.xml><?xml version="1.0" encoding="utf-8"?>
+<p:properties xmlns:p="http://schemas.microsoft.com/office/2006/metadata/properties" xmlns:xsi="http://www.w3.org/2001/XMLSchema-instance" xmlns:pc="http://schemas.microsoft.com/office/infopath/2007/PartnerControls">
+  <documentManagement>
+    <NotebookType xmlns="bf3e1746-bde1-4d6e-9c3f-7182572f7502" xsi:nil="true"/>
+    <CultureName xmlns="bf3e1746-bde1-4d6e-9c3f-7182572f7502" xsi:nil="true"/>
+    <Students xmlns="bf3e1746-bde1-4d6e-9c3f-7182572f7502">
+      <UserInfo>
+        <DisplayName/>
+        <AccountId xsi:nil="true"/>
+        <AccountType/>
+      </UserInfo>
+    </Students>
+    <Distribution_Groups xmlns="bf3e1746-bde1-4d6e-9c3f-7182572f7502" xsi:nil="true"/>
+    <FolderType xmlns="bf3e1746-bde1-4d6e-9c3f-7182572f7502" xsi:nil="true"/>
+    <Student_Groups xmlns="bf3e1746-bde1-4d6e-9c3f-7182572f7502">
+      <UserInfo>
+        <DisplayName/>
+        <AccountId xsi:nil="true"/>
+        <AccountType/>
+      </UserInfo>
+    </Student_Groups>
+    <Self_Registration_Enabled xmlns="bf3e1746-bde1-4d6e-9c3f-7182572f7502" xsi:nil="true"/>
+    <TeamsChannelId xmlns="bf3e1746-bde1-4d6e-9c3f-7182572f7502" xsi:nil="true"/>
+    <IsNotebookLocked xmlns="bf3e1746-bde1-4d6e-9c3f-7182572f7502" xsi:nil="true"/>
+    <DefaultSectionNames xmlns="bf3e1746-bde1-4d6e-9c3f-7182572f7502" xsi:nil="true"/>
+    <Is_Collaboration_Space_Locked xmlns="bf3e1746-bde1-4d6e-9c3f-7182572f7502" xsi:nil="true"/>
+    <Invited_Teachers xmlns="bf3e1746-bde1-4d6e-9c3f-7182572f7502" xsi:nil="true"/>
+    <Math_Settings xmlns="bf3e1746-bde1-4d6e-9c3f-7182572f7502" xsi:nil="true"/>
+    <Templates xmlns="bf3e1746-bde1-4d6e-9c3f-7182572f7502" xsi:nil="true"/>
+    <Has_Teacher_Only_SectionGroup xmlns="bf3e1746-bde1-4d6e-9c3f-7182572f7502" xsi:nil="true"/>
+    <AppVersion xmlns="bf3e1746-bde1-4d6e-9c3f-7182572f7502" xsi:nil="true"/>
+    <Invited_Students xmlns="bf3e1746-bde1-4d6e-9c3f-7182572f7502" xsi:nil="true"/>
+    <Owner xmlns="bf3e1746-bde1-4d6e-9c3f-7182572f7502">
+      <UserInfo>
+        <DisplayName/>
+        <AccountId xsi:nil="true"/>
+        <AccountType/>
+      </UserInfo>
+    </Owner>
+    <Teachers xmlns="bf3e1746-bde1-4d6e-9c3f-7182572f7502">
+      <UserInfo>
+        <DisplayName/>
+        <AccountId xsi:nil="true"/>
+        <AccountType/>
+      </UserInfo>
+    </Teachers>
+    <LMS_Mappings xmlns="bf3e1746-bde1-4d6e-9c3f-7182572f7502" xsi:nil="true"/>
+  </documentManagement>
+</p:properties>
 </file>
 
-<file path=customXml/itemProps2.xml><?xml version="1.0" encoding="utf-8"?>
-<ds:datastoreItem xmlns:ds="http://schemas.openxmlformats.org/officeDocument/2006/customXml" ds:itemID="{DEDD01B8-816B-49B7-8C81-03AB51D87C54}">
-  <ds:schemaRefs>
-    <ds:schemaRef ds:uri="http://schemas.microsoft.com/office/2006/metadata/properties"/>
-    <ds:schemaRef ds:uri="http://schemas.microsoft.com/office/infopath/2007/PartnerControls"/>
-    <ds:schemaRef ds:uri="bf3e1746-bde1-4d6e-9c3f-7182572f7502"/>
-  </ds:schemaRefs>
-</ds:datastoreItem>
+<file path=customXml/item3.xml><?xml version="1.0" encoding="utf-8"?>
+<?mso-contentType ?>
+<FormTemplates xmlns="http://schemas.microsoft.com/sharepoint/v3/contenttype/forms">
+  <Display>DocumentLibraryForm</Display>
+  <Edit>DocumentLibraryForm</Edit>
+  <New>DocumentLibraryForm</New>
+</FormTemplates>
 </file>
 
-<file path=customXml/itemProps3.xml><?xml version="1.0" encoding="utf-8"?>
+<file path=customXml/itemProps1.xml><?xml version="1.0" encoding="utf-8"?>
 <ds:datastoreItem xmlns:ds="http://schemas.openxmlformats.org/officeDocument/2006/customXml" ds:itemID="{A129B439-51BE-4A7D-9272-FBD057297E66}">
   <ds:schemaRefs>
     <ds:schemaRef ds:uri="http://schemas.microsoft.com/office/2006/metadata/contentType"/>
@@ -7630,4 +7675,22 @@
     <ds:schemaRef ds:uri="http://schemas.microsoft.com/internal/obd"/>
   </ds:schemaRefs>
 </ds:datastoreItem>
+</file>
+
+<file path=customXml/itemProps2.xml><?xml version="1.0" encoding="utf-8"?>
+<ds:datastoreItem xmlns:ds="http://schemas.openxmlformats.org/officeDocument/2006/customXml" ds:itemID="{DEDD01B8-816B-49B7-8C81-03AB51D87C54}">
+  <ds:schemaRefs>
+    <ds:schemaRef ds:uri="http://schemas.microsoft.com/office/2006/metadata/properties"/>
+    <ds:schemaRef ds:uri="http://schemas.microsoft.com/office/infopath/2007/PartnerControls"/>
+    <ds:schemaRef ds:uri="bf3e1746-bde1-4d6e-9c3f-7182572f7502"/>
+  </ds:schemaRefs>
+</ds:datastoreItem>
+</file>
+
+<file path=customXml/itemProps3.xml><?xml version="1.0" encoding="utf-8"?>
+<ds:datastoreItem xmlns:ds="http://schemas.openxmlformats.org/officeDocument/2006/customXml" ds:itemID="{B024FD56-CE1B-42FC-9E83-BFBF160724C6}">
+  <ds:schemaRefs>
+    <ds:schemaRef ds:uri="http://schemas.microsoft.com/sharepoint/v3/contenttype/forms"/>
+  </ds:schemaRefs>
+</ds:datastoreItem>
 </file>
--- a/.layouts/PlantillaVideo.pptx
+++ b/.layouts/PlantillaVideo.pptx
@@ -2173,7 +2173,7 @@
 
 <file path=ppt/slideLayouts/slideLayout15.xml><?xml version="1.0" encoding="utf-8"?>
 <p:sldLayout xmlns:a="http://schemas.openxmlformats.org/drawingml/2006/main" xmlns:r="http://schemas.openxmlformats.org/officeDocument/2006/relationships" xmlns:p="http://schemas.openxmlformats.org/presentationml/2006/main" type="picTx" preserve="1">
-  <p:cSld name="1_Imagen con título sin expositor">
+  <p:cSld name="Imagen con título sin expositor">
     <p:spTree>
       <p:nvGrpSpPr>
         <p:cNvPr id="1" name=""/>
@@ -6265,97 +6265,6 @@
           <a:chExt cx="0" cy="0"/>
         </a:xfrm>
       </p:grpSpPr>
-      <p:sp>
-        <p:nvSpPr>
-          <p:cNvPr id="2" name="Title 1">
-            <a:extLst>
-              <a:ext uri="{FF2B5EF4-FFF2-40B4-BE49-F238E27FC236}">
-                <a16:creationId xmlns:a16="http://schemas.microsoft.com/office/drawing/2014/main" id="{4D7279A3-CD02-5BCA-F18B-429FB7393590}"/>
-              </a:ext>
-            </a:extLst>
-          </p:cNvPr>
-          <p:cNvSpPr>
-            <a:spLocks noGrp="1"/>
-          </p:cNvSpPr>
-          <p:nvPr>
-            <p:ph type="ctrTitle"/>
-          </p:nvPr>
-        </p:nvSpPr>
-        <p:spPr/>
-        <p:txBody>
-          <a:bodyPr/>
-          <a:lstStyle/>
-          <a:p>
-            <a:r>
-              <a:rPr lang="es-CO" dirty="0"/>
-              <a:t>Conceptos fundamentales de </a:t>
-            </a:r>
-            <a:br>
-              <a:rPr lang="es-CO" dirty="0"/>
-            </a:br>
-            <a:r>
-              <a:rPr lang="es-CO" dirty="0"/>
-              <a:t>hidráulica a superficie libre</a:t>
-            </a:r>
-          </a:p>
-        </p:txBody>
-      </p:sp>
-      <p:sp>
-        <p:nvSpPr>
-          <p:cNvPr id="3" name="Subtitle 2">
-            <a:extLst>
-              <a:ext uri="{FF2B5EF4-FFF2-40B4-BE49-F238E27FC236}">
-                <a16:creationId xmlns:a16="http://schemas.microsoft.com/office/drawing/2014/main" id="{7A293C55-7093-CE79-4EAA-A7489D173BAD}"/>
-              </a:ext>
-            </a:extLst>
-          </p:cNvPr>
-          <p:cNvSpPr>
-            <a:spLocks noGrp="1"/>
-          </p:cNvSpPr>
-          <p:nvPr>
-            <p:ph type="subTitle" idx="1"/>
-          </p:nvPr>
-        </p:nvSpPr>
-        <p:spPr/>
-        <p:txBody>
-          <a:bodyPr/>
-          <a:lstStyle/>
-          <a:p>
-            <a:r>
-              <a:rPr lang="es-CO" dirty="0"/>
-              <a:t>En esta clase se presentan los conceptos generales requeridos para entender el flujo a superficie libre, en diferentes condiciones, considerando sus características geométricas, cinéticas y dinámicas.</a:t>
-            </a:r>
-          </a:p>
-        </p:txBody>
-      </p:sp>
-      <p:sp>
-        <p:nvSpPr>
-          <p:cNvPr id="4" name="Content Placeholder 3">
-            <a:extLst>
-              <a:ext uri="{FF2B5EF4-FFF2-40B4-BE49-F238E27FC236}">
-                <a16:creationId xmlns:a16="http://schemas.microsoft.com/office/drawing/2014/main" id="{28E699C3-CCCA-A613-F362-99033F9B8315}"/>
-              </a:ext>
-            </a:extLst>
-          </p:cNvPr>
-          <p:cNvSpPr>
-            <a:spLocks noGrp="1"/>
-          </p:cNvSpPr>
-          <p:nvPr>
-            <p:ph sz="quarter" idx="14"/>
-          </p:nvPr>
-        </p:nvSpPr>
-        <p:spPr/>
-        <p:txBody>
-          <a:bodyPr/>
-          <a:lstStyle/>
-          <a:p>
-            <a:r>
-              <a:rPr lang="es-CO" dirty="0"/>
-              <a:t>Juan David Rodríguez Acevedo</a:t>
-            </a:r>
-          </a:p>
-        </p:txBody>
-      </p:sp>
       <p:graphicFrame>
         <p:nvGraphicFramePr>
           <p:cNvPr id="6" name="Object 5">
@@ -6419,6 +6328,97 @@
           </a:graphicData>
         </a:graphic>
       </p:graphicFrame>
+      <p:sp>
+        <p:nvSpPr>
+          <p:cNvPr id="2" name="Title 1">
+            <a:extLst>
+              <a:ext uri="{FF2B5EF4-FFF2-40B4-BE49-F238E27FC236}">
+                <a16:creationId xmlns:a16="http://schemas.microsoft.com/office/drawing/2014/main" id="{4D7279A3-CD02-5BCA-F18B-429FB7393590}"/>
+              </a:ext>
+            </a:extLst>
+          </p:cNvPr>
+          <p:cNvSpPr>
+            <a:spLocks noGrp="1"/>
+          </p:cNvSpPr>
+          <p:nvPr>
+            <p:ph type="ctrTitle"/>
+          </p:nvPr>
+        </p:nvSpPr>
+        <p:spPr/>
+        <p:txBody>
+          <a:bodyPr/>
+          <a:lstStyle/>
+          <a:p>
+            <a:r>
+              <a:rPr lang="es-CO" dirty="0"/>
+              <a:t>Conceptos fundamentales de </a:t>
+            </a:r>
+            <a:br>
+              <a:rPr lang="es-CO" dirty="0"/>
+            </a:br>
+            <a:r>
+              <a:rPr lang="es-CO" dirty="0"/>
+              <a:t>hidráulica a superficie libre</a:t>
+            </a:r>
+          </a:p>
+        </p:txBody>
+      </p:sp>
+      <p:sp>
+        <p:nvSpPr>
+          <p:cNvPr id="3" name="Subtitle 2">
+            <a:extLst>
+              <a:ext uri="{FF2B5EF4-FFF2-40B4-BE49-F238E27FC236}">
+                <a16:creationId xmlns:a16="http://schemas.microsoft.com/office/drawing/2014/main" id="{7A293C55-7093-CE79-4EAA-A7489D173BAD}"/>
+              </a:ext>
+            </a:extLst>
+          </p:cNvPr>
+          <p:cNvSpPr>
+            <a:spLocks noGrp="1"/>
+          </p:cNvSpPr>
+          <p:nvPr>
+            <p:ph type="subTitle" idx="1"/>
+          </p:nvPr>
+        </p:nvSpPr>
+        <p:spPr/>
+        <p:txBody>
+          <a:bodyPr/>
+          <a:lstStyle/>
+          <a:p>
+            <a:r>
+              <a:rPr lang="es-CO" dirty="0"/>
+              <a:t>En esta clase se presentan los conceptos generales requeridos para entender el flujo a superficie libre, en diferentes condiciones, considerando sus características geométricas, cinéticas y dinámicas.</a:t>
+            </a:r>
+          </a:p>
+        </p:txBody>
+      </p:sp>
+      <p:sp>
+        <p:nvSpPr>
+          <p:cNvPr id="4" name="Content Placeholder 3">
+            <a:extLst>
+              <a:ext uri="{FF2B5EF4-FFF2-40B4-BE49-F238E27FC236}">
+                <a16:creationId xmlns:a16="http://schemas.microsoft.com/office/drawing/2014/main" id="{28E699C3-CCCA-A613-F362-99033F9B8315}"/>
+              </a:ext>
+            </a:extLst>
+          </p:cNvPr>
+          <p:cNvSpPr>
+            <a:spLocks noGrp="1"/>
+          </p:cNvSpPr>
+          <p:nvPr>
+            <p:ph sz="quarter" idx="14"/>
+          </p:nvPr>
+        </p:nvSpPr>
+        <p:spPr/>
+        <p:txBody>
+          <a:bodyPr/>
+          <a:lstStyle/>
+          <a:p>
+            <a:r>
+              <a:rPr lang="es-CO" dirty="0"/>
+              <a:t>Juan David Rodríguez Acevedo</a:t>
+            </a:r>
+          </a:p>
+        </p:txBody>
+      </p:sp>
     </p:spTree>
     <p:extLst>
       <p:ext uri="{BB962C8B-B14F-4D97-AF65-F5344CB8AC3E}">
@@ -7680,9 +7680,16 @@
 <file path=customXml/itemProps2.xml><?xml version="1.0" encoding="utf-8"?>
 <ds:datastoreItem xmlns:ds="http://schemas.openxmlformats.org/officeDocument/2006/customXml" ds:itemID="{DEDD01B8-816B-49B7-8C81-03AB51D87C54}">
   <ds:schemaRefs>
+    <ds:schemaRef ds:uri="http://schemas.microsoft.com/office/infopath/2007/PartnerControls"/>
     <ds:schemaRef ds:uri="http://schemas.microsoft.com/office/2006/metadata/properties"/>
-    <ds:schemaRef ds:uri="http://schemas.microsoft.com/office/infopath/2007/PartnerControls"/>
+    <ds:schemaRef ds:uri="14224164-2045-4b51-92bb-313d0f626d83"/>
+    <ds:schemaRef ds:uri="http://www.w3.org/XML/1998/namespace"/>
+    <ds:schemaRef ds:uri="http://schemas.microsoft.com/office/2006/documentManagement/types"/>
+    <ds:schemaRef ds:uri="http://purl.org/dc/dcmitype/"/>
+    <ds:schemaRef ds:uri="http://schemas.openxmlformats.org/package/2006/metadata/core-properties"/>
+    <ds:schemaRef ds:uri="http://purl.org/dc/terms/"/>
     <ds:schemaRef ds:uri="bf3e1746-bde1-4d6e-9c3f-7182572f7502"/>
+    <ds:schemaRef ds:uri="http://purl.org/dc/elements/1.1/"/>
   </ds:schemaRefs>
 </ds:datastoreItem>
 </file>
